--- a/Presentation.pptx
+++ b/Presentation.pptx
@@ -5,7 +5,7 @@
     <p:sldMasterId id="2147483660" r:id="rId1"/>
   </p:sldMasterIdLst>
   <p:notesMasterIdLst>
-    <p:notesMasterId r:id="rId17"/>
+    <p:notesMasterId r:id="rId18"/>
   </p:notesMasterIdLst>
   <p:sldIdLst>
     <p:sldId id="256" r:id="rId2"/>
@@ -23,6 +23,7 @@
     <p:sldId id="270" r:id="rId14"/>
     <p:sldId id="271" r:id="rId15"/>
     <p:sldId id="272" r:id="rId16"/>
+    <p:sldId id="273" r:id="rId17"/>
   </p:sldIdLst>
   <p:sldSz cx="12192000" cy="6858000"/>
   <p:notesSz cx="6858000" cy="9144000"/>
@@ -27145,6 +27146,122 @@
 </p:sld>
 </file>
 
+<file path=ppt/slides/slide16.xml><?xml version="1.0" encoding="utf-8"?>
+<p:sld xmlns:a="http://schemas.openxmlformats.org/drawingml/2006/main" xmlns:r="http://schemas.openxmlformats.org/officeDocument/2006/relationships" xmlns:p="http://schemas.openxmlformats.org/presentationml/2006/main">
+  <p:cSld>
+    <p:spTree>
+      <p:nvGrpSpPr>
+        <p:cNvPr id="1" name=""/>
+        <p:cNvGrpSpPr/>
+        <p:nvPr/>
+      </p:nvGrpSpPr>
+      <p:grpSpPr>
+        <a:xfrm>
+          <a:off x="0" y="0"/>
+          <a:ext cx="0" cy="0"/>
+          <a:chOff x="0" y="0"/>
+          <a:chExt cx="0" cy="0"/>
+        </a:xfrm>
+      </p:grpSpPr>
+      <p:sp>
+        <p:nvSpPr>
+          <p:cNvPr id="2" name="Titel 1">
+            <a:extLst>
+              <a:ext uri="{FF2B5EF4-FFF2-40B4-BE49-F238E27FC236}">
+                <a16:creationId xmlns:a16="http://schemas.microsoft.com/office/drawing/2014/main" id="{979C2BB4-2D9B-4E0F-B189-525D94BC7EA3}"/>
+              </a:ext>
+            </a:extLst>
+          </p:cNvPr>
+          <p:cNvSpPr>
+            <a:spLocks noGrp="1"/>
+          </p:cNvSpPr>
+          <p:nvPr>
+            <p:ph type="title"/>
+          </p:nvPr>
+        </p:nvSpPr>
+        <p:spPr>
+          <a:xfrm>
+            <a:off x="1478048" y="90814"/>
+            <a:ext cx="10018713" cy="1752599"/>
+          </a:xfrm>
+        </p:spPr>
+        <p:txBody>
+          <a:bodyPr/>
+          <a:lstStyle/>
+          <a:p>
+            <a:r>
+              <a:rPr lang="de-DE" dirty="0"/>
+              <a:t>Aufgabe</a:t>
+            </a:r>
+          </a:p>
+        </p:txBody>
+      </p:sp>
+      <p:sp>
+        <p:nvSpPr>
+          <p:cNvPr id="3" name="Inhaltsplatzhalter 2">
+            <a:extLst>
+              <a:ext uri="{FF2B5EF4-FFF2-40B4-BE49-F238E27FC236}">
+                <a16:creationId xmlns:a16="http://schemas.microsoft.com/office/drawing/2014/main" id="{55E2F278-55BB-4DCC-BBC9-3A6257B52443}"/>
+              </a:ext>
+            </a:extLst>
+          </p:cNvPr>
+          <p:cNvSpPr>
+            <a:spLocks noGrp="1"/>
+          </p:cNvSpPr>
+          <p:nvPr>
+            <p:ph idx="1"/>
+          </p:nvPr>
+        </p:nvSpPr>
+        <p:spPr>
+          <a:xfrm>
+            <a:off x="1478048" y="1539656"/>
+            <a:ext cx="10018713" cy="3124201"/>
+          </a:xfrm>
+        </p:spPr>
+        <p:txBody>
+          <a:bodyPr/>
+          <a:lstStyle/>
+          <a:p>
+            <a:r>
+              <a:rPr lang="de-DE" dirty="0"/>
+              <a:t>Nehmt das existierende Projekt und ermöglicht in SQL das jeder Student in jedem Fach eine Note haben kann.</a:t>
+            </a:r>
+          </a:p>
+          <a:p>
+            <a:r>
+              <a:rPr lang="de-DE" dirty="0"/>
+              <a:t>Befüllt dann diese neue Möglichkeit mit </a:t>
+            </a:r>
+            <a:r>
+              <a:rPr lang="de-DE" dirty="0" err="1"/>
+              <a:t>informationen</a:t>
+            </a:r>
+            <a:r>
+              <a:rPr lang="de-DE" dirty="0"/>
+              <a:t> für mindestens einen Student</a:t>
+            </a:r>
+          </a:p>
+          <a:p>
+            <a:r>
+              <a:rPr lang="de-DE" dirty="0"/>
+              <a:t>Gebt dann diese Zeile in C# in der Konsole aus </a:t>
+            </a:r>
+          </a:p>
+        </p:txBody>
+      </p:sp>
+    </p:spTree>
+    <p:extLst>
+      <p:ext uri="{BB962C8B-B14F-4D97-AF65-F5344CB8AC3E}">
+        <p14:creationId xmlns:p14="http://schemas.microsoft.com/office/powerpoint/2010/main" val="2913678435"/>
+      </p:ext>
+    </p:extLst>
+  </p:cSld>
+  <p:clrMapOvr>
+    <a:masterClrMapping/>
+  </p:clrMapOvr>
+</p:sld>
+</file>
+
 <file path=ppt/slides/slide2.xml><?xml version="1.0" encoding="utf-8"?>
 <p:sld xmlns:a="http://schemas.openxmlformats.org/drawingml/2006/main" xmlns:r="http://schemas.openxmlformats.org/officeDocument/2006/relationships" xmlns:p="http://schemas.openxmlformats.org/presentationml/2006/main">
   <p:cSld>

--- a/Presentation.pptx
+++ b/Presentation.pptx
@@ -13,9 +13,9 @@
     <p:sldId id="267" r:id="rId4"/>
     <p:sldId id="268" r:id="rId5"/>
     <p:sldId id="259" r:id="rId6"/>
-    <p:sldId id="258" r:id="rId7"/>
-    <p:sldId id="265" r:id="rId8"/>
-    <p:sldId id="269" r:id="rId9"/>
+    <p:sldId id="269" r:id="rId7"/>
+    <p:sldId id="258" r:id="rId8"/>
+    <p:sldId id="265" r:id="rId9"/>
     <p:sldId id="260" r:id="rId10"/>
     <p:sldId id="261" r:id="rId11"/>
     <p:sldId id="263" r:id="rId12"/>
@@ -880,6 +880,788 @@
 </file>
 
 <file path=ppt/diagrams/colors2.xml><?xml version="1.0" encoding="utf-8"?>
+<dgm:colorsDef xmlns:dgm="http://schemas.openxmlformats.org/drawingml/2006/diagram" xmlns:a="http://schemas.openxmlformats.org/drawingml/2006/main" uniqueId="urn:microsoft.com/office/officeart/2005/8/colors/colorful2">
+  <dgm:title val=""/>
+  <dgm:desc val=""/>
+  <dgm:catLst>
+    <dgm:cat type="colorful" pri="10200"/>
+  </dgm:catLst>
+  <dgm:styleLbl name="node0">
+    <dgm:fillClrLst meth="repeat">
+      <a:schemeClr val="accent1"/>
+    </dgm:fillClrLst>
+    <dgm:linClrLst meth="repeat">
+      <a:schemeClr val="lt1"/>
+    </dgm:linClrLst>
+    <dgm:effectClrLst/>
+    <dgm:txLinClrLst/>
+    <dgm:txFillClrLst/>
+    <dgm:txEffectClrLst/>
+  </dgm:styleLbl>
+  <dgm:styleLbl name="node1">
+    <dgm:fillClrLst>
+      <a:schemeClr val="accent2"/>
+      <a:schemeClr val="accent3"/>
+    </dgm:fillClrLst>
+    <dgm:linClrLst meth="repeat">
+      <a:schemeClr val="lt1"/>
+    </dgm:linClrLst>
+    <dgm:effectClrLst/>
+    <dgm:txLinClrLst/>
+    <dgm:txFillClrLst/>
+    <dgm:txEffectClrLst/>
+  </dgm:styleLbl>
+  <dgm:styleLbl name="alignNode1">
+    <dgm:fillClrLst>
+      <a:schemeClr val="accent2"/>
+      <a:schemeClr val="accent3"/>
+    </dgm:fillClrLst>
+    <dgm:linClrLst>
+      <a:schemeClr val="accent2"/>
+      <a:schemeClr val="accent3"/>
+    </dgm:linClrLst>
+    <dgm:effectClrLst/>
+    <dgm:txLinClrLst/>
+    <dgm:txFillClrLst/>
+    <dgm:txEffectClrLst/>
+  </dgm:styleLbl>
+  <dgm:styleLbl name="lnNode1">
+    <dgm:fillClrLst>
+      <a:schemeClr val="accent2"/>
+      <a:schemeClr val="accent3"/>
+    </dgm:fillClrLst>
+    <dgm:linClrLst meth="repeat">
+      <a:schemeClr val="lt1"/>
+    </dgm:linClrLst>
+    <dgm:effectClrLst/>
+    <dgm:txLinClrLst/>
+    <dgm:txFillClrLst/>
+    <dgm:txEffectClrLst/>
+  </dgm:styleLbl>
+  <dgm:styleLbl name="vennNode1">
+    <dgm:fillClrLst>
+      <a:schemeClr val="accent2">
+        <a:alpha val="50000"/>
+      </a:schemeClr>
+      <a:schemeClr val="accent3">
+        <a:alpha val="50000"/>
+      </a:schemeClr>
+    </dgm:fillClrLst>
+    <dgm:linClrLst meth="repeat">
+      <a:schemeClr val="lt1"/>
+    </dgm:linClrLst>
+    <dgm:effectClrLst/>
+    <dgm:txLinClrLst/>
+    <dgm:txFillClrLst/>
+    <dgm:txEffectClrLst/>
+  </dgm:styleLbl>
+  <dgm:styleLbl name="node2">
+    <dgm:fillClrLst>
+      <a:schemeClr val="accent3"/>
+    </dgm:fillClrLst>
+    <dgm:linClrLst meth="repeat">
+      <a:schemeClr val="lt1"/>
+    </dgm:linClrLst>
+    <dgm:effectClrLst/>
+    <dgm:txLinClrLst/>
+    <dgm:txFillClrLst/>
+    <dgm:txEffectClrLst/>
+  </dgm:styleLbl>
+  <dgm:styleLbl name="node3">
+    <dgm:fillClrLst>
+      <a:schemeClr val="accent4"/>
+    </dgm:fillClrLst>
+    <dgm:linClrLst meth="repeat">
+      <a:schemeClr val="lt1"/>
+    </dgm:linClrLst>
+    <dgm:effectClrLst/>
+    <dgm:txLinClrLst/>
+    <dgm:txFillClrLst/>
+    <dgm:txEffectClrLst/>
+  </dgm:styleLbl>
+  <dgm:styleLbl name="node4">
+    <dgm:fillClrLst>
+      <a:schemeClr val="accent5"/>
+    </dgm:fillClrLst>
+    <dgm:linClrLst meth="repeat">
+      <a:schemeClr val="lt1"/>
+    </dgm:linClrLst>
+    <dgm:effectClrLst/>
+    <dgm:txLinClrLst/>
+    <dgm:txFillClrLst/>
+    <dgm:txEffectClrLst/>
+  </dgm:styleLbl>
+  <dgm:styleLbl name="fgImgPlace1">
+    <dgm:fillClrLst>
+      <a:schemeClr val="accent2">
+        <a:tint val="50000"/>
+      </a:schemeClr>
+      <a:schemeClr val="accent3">
+        <a:tint val="50000"/>
+      </a:schemeClr>
+    </dgm:fillClrLst>
+    <dgm:linClrLst meth="repeat">
+      <a:schemeClr val="lt1"/>
+    </dgm:linClrLst>
+    <dgm:effectClrLst/>
+    <dgm:txLinClrLst/>
+    <dgm:txFillClrLst meth="repeat">
+      <a:schemeClr val="lt1"/>
+    </dgm:txFillClrLst>
+    <dgm:txEffectClrLst/>
+  </dgm:styleLbl>
+  <dgm:styleLbl name="alignImgPlace1">
+    <dgm:fillClrLst>
+      <a:schemeClr val="accent2">
+        <a:tint val="50000"/>
+      </a:schemeClr>
+      <a:schemeClr val="accent3">
+        <a:tint val="20000"/>
+      </a:schemeClr>
+    </dgm:fillClrLst>
+    <dgm:linClrLst meth="repeat">
+      <a:schemeClr val="lt1"/>
+    </dgm:linClrLst>
+    <dgm:effectClrLst/>
+    <dgm:txLinClrLst/>
+    <dgm:txFillClrLst meth="repeat">
+      <a:schemeClr val="lt1"/>
+    </dgm:txFillClrLst>
+    <dgm:txEffectClrLst/>
+  </dgm:styleLbl>
+  <dgm:styleLbl name="bgImgPlace1">
+    <dgm:fillClrLst>
+      <a:schemeClr val="accent2">
+        <a:tint val="50000"/>
+      </a:schemeClr>
+      <a:schemeClr val="accent3">
+        <a:tint val="20000"/>
+      </a:schemeClr>
+    </dgm:fillClrLst>
+    <dgm:linClrLst meth="repeat">
+      <a:schemeClr val="lt1"/>
+    </dgm:linClrLst>
+    <dgm:effectClrLst/>
+    <dgm:txLinClrLst/>
+    <dgm:txFillClrLst meth="repeat">
+      <a:schemeClr val="lt1"/>
+    </dgm:txFillClrLst>
+    <dgm:txEffectClrLst/>
+  </dgm:styleLbl>
+  <dgm:styleLbl name="sibTrans2D1">
+    <dgm:fillClrLst>
+      <a:schemeClr val="accent2"/>
+      <a:schemeClr val="accent3"/>
+    </dgm:fillClrLst>
+    <dgm:linClrLst meth="repeat">
+      <a:schemeClr val="lt1"/>
+    </dgm:linClrLst>
+    <dgm:effectClrLst/>
+    <dgm:txLinClrLst/>
+    <dgm:txFillClrLst/>
+    <dgm:txEffectClrLst/>
+  </dgm:styleLbl>
+  <dgm:styleLbl name="fgSibTrans2D1">
+    <dgm:fillClrLst>
+      <a:schemeClr val="accent2"/>
+      <a:schemeClr val="accent3"/>
+    </dgm:fillClrLst>
+    <dgm:linClrLst meth="repeat">
+      <a:schemeClr val="lt1"/>
+    </dgm:linClrLst>
+    <dgm:effectClrLst/>
+    <dgm:txLinClrLst/>
+    <dgm:txFillClrLst meth="repeat">
+      <a:schemeClr val="lt1"/>
+    </dgm:txFillClrLst>
+    <dgm:txEffectClrLst/>
+  </dgm:styleLbl>
+  <dgm:styleLbl name="bgSibTrans2D1">
+    <dgm:fillClrLst>
+      <a:schemeClr val="accent2"/>
+      <a:schemeClr val="accent3"/>
+    </dgm:fillClrLst>
+    <dgm:linClrLst meth="repeat">
+      <a:schemeClr val="lt1"/>
+    </dgm:linClrLst>
+    <dgm:effectClrLst/>
+    <dgm:txLinClrLst/>
+    <dgm:txFillClrLst meth="repeat">
+      <a:schemeClr val="lt1"/>
+    </dgm:txFillClrLst>
+    <dgm:txEffectClrLst/>
+  </dgm:styleLbl>
+  <dgm:styleLbl name="sibTrans1D1">
+    <dgm:fillClrLst/>
+    <dgm:linClrLst>
+      <a:schemeClr val="accent2"/>
+      <a:schemeClr val="accent3"/>
+    </dgm:linClrLst>
+    <dgm:effectClrLst/>
+    <dgm:txLinClrLst/>
+    <dgm:txFillClrLst meth="repeat">
+      <a:schemeClr val="tx1"/>
+    </dgm:txFillClrLst>
+    <dgm:txEffectClrLst/>
+  </dgm:styleLbl>
+  <dgm:styleLbl name="callout">
+    <dgm:fillClrLst meth="repeat">
+      <a:schemeClr val="accent2"/>
+    </dgm:fillClrLst>
+    <dgm:linClrLst meth="repeat">
+      <a:schemeClr val="accent2">
+        <a:tint val="50000"/>
+      </a:schemeClr>
+    </dgm:linClrLst>
+    <dgm:effectClrLst/>
+    <dgm:txLinClrLst/>
+    <dgm:txFillClrLst meth="repeat">
+      <a:schemeClr val="tx1"/>
+    </dgm:txFillClrLst>
+    <dgm:txEffectClrLst/>
+  </dgm:styleLbl>
+  <dgm:styleLbl name="asst0">
+    <dgm:fillClrLst meth="repeat">
+      <a:schemeClr val="accent2"/>
+    </dgm:fillClrLst>
+    <dgm:linClrLst meth="repeat">
+      <a:schemeClr val="lt1">
+        <a:shade val="80000"/>
+      </a:schemeClr>
+    </dgm:linClrLst>
+    <dgm:effectClrLst/>
+    <dgm:txLinClrLst/>
+    <dgm:txFillClrLst/>
+    <dgm:txEffectClrLst/>
+  </dgm:styleLbl>
+  <dgm:styleLbl name="asst1">
+    <dgm:fillClrLst meth="repeat">
+      <a:schemeClr val="accent3"/>
+    </dgm:fillClrLst>
+    <dgm:linClrLst meth="repeat">
+      <a:schemeClr val="lt1">
+        <a:shade val="80000"/>
+      </a:schemeClr>
+    </dgm:linClrLst>
+    <dgm:effectClrLst/>
+    <dgm:txLinClrLst/>
+    <dgm:txFillClrLst/>
+    <dgm:txEffectClrLst/>
+  </dgm:styleLbl>
+  <dgm:styleLbl name="asst2">
+    <dgm:fillClrLst>
+      <a:schemeClr val="accent4"/>
+    </dgm:fillClrLst>
+    <dgm:linClrLst meth="repeat">
+      <a:schemeClr val="lt1"/>
+    </dgm:linClrLst>
+    <dgm:effectClrLst/>
+    <dgm:txLinClrLst/>
+    <dgm:txFillClrLst/>
+    <dgm:txEffectClrLst/>
+  </dgm:styleLbl>
+  <dgm:styleLbl name="asst3">
+    <dgm:fillClrLst>
+      <a:schemeClr val="accent5"/>
+    </dgm:fillClrLst>
+    <dgm:linClrLst meth="repeat">
+      <a:schemeClr val="lt1"/>
+    </dgm:linClrLst>
+    <dgm:effectClrLst/>
+    <dgm:txLinClrLst/>
+    <dgm:txFillClrLst/>
+    <dgm:txEffectClrLst/>
+  </dgm:styleLbl>
+  <dgm:styleLbl name="asst4">
+    <dgm:fillClrLst>
+      <a:schemeClr val="accent6"/>
+    </dgm:fillClrLst>
+    <dgm:linClrLst meth="repeat">
+      <a:schemeClr val="lt1"/>
+    </dgm:linClrLst>
+    <dgm:effectClrLst/>
+    <dgm:txLinClrLst/>
+    <dgm:txFillClrLst/>
+    <dgm:txEffectClrLst/>
+  </dgm:styleLbl>
+  <dgm:styleLbl name="parChTrans2D1">
+    <dgm:fillClrLst meth="repeat">
+      <a:schemeClr val="accent2"/>
+    </dgm:fillClrLst>
+    <dgm:linClrLst meth="repeat">
+      <a:schemeClr val="lt1"/>
+    </dgm:linClrLst>
+    <dgm:effectClrLst/>
+    <dgm:txLinClrLst/>
+    <dgm:txFillClrLst meth="repeat">
+      <a:schemeClr val="lt1"/>
+    </dgm:txFillClrLst>
+    <dgm:txEffectClrLst/>
+  </dgm:styleLbl>
+  <dgm:styleLbl name="parChTrans2D2">
+    <dgm:fillClrLst meth="repeat">
+      <a:schemeClr val="accent3"/>
+    </dgm:fillClrLst>
+    <dgm:linClrLst meth="repeat">
+      <a:schemeClr val="lt1"/>
+    </dgm:linClrLst>
+    <dgm:effectClrLst/>
+    <dgm:txLinClrLst/>
+    <dgm:txFillClrLst/>
+    <dgm:txEffectClrLst/>
+  </dgm:styleLbl>
+  <dgm:styleLbl name="parChTrans2D3">
+    <dgm:fillClrLst meth="repeat">
+      <a:schemeClr val="accent4"/>
+    </dgm:fillClrLst>
+    <dgm:linClrLst meth="repeat">
+      <a:schemeClr val="lt1"/>
+    </dgm:linClrLst>
+    <dgm:effectClrLst/>
+    <dgm:txLinClrLst/>
+    <dgm:txFillClrLst/>
+    <dgm:txEffectClrLst/>
+  </dgm:styleLbl>
+  <dgm:styleLbl name="parChTrans2D4">
+    <dgm:fillClrLst meth="repeat">
+      <a:schemeClr val="accent5"/>
+    </dgm:fillClrLst>
+    <dgm:linClrLst meth="repeat">
+      <a:schemeClr val="lt1"/>
+    </dgm:linClrLst>
+    <dgm:effectClrLst/>
+    <dgm:txLinClrLst/>
+    <dgm:txFillClrLst meth="repeat">
+      <a:schemeClr val="lt1"/>
+    </dgm:txFillClrLst>
+    <dgm:txEffectClrLst/>
+  </dgm:styleLbl>
+  <dgm:styleLbl name="parChTrans1D1">
+    <dgm:fillClrLst meth="repeat">
+      <a:schemeClr val="accent2"/>
+    </dgm:fillClrLst>
+    <dgm:linClrLst meth="repeat">
+      <a:schemeClr val="accent2"/>
+    </dgm:linClrLst>
+    <dgm:effectClrLst/>
+    <dgm:txLinClrLst/>
+    <dgm:txFillClrLst meth="repeat">
+      <a:schemeClr val="tx1"/>
+    </dgm:txFillClrLst>
+    <dgm:txEffectClrLst/>
+  </dgm:styleLbl>
+  <dgm:styleLbl name="parChTrans1D2">
+    <dgm:fillClrLst meth="repeat">
+      <a:schemeClr val="accent2">
+        <a:tint val="90000"/>
+      </a:schemeClr>
+    </dgm:fillClrLst>
+    <dgm:linClrLst meth="repeat">
+      <a:schemeClr val="accent3"/>
+    </dgm:linClrLst>
+    <dgm:effectClrLst/>
+    <dgm:txLinClrLst/>
+    <dgm:txFillClrLst meth="repeat">
+      <a:schemeClr val="tx1"/>
+    </dgm:txFillClrLst>
+    <dgm:txEffectClrLst/>
+  </dgm:styleLbl>
+  <dgm:styleLbl name="parChTrans1D3">
+    <dgm:fillClrLst meth="repeat">
+      <a:schemeClr val="accent2">
+        <a:tint val="70000"/>
+      </a:schemeClr>
+    </dgm:fillClrLst>
+    <dgm:linClrLst meth="repeat">
+      <a:schemeClr val="accent4"/>
+    </dgm:linClrLst>
+    <dgm:effectClrLst/>
+    <dgm:txLinClrLst/>
+    <dgm:txFillClrLst meth="repeat">
+      <a:schemeClr val="tx1"/>
+    </dgm:txFillClrLst>
+    <dgm:txEffectClrLst/>
+  </dgm:styleLbl>
+  <dgm:styleLbl name="parChTrans1D4">
+    <dgm:fillClrLst meth="repeat">
+      <a:schemeClr val="accent2">
+        <a:tint val="50000"/>
+      </a:schemeClr>
+    </dgm:fillClrLst>
+    <dgm:linClrLst meth="repeat">
+      <a:schemeClr val="accent5"/>
+    </dgm:linClrLst>
+    <dgm:effectClrLst/>
+    <dgm:txLinClrLst/>
+    <dgm:txFillClrLst meth="repeat">
+      <a:schemeClr val="tx1"/>
+    </dgm:txFillClrLst>
+    <dgm:txEffectClrLst/>
+  </dgm:styleLbl>
+  <dgm:styleLbl name="fgAcc1">
+    <dgm:fillClrLst meth="repeat">
+      <a:schemeClr val="lt1">
+        <a:alpha val="90000"/>
+      </a:schemeClr>
+    </dgm:fillClrLst>
+    <dgm:linClrLst>
+      <a:schemeClr val="accent2"/>
+      <a:schemeClr val="accent3"/>
+    </dgm:linClrLst>
+    <dgm:effectClrLst/>
+    <dgm:txLinClrLst/>
+    <dgm:txFillClrLst meth="repeat">
+      <a:schemeClr val="dk1"/>
+    </dgm:txFillClrLst>
+    <dgm:txEffectClrLst/>
+  </dgm:styleLbl>
+  <dgm:styleLbl name="conFgAcc1">
+    <dgm:fillClrLst meth="repeat">
+      <a:schemeClr val="lt1">
+        <a:alpha val="90000"/>
+      </a:schemeClr>
+    </dgm:fillClrLst>
+    <dgm:linClrLst>
+      <a:schemeClr val="accent2"/>
+      <a:schemeClr val="accent3"/>
+    </dgm:linClrLst>
+    <dgm:effectClrLst/>
+    <dgm:txLinClrLst/>
+    <dgm:txFillClrLst meth="repeat">
+      <a:schemeClr val="dk1"/>
+    </dgm:txFillClrLst>
+    <dgm:txEffectClrLst/>
+  </dgm:styleLbl>
+  <dgm:styleLbl name="alignAcc1">
+    <dgm:fillClrLst meth="repeat">
+      <a:schemeClr val="lt1">
+        <a:alpha val="90000"/>
+      </a:schemeClr>
+    </dgm:fillClrLst>
+    <dgm:linClrLst>
+      <a:schemeClr val="accent2"/>
+      <a:schemeClr val="accent3"/>
+    </dgm:linClrLst>
+    <dgm:effectClrLst/>
+    <dgm:txLinClrLst/>
+    <dgm:txFillClrLst meth="repeat">
+      <a:schemeClr val="dk1"/>
+    </dgm:txFillClrLst>
+    <dgm:txEffectClrLst/>
+  </dgm:styleLbl>
+  <dgm:styleLbl name="trAlignAcc1">
+    <dgm:fillClrLst meth="repeat">
+      <a:schemeClr val="lt1">
+        <a:alpha val="40000"/>
+      </a:schemeClr>
+    </dgm:fillClrLst>
+    <dgm:linClrLst meth="repeat">
+      <a:schemeClr val="accent2"/>
+    </dgm:linClrLst>
+    <dgm:effectClrLst/>
+    <dgm:txLinClrLst/>
+    <dgm:txFillClrLst meth="repeat">
+      <a:schemeClr val="dk1"/>
+    </dgm:txFillClrLst>
+    <dgm:txEffectClrLst/>
+  </dgm:styleLbl>
+  <dgm:styleLbl name="bgAcc1">
+    <dgm:fillClrLst meth="repeat">
+      <a:schemeClr val="lt1">
+        <a:alpha val="90000"/>
+      </a:schemeClr>
+    </dgm:fillClrLst>
+    <dgm:linClrLst>
+      <a:schemeClr val="accent2"/>
+      <a:schemeClr val="accent3"/>
+    </dgm:linClrLst>
+    <dgm:effectClrLst/>
+    <dgm:txLinClrLst/>
+    <dgm:txFillClrLst meth="repeat">
+      <a:schemeClr val="dk1"/>
+    </dgm:txFillClrLst>
+    <dgm:txEffectClrLst/>
+  </dgm:styleLbl>
+  <dgm:styleLbl name="solidFgAcc1">
+    <dgm:fillClrLst meth="repeat">
+      <a:schemeClr val="lt1"/>
+    </dgm:fillClrLst>
+    <dgm:linClrLst>
+      <a:schemeClr val="accent2"/>
+      <a:schemeClr val="accent3"/>
+    </dgm:linClrLst>
+    <dgm:effectClrLst/>
+    <dgm:txLinClrLst/>
+    <dgm:txFillClrLst meth="repeat">
+      <a:schemeClr val="dk1"/>
+    </dgm:txFillClrLst>
+    <dgm:txEffectClrLst/>
+  </dgm:styleLbl>
+  <dgm:styleLbl name="solidAlignAcc1">
+    <dgm:fillClrLst meth="repeat">
+      <a:schemeClr val="lt1"/>
+    </dgm:fillClrLst>
+    <dgm:linClrLst>
+      <a:schemeClr val="accent2"/>
+      <a:schemeClr val="accent3"/>
+    </dgm:linClrLst>
+    <dgm:effectClrLst/>
+    <dgm:txLinClrLst/>
+    <dgm:txFillClrLst meth="repeat">
+      <a:schemeClr val="dk1"/>
+    </dgm:txFillClrLst>
+    <dgm:txEffectClrLst/>
+  </dgm:styleLbl>
+  <dgm:styleLbl name="solidBgAcc1">
+    <dgm:fillClrLst meth="repeat">
+      <a:schemeClr val="lt1"/>
+    </dgm:fillClrLst>
+    <dgm:linClrLst>
+      <a:schemeClr val="accent2"/>
+      <a:schemeClr val="accent3"/>
+    </dgm:linClrLst>
+    <dgm:effectClrLst/>
+    <dgm:txLinClrLst/>
+    <dgm:txFillClrLst meth="repeat">
+      <a:schemeClr val="dk1"/>
+    </dgm:txFillClrLst>
+    <dgm:txEffectClrLst/>
+  </dgm:styleLbl>
+  <dgm:styleLbl name="fgAccFollowNode1">
+    <dgm:fillClrLst>
+      <a:schemeClr val="accent2">
+        <a:tint val="40000"/>
+        <a:alpha val="90000"/>
+      </a:schemeClr>
+      <a:schemeClr val="accent3">
+        <a:tint val="40000"/>
+        <a:alpha val="90000"/>
+      </a:schemeClr>
+    </dgm:fillClrLst>
+    <dgm:linClrLst>
+      <a:schemeClr val="accent2">
+        <a:tint val="40000"/>
+        <a:alpha val="90000"/>
+      </a:schemeClr>
+      <a:schemeClr val="accent3">
+        <a:tint val="40000"/>
+        <a:alpha val="90000"/>
+      </a:schemeClr>
+    </dgm:linClrLst>
+    <dgm:effectClrLst/>
+    <dgm:txLinClrLst/>
+    <dgm:txFillClrLst meth="repeat">
+      <a:schemeClr val="dk1"/>
+    </dgm:txFillClrLst>
+    <dgm:txEffectClrLst/>
+  </dgm:styleLbl>
+  <dgm:styleLbl name="alignAccFollowNode1">
+    <dgm:fillClrLst>
+      <a:schemeClr val="accent2">
+        <a:tint val="40000"/>
+        <a:alpha val="90000"/>
+      </a:schemeClr>
+      <a:schemeClr val="accent3">
+        <a:tint val="40000"/>
+        <a:alpha val="90000"/>
+      </a:schemeClr>
+    </dgm:fillClrLst>
+    <dgm:linClrLst>
+      <a:schemeClr val="accent2">
+        <a:tint val="40000"/>
+        <a:alpha val="90000"/>
+      </a:schemeClr>
+      <a:schemeClr val="accent3">
+        <a:tint val="40000"/>
+        <a:alpha val="90000"/>
+      </a:schemeClr>
+    </dgm:linClrLst>
+    <dgm:effectClrLst/>
+    <dgm:txLinClrLst/>
+    <dgm:txFillClrLst meth="repeat">
+      <a:schemeClr val="dk1"/>
+    </dgm:txFillClrLst>
+    <dgm:txEffectClrLst/>
+  </dgm:styleLbl>
+  <dgm:styleLbl name="bgAccFollowNode1">
+    <dgm:fillClrLst>
+      <a:schemeClr val="accent2">
+        <a:tint val="40000"/>
+        <a:alpha val="90000"/>
+      </a:schemeClr>
+      <a:schemeClr val="accent3">
+        <a:tint val="40000"/>
+        <a:alpha val="90000"/>
+      </a:schemeClr>
+    </dgm:fillClrLst>
+    <dgm:linClrLst>
+      <a:schemeClr val="accent2">
+        <a:tint val="40000"/>
+        <a:alpha val="90000"/>
+      </a:schemeClr>
+      <a:schemeClr val="accent3">
+        <a:tint val="40000"/>
+        <a:alpha val="90000"/>
+      </a:schemeClr>
+    </dgm:linClrLst>
+    <dgm:effectClrLst/>
+    <dgm:txLinClrLst/>
+    <dgm:txFillClrLst meth="repeat">
+      <a:schemeClr val="dk1"/>
+    </dgm:txFillClrLst>
+    <dgm:txEffectClrLst/>
+  </dgm:styleLbl>
+  <dgm:styleLbl name="fgAcc0">
+    <dgm:fillClrLst meth="repeat">
+      <a:schemeClr val="lt1">
+        <a:alpha val="90000"/>
+      </a:schemeClr>
+    </dgm:fillClrLst>
+    <dgm:linClrLst>
+      <a:schemeClr val="accent1"/>
+    </dgm:linClrLst>
+    <dgm:effectClrLst/>
+    <dgm:txLinClrLst/>
+    <dgm:txFillClrLst meth="repeat">
+      <a:schemeClr val="dk1"/>
+    </dgm:txFillClrLst>
+    <dgm:txEffectClrLst/>
+  </dgm:styleLbl>
+  <dgm:styleLbl name="fgAcc2">
+    <dgm:fillClrLst meth="repeat">
+      <a:schemeClr val="lt1">
+        <a:alpha val="90000"/>
+      </a:schemeClr>
+    </dgm:fillClrLst>
+    <dgm:linClrLst>
+      <a:schemeClr val="accent3"/>
+    </dgm:linClrLst>
+    <dgm:effectClrLst/>
+    <dgm:txLinClrLst/>
+    <dgm:txFillClrLst meth="repeat">
+      <a:schemeClr val="dk1"/>
+    </dgm:txFillClrLst>
+    <dgm:txEffectClrLst/>
+  </dgm:styleLbl>
+  <dgm:styleLbl name="fgAcc3">
+    <dgm:fillClrLst meth="repeat">
+      <a:schemeClr val="lt1">
+        <a:alpha val="90000"/>
+      </a:schemeClr>
+    </dgm:fillClrLst>
+    <dgm:linClrLst>
+      <a:schemeClr val="accent4"/>
+    </dgm:linClrLst>
+    <dgm:effectClrLst/>
+    <dgm:txLinClrLst/>
+    <dgm:txFillClrLst meth="repeat">
+      <a:schemeClr val="dk1"/>
+    </dgm:txFillClrLst>
+    <dgm:txEffectClrLst/>
+  </dgm:styleLbl>
+  <dgm:styleLbl name="fgAcc4">
+    <dgm:fillClrLst meth="repeat">
+      <a:schemeClr val="lt1">
+        <a:alpha val="90000"/>
+      </a:schemeClr>
+    </dgm:fillClrLst>
+    <dgm:linClrLst>
+      <a:schemeClr val="accent5"/>
+    </dgm:linClrLst>
+    <dgm:effectClrLst/>
+    <dgm:txLinClrLst/>
+    <dgm:txFillClrLst meth="repeat">
+      <a:schemeClr val="dk1"/>
+    </dgm:txFillClrLst>
+    <dgm:txEffectClrLst/>
+  </dgm:styleLbl>
+  <dgm:styleLbl name="bgShp">
+    <dgm:fillClrLst meth="repeat">
+      <a:schemeClr val="accent2">
+        <a:tint val="40000"/>
+      </a:schemeClr>
+    </dgm:fillClrLst>
+    <dgm:linClrLst meth="repeat">
+      <a:schemeClr val="dk1"/>
+    </dgm:linClrLst>
+    <dgm:effectClrLst/>
+    <dgm:txLinClrLst/>
+    <dgm:txFillClrLst meth="repeat">
+      <a:schemeClr val="dk1"/>
+    </dgm:txFillClrLst>
+    <dgm:txEffectClrLst/>
+  </dgm:styleLbl>
+  <dgm:styleLbl name="dkBgShp">
+    <dgm:fillClrLst meth="repeat">
+      <a:schemeClr val="accent2">
+        <a:shade val="90000"/>
+      </a:schemeClr>
+    </dgm:fillClrLst>
+    <dgm:linClrLst meth="repeat">
+      <a:schemeClr val="dk1"/>
+    </dgm:linClrLst>
+    <dgm:effectClrLst/>
+    <dgm:txLinClrLst/>
+    <dgm:txFillClrLst meth="repeat">
+      <a:schemeClr val="lt1"/>
+    </dgm:txFillClrLst>
+    <dgm:txEffectClrLst/>
+  </dgm:styleLbl>
+  <dgm:styleLbl name="trBgShp">
+    <dgm:fillClrLst meth="repeat">
+      <a:schemeClr val="accent2">
+        <a:tint val="50000"/>
+        <a:alpha val="40000"/>
+      </a:schemeClr>
+    </dgm:fillClrLst>
+    <dgm:linClrLst meth="repeat">
+      <a:schemeClr val="accent2"/>
+    </dgm:linClrLst>
+    <dgm:effectClrLst/>
+    <dgm:txLinClrLst/>
+    <dgm:txFillClrLst meth="repeat">
+      <a:schemeClr val="lt1"/>
+    </dgm:txFillClrLst>
+    <dgm:txEffectClrLst/>
+  </dgm:styleLbl>
+  <dgm:styleLbl name="fgShp">
+    <dgm:fillClrLst meth="repeat">
+      <a:schemeClr val="accent2">
+        <a:tint val="40000"/>
+      </a:schemeClr>
+    </dgm:fillClrLst>
+    <dgm:linClrLst meth="repeat">
+      <a:schemeClr val="lt1"/>
+    </dgm:linClrLst>
+    <dgm:effectClrLst/>
+    <dgm:txLinClrLst/>
+    <dgm:txFillClrLst meth="repeat">
+      <a:schemeClr val="dk1"/>
+    </dgm:txFillClrLst>
+    <dgm:txEffectClrLst/>
+  </dgm:styleLbl>
+  <dgm:styleLbl name="revTx">
+    <dgm:fillClrLst meth="repeat">
+      <a:schemeClr val="lt1">
+        <a:alpha val="0"/>
+      </a:schemeClr>
+    </dgm:fillClrLst>
+    <dgm:linClrLst meth="repeat">
+      <a:schemeClr val="dk1">
+        <a:alpha val="0"/>
+      </a:schemeClr>
+    </dgm:linClrLst>
+    <dgm:effectClrLst/>
+    <dgm:txLinClrLst/>
+    <dgm:txFillClrLst meth="repeat">
+      <a:schemeClr val="tx1"/>
+    </dgm:txFillClrLst>
+    <dgm:txEffectClrLst/>
+  </dgm:styleLbl>
+</dgm:colorsDef>
+</file>
+
+<file path=ppt/diagrams/colors3.xml><?xml version="1.0" encoding="utf-8"?>
 <dgm:colorsDef xmlns:dgm="http://schemas.openxmlformats.org/drawingml/2006/diagram" xmlns:a="http://schemas.openxmlformats.org/drawingml/2006/main" uniqueId="urn:microsoft.com/office/officeart/2005/8/colors/colorful1">
   <dgm:title val=""/>
   <dgm:desc val=""/>
@@ -1747,788 +2529,6 @@
   <dgm:styleLbl name="trBgShp">
     <dgm:fillClrLst meth="repeat">
       <a:schemeClr val="accent1">
-        <a:tint val="50000"/>
-        <a:alpha val="40000"/>
-      </a:schemeClr>
-    </dgm:fillClrLst>
-    <dgm:linClrLst meth="repeat">
-      <a:schemeClr val="accent2"/>
-    </dgm:linClrLst>
-    <dgm:effectClrLst/>
-    <dgm:txLinClrLst/>
-    <dgm:txFillClrLst meth="repeat">
-      <a:schemeClr val="lt1"/>
-    </dgm:txFillClrLst>
-    <dgm:txEffectClrLst/>
-  </dgm:styleLbl>
-  <dgm:styleLbl name="fgShp">
-    <dgm:fillClrLst meth="repeat">
-      <a:schemeClr val="accent2">
-        <a:tint val="40000"/>
-      </a:schemeClr>
-    </dgm:fillClrLst>
-    <dgm:linClrLst meth="repeat">
-      <a:schemeClr val="lt1"/>
-    </dgm:linClrLst>
-    <dgm:effectClrLst/>
-    <dgm:txLinClrLst/>
-    <dgm:txFillClrLst meth="repeat">
-      <a:schemeClr val="dk1"/>
-    </dgm:txFillClrLst>
-    <dgm:txEffectClrLst/>
-  </dgm:styleLbl>
-  <dgm:styleLbl name="revTx">
-    <dgm:fillClrLst meth="repeat">
-      <a:schemeClr val="lt1">
-        <a:alpha val="0"/>
-      </a:schemeClr>
-    </dgm:fillClrLst>
-    <dgm:linClrLst meth="repeat">
-      <a:schemeClr val="dk1">
-        <a:alpha val="0"/>
-      </a:schemeClr>
-    </dgm:linClrLst>
-    <dgm:effectClrLst/>
-    <dgm:txLinClrLst/>
-    <dgm:txFillClrLst meth="repeat">
-      <a:schemeClr val="tx1"/>
-    </dgm:txFillClrLst>
-    <dgm:txEffectClrLst/>
-  </dgm:styleLbl>
-</dgm:colorsDef>
-</file>
-
-<file path=ppt/diagrams/colors3.xml><?xml version="1.0" encoding="utf-8"?>
-<dgm:colorsDef xmlns:dgm="http://schemas.openxmlformats.org/drawingml/2006/diagram" xmlns:a="http://schemas.openxmlformats.org/drawingml/2006/main" uniqueId="urn:microsoft.com/office/officeart/2005/8/colors/colorful2">
-  <dgm:title val=""/>
-  <dgm:desc val=""/>
-  <dgm:catLst>
-    <dgm:cat type="colorful" pri="10200"/>
-  </dgm:catLst>
-  <dgm:styleLbl name="node0">
-    <dgm:fillClrLst meth="repeat">
-      <a:schemeClr val="accent1"/>
-    </dgm:fillClrLst>
-    <dgm:linClrLst meth="repeat">
-      <a:schemeClr val="lt1"/>
-    </dgm:linClrLst>
-    <dgm:effectClrLst/>
-    <dgm:txLinClrLst/>
-    <dgm:txFillClrLst/>
-    <dgm:txEffectClrLst/>
-  </dgm:styleLbl>
-  <dgm:styleLbl name="node1">
-    <dgm:fillClrLst>
-      <a:schemeClr val="accent2"/>
-      <a:schemeClr val="accent3"/>
-    </dgm:fillClrLst>
-    <dgm:linClrLst meth="repeat">
-      <a:schemeClr val="lt1"/>
-    </dgm:linClrLst>
-    <dgm:effectClrLst/>
-    <dgm:txLinClrLst/>
-    <dgm:txFillClrLst/>
-    <dgm:txEffectClrLst/>
-  </dgm:styleLbl>
-  <dgm:styleLbl name="alignNode1">
-    <dgm:fillClrLst>
-      <a:schemeClr val="accent2"/>
-      <a:schemeClr val="accent3"/>
-    </dgm:fillClrLst>
-    <dgm:linClrLst>
-      <a:schemeClr val="accent2"/>
-      <a:schemeClr val="accent3"/>
-    </dgm:linClrLst>
-    <dgm:effectClrLst/>
-    <dgm:txLinClrLst/>
-    <dgm:txFillClrLst/>
-    <dgm:txEffectClrLst/>
-  </dgm:styleLbl>
-  <dgm:styleLbl name="lnNode1">
-    <dgm:fillClrLst>
-      <a:schemeClr val="accent2"/>
-      <a:schemeClr val="accent3"/>
-    </dgm:fillClrLst>
-    <dgm:linClrLst meth="repeat">
-      <a:schemeClr val="lt1"/>
-    </dgm:linClrLst>
-    <dgm:effectClrLst/>
-    <dgm:txLinClrLst/>
-    <dgm:txFillClrLst/>
-    <dgm:txEffectClrLst/>
-  </dgm:styleLbl>
-  <dgm:styleLbl name="vennNode1">
-    <dgm:fillClrLst>
-      <a:schemeClr val="accent2">
-        <a:alpha val="50000"/>
-      </a:schemeClr>
-      <a:schemeClr val="accent3">
-        <a:alpha val="50000"/>
-      </a:schemeClr>
-    </dgm:fillClrLst>
-    <dgm:linClrLst meth="repeat">
-      <a:schemeClr val="lt1"/>
-    </dgm:linClrLst>
-    <dgm:effectClrLst/>
-    <dgm:txLinClrLst/>
-    <dgm:txFillClrLst/>
-    <dgm:txEffectClrLst/>
-  </dgm:styleLbl>
-  <dgm:styleLbl name="node2">
-    <dgm:fillClrLst>
-      <a:schemeClr val="accent3"/>
-    </dgm:fillClrLst>
-    <dgm:linClrLst meth="repeat">
-      <a:schemeClr val="lt1"/>
-    </dgm:linClrLst>
-    <dgm:effectClrLst/>
-    <dgm:txLinClrLst/>
-    <dgm:txFillClrLst/>
-    <dgm:txEffectClrLst/>
-  </dgm:styleLbl>
-  <dgm:styleLbl name="node3">
-    <dgm:fillClrLst>
-      <a:schemeClr val="accent4"/>
-    </dgm:fillClrLst>
-    <dgm:linClrLst meth="repeat">
-      <a:schemeClr val="lt1"/>
-    </dgm:linClrLst>
-    <dgm:effectClrLst/>
-    <dgm:txLinClrLst/>
-    <dgm:txFillClrLst/>
-    <dgm:txEffectClrLst/>
-  </dgm:styleLbl>
-  <dgm:styleLbl name="node4">
-    <dgm:fillClrLst>
-      <a:schemeClr val="accent5"/>
-    </dgm:fillClrLst>
-    <dgm:linClrLst meth="repeat">
-      <a:schemeClr val="lt1"/>
-    </dgm:linClrLst>
-    <dgm:effectClrLst/>
-    <dgm:txLinClrLst/>
-    <dgm:txFillClrLst/>
-    <dgm:txEffectClrLst/>
-  </dgm:styleLbl>
-  <dgm:styleLbl name="fgImgPlace1">
-    <dgm:fillClrLst>
-      <a:schemeClr val="accent2">
-        <a:tint val="50000"/>
-      </a:schemeClr>
-      <a:schemeClr val="accent3">
-        <a:tint val="50000"/>
-      </a:schemeClr>
-    </dgm:fillClrLst>
-    <dgm:linClrLst meth="repeat">
-      <a:schemeClr val="lt1"/>
-    </dgm:linClrLst>
-    <dgm:effectClrLst/>
-    <dgm:txLinClrLst/>
-    <dgm:txFillClrLst meth="repeat">
-      <a:schemeClr val="lt1"/>
-    </dgm:txFillClrLst>
-    <dgm:txEffectClrLst/>
-  </dgm:styleLbl>
-  <dgm:styleLbl name="alignImgPlace1">
-    <dgm:fillClrLst>
-      <a:schemeClr val="accent2">
-        <a:tint val="50000"/>
-      </a:schemeClr>
-      <a:schemeClr val="accent3">
-        <a:tint val="20000"/>
-      </a:schemeClr>
-    </dgm:fillClrLst>
-    <dgm:linClrLst meth="repeat">
-      <a:schemeClr val="lt1"/>
-    </dgm:linClrLst>
-    <dgm:effectClrLst/>
-    <dgm:txLinClrLst/>
-    <dgm:txFillClrLst meth="repeat">
-      <a:schemeClr val="lt1"/>
-    </dgm:txFillClrLst>
-    <dgm:txEffectClrLst/>
-  </dgm:styleLbl>
-  <dgm:styleLbl name="bgImgPlace1">
-    <dgm:fillClrLst>
-      <a:schemeClr val="accent2">
-        <a:tint val="50000"/>
-      </a:schemeClr>
-      <a:schemeClr val="accent3">
-        <a:tint val="20000"/>
-      </a:schemeClr>
-    </dgm:fillClrLst>
-    <dgm:linClrLst meth="repeat">
-      <a:schemeClr val="lt1"/>
-    </dgm:linClrLst>
-    <dgm:effectClrLst/>
-    <dgm:txLinClrLst/>
-    <dgm:txFillClrLst meth="repeat">
-      <a:schemeClr val="lt1"/>
-    </dgm:txFillClrLst>
-    <dgm:txEffectClrLst/>
-  </dgm:styleLbl>
-  <dgm:styleLbl name="sibTrans2D1">
-    <dgm:fillClrLst>
-      <a:schemeClr val="accent2"/>
-      <a:schemeClr val="accent3"/>
-    </dgm:fillClrLst>
-    <dgm:linClrLst meth="repeat">
-      <a:schemeClr val="lt1"/>
-    </dgm:linClrLst>
-    <dgm:effectClrLst/>
-    <dgm:txLinClrLst/>
-    <dgm:txFillClrLst/>
-    <dgm:txEffectClrLst/>
-  </dgm:styleLbl>
-  <dgm:styleLbl name="fgSibTrans2D1">
-    <dgm:fillClrLst>
-      <a:schemeClr val="accent2"/>
-      <a:schemeClr val="accent3"/>
-    </dgm:fillClrLst>
-    <dgm:linClrLst meth="repeat">
-      <a:schemeClr val="lt1"/>
-    </dgm:linClrLst>
-    <dgm:effectClrLst/>
-    <dgm:txLinClrLst/>
-    <dgm:txFillClrLst meth="repeat">
-      <a:schemeClr val="lt1"/>
-    </dgm:txFillClrLst>
-    <dgm:txEffectClrLst/>
-  </dgm:styleLbl>
-  <dgm:styleLbl name="bgSibTrans2D1">
-    <dgm:fillClrLst>
-      <a:schemeClr val="accent2"/>
-      <a:schemeClr val="accent3"/>
-    </dgm:fillClrLst>
-    <dgm:linClrLst meth="repeat">
-      <a:schemeClr val="lt1"/>
-    </dgm:linClrLst>
-    <dgm:effectClrLst/>
-    <dgm:txLinClrLst/>
-    <dgm:txFillClrLst meth="repeat">
-      <a:schemeClr val="lt1"/>
-    </dgm:txFillClrLst>
-    <dgm:txEffectClrLst/>
-  </dgm:styleLbl>
-  <dgm:styleLbl name="sibTrans1D1">
-    <dgm:fillClrLst/>
-    <dgm:linClrLst>
-      <a:schemeClr val="accent2"/>
-      <a:schemeClr val="accent3"/>
-    </dgm:linClrLst>
-    <dgm:effectClrLst/>
-    <dgm:txLinClrLst/>
-    <dgm:txFillClrLst meth="repeat">
-      <a:schemeClr val="tx1"/>
-    </dgm:txFillClrLst>
-    <dgm:txEffectClrLst/>
-  </dgm:styleLbl>
-  <dgm:styleLbl name="callout">
-    <dgm:fillClrLst meth="repeat">
-      <a:schemeClr val="accent2"/>
-    </dgm:fillClrLst>
-    <dgm:linClrLst meth="repeat">
-      <a:schemeClr val="accent2">
-        <a:tint val="50000"/>
-      </a:schemeClr>
-    </dgm:linClrLst>
-    <dgm:effectClrLst/>
-    <dgm:txLinClrLst/>
-    <dgm:txFillClrLst meth="repeat">
-      <a:schemeClr val="tx1"/>
-    </dgm:txFillClrLst>
-    <dgm:txEffectClrLst/>
-  </dgm:styleLbl>
-  <dgm:styleLbl name="asst0">
-    <dgm:fillClrLst meth="repeat">
-      <a:schemeClr val="accent2"/>
-    </dgm:fillClrLst>
-    <dgm:linClrLst meth="repeat">
-      <a:schemeClr val="lt1">
-        <a:shade val="80000"/>
-      </a:schemeClr>
-    </dgm:linClrLst>
-    <dgm:effectClrLst/>
-    <dgm:txLinClrLst/>
-    <dgm:txFillClrLst/>
-    <dgm:txEffectClrLst/>
-  </dgm:styleLbl>
-  <dgm:styleLbl name="asst1">
-    <dgm:fillClrLst meth="repeat">
-      <a:schemeClr val="accent3"/>
-    </dgm:fillClrLst>
-    <dgm:linClrLst meth="repeat">
-      <a:schemeClr val="lt1">
-        <a:shade val="80000"/>
-      </a:schemeClr>
-    </dgm:linClrLst>
-    <dgm:effectClrLst/>
-    <dgm:txLinClrLst/>
-    <dgm:txFillClrLst/>
-    <dgm:txEffectClrLst/>
-  </dgm:styleLbl>
-  <dgm:styleLbl name="asst2">
-    <dgm:fillClrLst>
-      <a:schemeClr val="accent4"/>
-    </dgm:fillClrLst>
-    <dgm:linClrLst meth="repeat">
-      <a:schemeClr val="lt1"/>
-    </dgm:linClrLst>
-    <dgm:effectClrLst/>
-    <dgm:txLinClrLst/>
-    <dgm:txFillClrLst/>
-    <dgm:txEffectClrLst/>
-  </dgm:styleLbl>
-  <dgm:styleLbl name="asst3">
-    <dgm:fillClrLst>
-      <a:schemeClr val="accent5"/>
-    </dgm:fillClrLst>
-    <dgm:linClrLst meth="repeat">
-      <a:schemeClr val="lt1"/>
-    </dgm:linClrLst>
-    <dgm:effectClrLst/>
-    <dgm:txLinClrLst/>
-    <dgm:txFillClrLst/>
-    <dgm:txEffectClrLst/>
-  </dgm:styleLbl>
-  <dgm:styleLbl name="asst4">
-    <dgm:fillClrLst>
-      <a:schemeClr val="accent6"/>
-    </dgm:fillClrLst>
-    <dgm:linClrLst meth="repeat">
-      <a:schemeClr val="lt1"/>
-    </dgm:linClrLst>
-    <dgm:effectClrLst/>
-    <dgm:txLinClrLst/>
-    <dgm:txFillClrLst/>
-    <dgm:txEffectClrLst/>
-  </dgm:styleLbl>
-  <dgm:styleLbl name="parChTrans2D1">
-    <dgm:fillClrLst meth="repeat">
-      <a:schemeClr val="accent2"/>
-    </dgm:fillClrLst>
-    <dgm:linClrLst meth="repeat">
-      <a:schemeClr val="lt1"/>
-    </dgm:linClrLst>
-    <dgm:effectClrLst/>
-    <dgm:txLinClrLst/>
-    <dgm:txFillClrLst meth="repeat">
-      <a:schemeClr val="lt1"/>
-    </dgm:txFillClrLst>
-    <dgm:txEffectClrLst/>
-  </dgm:styleLbl>
-  <dgm:styleLbl name="parChTrans2D2">
-    <dgm:fillClrLst meth="repeat">
-      <a:schemeClr val="accent3"/>
-    </dgm:fillClrLst>
-    <dgm:linClrLst meth="repeat">
-      <a:schemeClr val="lt1"/>
-    </dgm:linClrLst>
-    <dgm:effectClrLst/>
-    <dgm:txLinClrLst/>
-    <dgm:txFillClrLst/>
-    <dgm:txEffectClrLst/>
-  </dgm:styleLbl>
-  <dgm:styleLbl name="parChTrans2D3">
-    <dgm:fillClrLst meth="repeat">
-      <a:schemeClr val="accent4"/>
-    </dgm:fillClrLst>
-    <dgm:linClrLst meth="repeat">
-      <a:schemeClr val="lt1"/>
-    </dgm:linClrLst>
-    <dgm:effectClrLst/>
-    <dgm:txLinClrLst/>
-    <dgm:txFillClrLst/>
-    <dgm:txEffectClrLst/>
-  </dgm:styleLbl>
-  <dgm:styleLbl name="parChTrans2D4">
-    <dgm:fillClrLst meth="repeat">
-      <a:schemeClr val="accent5"/>
-    </dgm:fillClrLst>
-    <dgm:linClrLst meth="repeat">
-      <a:schemeClr val="lt1"/>
-    </dgm:linClrLst>
-    <dgm:effectClrLst/>
-    <dgm:txLinClrLst/>
-    <dgm:txFillClrLst meth="repeat">
-      <a:schemeClr val="lt1"/>
-    </dgm:txFillClrLst>
-    <dgm:txEffectClrLst/>
-  </dgm:styleLbl>
-  <dgm:styleLbl name="parChTrans1D1">
-    <dgm:fillClrLst meth="repeat">
-      <a:schemeClr val="accent2"/>
-    </dgm:fillClrLst>
-    <dgm:linClrLst meth="repeat">
-      <a:schemeClr val="accent2"/>
-    </dgm:linClrLst>
-    <dgm:effectClrLst/>
-    <dgm:txLinClrLst/>
-    <dgm:txFillClrLst meth="repeat">
-      <a:schemeClr val="tx1"/>
-    </dgm:txFillClrLst>
-    <dgm:txEffectClrLst/>
-  </dgm:styleLbl>
-  <dgm:styleLbl name="parChTrans1D2">
-    <dgm:fillClrLst meth="repeat">
-      <a:schemeClr val="accent2">
-        <a:tint val="90000"/>
-      </a:schemeClr>
-    </dgm:fillClrLst>
-    <dgm:linClrLst meth="repeat">
-      <a:schemeClr val="accent3"/>
-    </dgm:linClrLst>
-    <dgm:effectClrLst/>
-    <dgm:txLinClrLst/>
-    <dgm:txFillClrLst meth="repeat">
-      <a:schemeClr val="tx1"/>
-    </dgm:txFillClrLst>
-    <dgm:txEffectClrLst/>
-  </dgm:styleLbl>
-  <dgm:styleLbl name="parChTrans1D3">
-    <dgm:fillClrLst meth="repeat">
-      <a:schemeClr val="accent2">
-        <a:tint val="70000"/>
-      </a:schemeClr>
-    </dgm:fillClrLst>
-    <dgm:linClrLst meth="repeat">
-      <a:schemeClr val="accent4"/>
-    </dgm:linClrLst>
-    <dgm:effectClrLst/>
-    <dgm:txLinClrLst/>
-    <dgm:txFillClrLst meth="repeat">
-      <a:schemeClr val="tx1"/>
-    </dgm:txFillClrLst>
-    <dgm:txEffectClrLst/>
-  </dgm:styleLbl>
-  <dgm:styleLbl name="parChTrans1D4">
-    <dgm:fillClrLst meth="repeat">
-      <a:schemeClr val="accent2">
-        <a:tint val="50000"/>
-      </a:schemeClr>
-    </dgm:fillClrLst>
-    <dgm:linClrLst meth="repeat">
-      <a:schemeClr val="accent5"/>
-    </dgm:linClrLst>
-    <dgm:effectClrLst/>
-    <dgm:txLinClrLst/>
-    <dgm:txFillClrLst meth="repeat">
-      <a:schemeClr val="tx1"/>
-    </dgm:txFillClrLst>
-    <dgm:txEffectClrLst/>
-  </dgm:styleLbl>
-  <dgm:styleLbl name="fgAcc1">
-    <dgm:fillClrLst meth="repeat">
-      <a:schemeClr val="lt1">
-        <a:alpha val="90000"/>
-      </a:schemeClr>
-    </dgm:fillClrLst>
-    <dgm:linClrLst>
-      <a:schemeClr val="accent2"/>
-      <a:schemeClr val="accent3"/>
-    </dgm:linClrLst>
-    <dgm:effectClrLst/>
-    <dgm:txLinClrLst/>
-    <dgm:txFillClrLst meth="repeat">
-      <a:schemeClr val="dk1"/>
-    </dgm:txFillClrLst>
-    <dgm:txEffectClrLst/>
-  </dgm:styleLbl>
-  <dgm:styleLbl name="conFgAcc1">
-    <dgm:fillClrLst meth="repeat">
-      <a:schemeClr val="lt1">
-        <a:alpha val="90000"/>
-      </a:schemeClr>
-    </dgm:fillClrLst>
-    <dgm:linClrLst>
-      <a:schemeClr val="accent2"/>
-      <a:schemeClr val="accent3"/>
-    </dgm:linClrLst>
-    <dgm:effectClrLst/>
-    <dgm:txLinClrLst/>
-    <dgm:txFillClrLst meth="repeat">
-      <a:schemeClr val="dk1"/>
-    </dgm:txFillClrLst>
-    <dgm:txEffectClrLst/>
-  </dgm:styleLbl>
-  <dgm:styleLbl name="alignAcc1">
-    <dgm:fillClrLst meth="repeat">
-      <a:schemeClr val="lt1">
-        <a:alpha val="90000"/>
-      </a:schemeClr>
-    </dgm:fillClrLst>
-    <dgm:linClrLst>
-      <a:schemeClr val="accent2"/>
-      <a:schemeClr val="accent3"/>
-    </dgm:linClrLst>
-    <dgm:effectClrLst/>
-    <dgm:txLinClrLst/>
-    <dgm:txFillClrLst meth="repeat">
-      <a:schemeClr val="dk1"/>
-    </dgm:txFillClrLst>
-    <dgm:txEffectClrLst/>
-  </dgm:styleLbl>
-  <dgm:styleLbl name="trAlignAcc1">
-    <dgm:fillClrLst meth="repeat">
-      <a:schemeClr val="lt1">
-        <a:alpha val="40000"/>
-      </a:schemeClr>
-    </dgm:fillClrLst>
-    <dgm:linClrLst meth="repeat">
-      <a:schemeClr val="accent2"/>
-    </dgm:linClrLst>
-    <dgm:effectClrLst/>
-    <dgm:txLinClrLst/>
-    <dgm:txFillClrLst meth="repeat">
-      <a:schemeClr val="dk1"/>
-    </dgm:txFillClrLst>
-    <dgm:txEffectClrLst/>
-  </dgm:styleLbl>
-  <dgm:styleLbl name="bgAcc1">
-    <dgm:fillClrLst meth="repeat">
-      <a:schemeClr val="lt1">
-        <a:alpha val="90000"/>
-      </a:schemeClr>
-    </dgm:fillClrLst>
-    <dgm:linClrLst>
-      <a:schemeClr val="accent2"/>
-      <a:schemeClr val="accent3"/>
-    </dgm:linClrLst>
-    <dgm:effectClrLst/>
-    <dgm:txLinClrLst/>
-    <dgm:txFillClrLst meth="repeat">
-      <a:schemeClr val="dk1"/>
-    </dgm:txFillClrLst>
-    <dgm:txEffectClrLst/>
-  </dgm:styleLbl>
-  <dgm:styleLbl name="solidFgAcc1">
-    <dgm:fillClrLst meth="repeat">
-      <a:schemeClr val="lt1"/>
-    </dgm:fillClrLst>
-    <dgm:linClrLst>
-      <a:schemeClr val="accent2"/>
-      <a:schemeClr val="accent3"/>
-    </dgm:linClrLst>
-    <dgm:effectClrLst/>
-    <dgm:txLinClrLst/>
-    <dgm:txFillClrLst meth="repeat">
-      <a:schemeClr val="dk1"/>
-    </dgm:txFillClrLst>
-    <dgm:txEffectClrLst/>
-  </dgm:styleLbl>
-  <dgm:styleLbl name="solidAlignAcc1">
-    <dgm:fillClrLst meth="repeat">
-      <a:schemeClr val="lt1"/>
-    </dgm:fillClrLst>
-    <dgm:linClrLst>
-      <a:schemeClr val="accent2"/>
-      <a:schemeClr val="accent3"/>
-    </dgm:linClrLst>
-    <dgm:effectClrLst/>
-    <dgm:txLinClrLst/>
-    <dgm:txFillClrLst meth="repeat">
-      <a:schemeClr val="dk1"/>
-    </dgm:txFillClrLst>
-    <dgm:txEffectClrLst/>
-  </dgm:styleLbl>
-  <dgm:styleLbl name="solidBgAcc1">
-    <dgm:fillClrLst meth="repeat">
-      <a:schemeClr val="lt1"/>
-    </dgm:fillClrLst>
-    <dgm:linClrLst>
-      <a:schemeClr val="accent2"/>
-      <a:schemeClr val="accent3"/>
-    </dgm:linClrLst>
-    <dgm:effectClrLst/>
-    <dgm:txLinClrLst/>
-    <dgm:txFillClrLst meth="repeat">
-      <a:schemeClr val="dk1"/>
-    </dgm:txFillClrLst>
-    <dgm:txEffectClrLst/>
-  </dgm:styleLbl>
-  <dgm:styleLbl name="fgAccFollowNode1">
-    <dgm:fillClrLst>
-      <a:schemeClr val="accent2">
-        <a:tint val="40000"/>
-        <a:alpha val="90000"/>
-      </a:schemeClr>
-      <a:schemeClr val="accent3">
-        <a:tint val="40000"/>
-        <a:alpha val="90000"/>
-      </a:schemeClr>
-    </dgm:fillClrLst>
-    <dgm:linClrLst>
-      <a:schemeClr val="accent2">
-        <a:tint val="40000"/>
-        <a:alpha val="90000"/>
-      </a:schemeClr>
-      <a:schemeClr val="accent3">
-        <a:tint val="40000"/>
-        <a:alpha val="90000"/>
-      </a:schemeClr>
-    </dgm:linClrLst>
-    <dgm:effectClrLst/>
-    <dgm:txLinClrLst/>
-    <dgm:txFillClrLst meth="repeat">
-      <a:schemeClr val="dk1"/>
-    </dgm:txFillClrLst>
-    <dgm:txEffectClrLst/>
-  </dgm:styleLbl>
-  <dgm:styleLbl name="alignAccFollowNode1">
-    <dgm:fillClrLst>
-      <a:schemeClr val="accent2">
-        <a:tint val="40000"/>
-        <a:alpha val="90000"/>
-      </a:schemeClr>
-      <a:schemeClr val="accent3">
-        <a:tint val="40000"/>
-        <a:alpha val="90000"/>
-      </a:schemeClr>
-    </dgm:fillClrLst>
-    <dgm:linClrLst>
-      <a:schemeClr val="accent2">
-        <a:tint val="40000"/>
-        <a:alpha val="90000"/>
-      </a:schemeClr>
-      <a:schemeClr val="accent3">
-        <a:tint val="40000"/>
-        <a:alpha val="90000"/>
-      </a:schemeClr>
-    </dgm:linClrLst>
-    <dgm:effectClrLst/>
-    <dgm:txLinClrLst/>
-    <dgm:txFillClrLst meth="repeat">
-      <a:schemeClr val="dk1"/>
-    </dgm:txFillClrLst>
-    <dgm:txEffectClrLst/>
-  </dgm:styleLbl>
-  <dgm:styleLbl name="bgAccFollowNode1">
-    <dgm:fillClrLst>
-      <a:schemeClr val="accent2">
-        <a:tint val="40000"/>
-        <a:alpha val="90000"/>
-      </a:schemeClr>
-      <a:schemeClr val="accent3">
-        <a:tint val="40000"/>
-        <a:alpha val="90000"/>
-      </a:schemeClr>
-    </dgm:fillClrLst>
-    <dgm:linClrLst>
-      <a:schemeClr val="accent2">
-        <a:tint val="40000"/>
-        <a:alpha val="90000"/>
-      </a:schemeClr>
-      <a:schemeClr val="accent3">
-        <a:tint val="40000"/>
-        <a:alpha val="90000"/>
-      </a:schemeClr>
-    </dgm:linClrLst>
-    <dgm:effectClrLst/>
-    <dgm:txLinClrLst/>
-    <dgm:txFillClrLst meth="repeat">
-      <a:schemeClr val="dk1"/>
-    </dgm:txFillClrLst>
-    <dgm:txEffectClrLst/>
-  </dgm:styleLbl>
-  <dgm:styleLbl name="fgAcc0">
-    <dgm:fillClrLst meth="repeat">
-      <a:schemeClr val="lt1">
-        <a:alpha val="90000"/>
-      </a:schemeClr>
-    </dgm:fillClrLst>
-    <dgm:linClrLst>
-      <a:schemeClr val="accent1"/>
-    </dgm:linClrLst>
-    <dgm:effectClrLst/>
-    <dgm:txLinClrLst/>
-    <dgm:txFillClrLst meth="repeat">
-      <a:schemeClr val="dk1"/>
-    </dgm:txFillClrLst>
-    <dgm:txEffectClrLst/>
-  </dgm:styleLbl>
-  <dgm:styleLbl name="fgAcc2">
-    <dgm:fillClrLst meth="repeat">
-      <a:schemeClr val="lt1">
-        <a:alpha val="90000"/>
-      </a:schemeClr>
-    </dgm:fillClrLst>
-    <dgm:linClrLst>
-      <a:schemeClr val="accent3"/>
-    </dgm:linClrLst>
-    <dgm:effectClrLst/>
-    <dgm:txLinClrLst/>
-    <dgm:txFillClrLst meth="repeat">
-      <a:schemeClr val="dk1"/>
-    </dgm:txFillClrLst>
-    <dgm:txEffectClrLst/>
-  </dgm:styleLbl>
-  <dgm:styleLbl name="fgAcc3">
-    <dgm:fillClrLst meth="repeat">
-      <a:schemeClr val="lt1">
-        <a:alpha val="90000"/>
-      </a:schemeClr>
-    </dgm:fillClrLst>
-    <dgm:linClrLst>
-      <a:schemeClr val="accent4"/>
-    </dgm:linClrLst>
-    <dgm:effectClrLst/>
-    <dgm:txLinClrLst/>
-    <dgm:txFillClrLst meth="repeat">
-      <a:schemeClr val="dk1"/>
-    </dgm:txFillClrLst>
-    <dgm:txEffectClrLst/>
-  </dgm:styleLbl>
-  <dgm:styleLbl name="fgAcc4">
-    <dgm:fillClrLst meth="repeat">
-      <a:schemeClr val="lt1">
-        <a:alpha val="90000"/>
-      </a:schemeClr>
-    </dgm:fillClrLst>
-    <dgm:linClrLst>
-      <a:schemeClr val="accent5"/>
-    </dgm:linClrLst>
-    <dgm:effectClrLst/>
-    <dgm:txLinClrLst/>
-    <dgm:txFillClrLst meth="repeat">
-      <a:schemeClr val="dk1"/>
-    </dgm:txFillClrLst>
-    <dgm:txEffectClrLst/>
-  </dgm:styleLbl>
-  <dgm:styleLbl name="bgShp">
-    <dgm:fillClrLst meth="repeat">
-      <a:schemeClr val="accent2">
-        <a:tint val="40000"/>
-      </a:schemeClr>
-    </dgm:fillClrLst>
-    <dgm:linClrLst meth="repeat">
-      <a:schemeClr val="dk1"/>
-    </dgm:linClrLst>
-    <dgm:effectClrLst/>
-    <dgm:txLinClrLst/>
-    <dgm:txFillClrLst meth="repeat">
-      <a:schemeClr val="dk1"/>
-    </dgm:txFillClrLst>
-    <dgm:txEffectClrLst/>
-  </dgm:styleLbl>
-  <dgm:styleLbl name="dkBgShp">
-    <dgm:fillClrLst meth="repeat">
-      <a:schemeClr val="accent2">
-        <a:shade val="90000"/>
-      </a:schemeClr>
-    </dgm:fillClrLst>
-    <dgm:linClrLst meth="repeat">
-      <a:schemeClr val="dk1"/>
-    </dgm:linClrLst>
-    <dgm:effectClrLst/>
-    <dgm:txLinClrLst/>
-    <dgm:txFillClrLst meth="repeat">
-      <a:schemeClr val="lt1"/>
-    </dgm:txFillClrLst>
-    <dgm:txEffectClrLst/>
-  </dgm:styleLbl>
-  <dgm:styleLbl name="trBgShp">
-    <dgm:fillClrLst meth="repeat">
-      <a:schemeClr val="accent2">
         <a:tint val="50000"/>
         <a:alpha val="40000"/>
       </a:schemeClr>
@@ -3734,534 +3734,6 @@
 </file>
 
 <file path=ppt/diagrams/data2.xml><?xml version="1.0" encoding="utf-8"?>
-<dgm:dataModel xmlns:dgm="http://schemas.openxmlformats.org/drawingml/2006/diagram" xmlns:a="http://schemas.openxmlformats.org/drawingml/2006/main">
-  <dgm:ptLst>
-    <dgm:pt modelId="{65ED52B3-9AFB-41B4-84E0-424EDFD74D4C}" type="doc">
-      <dgm:prSet loTypeId="urn:microsoft.com/office/officeart/2008/layout/LinedList" loCatId="list" qsTypeId="urn:microsoft.com/office/officeart/2005/8/quickstyle/simple1" qsCatId="simple" csTypeId="urn:microsoft.com/office/officeart/2005/8/colors/colorful1" csCatId="colorful" phldr="1"/>
-      <dgm:spPr/>
-      <dgm:t>
-        <a:bodyPr/>
-        <a:lstStyle/>
-        <a:p>
-          <a:endParaRPr lang="en-US"/>
-        </a:p>
-      </dgm:t>
-    </dgm:pt>
-    <dgm:pt modelId="{15B8D70E-07BC-4B5E-ABB9-1548672C30E1}">
-      <dgm:prSet/>
-      <dgm:spPr/>
-      <dgm:t>
-        <a:bodyPr/>
-        <a:lstStyle/>
-        <a:p>
-          <a:r>
-            <a:rPr lang="en-US" b="1" u="none" dirty="0">
-              <a:solidFill>
-                <a:schemeClr val="tx1"/>
-              </a:solidFill>
-            </a:rPr>
-            <a:t>NOT NULL</a:t>
-          </a:r>
-          <a:r>
-            <a:rPr lang="en-US" u="none" dirty="0">
-              <a:solidFill>
-                <a:schemeClr val="tx1"/>
-              </a:solidFill>
-            </a:rPr>
-            <a:t>- Ensures that a column cannot have a NULL value</a:t>
-          </a:r>
-        </a:p>
-      </dgm:t>
-    </dgm:pt>
-    <dgm:pt modelId="{E0A60FB6-5ACC-439C-815D-A7250A503EAB}" type="parTrans" cxnId="{3FD42CB1-CE46-4911-9F76-4C20E5AF147B}">
-      <dgm:prSet/>
-      <dgm:spPr/>
-      <dgm:t>
-        <a:bodyPr/>
-        <a:lstStyle/>
-        <a:p>
-          <a:endParaRPr lang="en-US"/>
-        </a:p>
-      </dgm:t>
-    </dgm:pt>
-    <dgm:pt modelId="{1F08641B-A498-4059-B6E5-0B367F5D8734}" type="sibTrans" cxnId="{3FD42CB1-CE46-4911-9F76-4C20E5AF147B}">
-      <dgm:prSet/>
-      <dgm:spPr/>
-      <dgm:t>
-        <a:bodyPr/>
-        <a:lstStyle/>
-        <a:p>
-          <a:endParaRPr lang="en-US"/>
-        </a:p>
-      </dgm:t>
-    </dgm:pt>
-    <dgm:pt modelId="{78A14EE5-328E-453D-B33A-69130D1DE710}">
-      <dgm:prSet/>
-      <dgm:spPr/>
-      <dgm:t>
-        <a:bodyPr/>
-        <a:lstStyle/>
-        <a:p>
-          <a:r>
-            <a:rPr lang="en-US" b="1" dirty="0">
-              <a:solidFill>
-                <a:schemeClr val="tx1"/>
-              </a:solidFill>
-            </a:rPr>
-            <a:t>UNIQUE</a:t>
-          </a:r>
-          <a:r>
-            <a:rPr lang="en-US" dirty="0">
-              <a:solidFill>
-                <a:schemeClr val="tx1"/>
-              </a:solidFill>
-            </a:rPr>
-            <a:t> - Ensures that all values in a column are different</a:t>
-          </a:r>
-        </a:p>
-      </dgm:t>
-    </dgm:pt>
-    <dgm:pt modelId="{5359354B-E6D4-42AB-B8DE-244BC112D669}" type="parTrans" cxnId="{E6738322-B94B-457B-A808-FF884EBD9964}">
-      <dgm:prSet/>
-      <dgm:spPr/>
-      <dgm:t>
-        <a:bodyPr/>
-        <a:lstStyle/>
-        <a:p>
-          <a:endParaRPr lang="en-US"/>
-        </a:p>
-      </dgm:t>
-    </dgm:pt>
-    <dgm:pt modelId="{66B07AB8-899D-4AEA-9EE9-8EDEF8AFE5A4}" type="sibTrans" cxnId="{E6738322-B94B-457B-A808-FF884EBD9964}">
-      <dgm:prSet/>
-      <dgm:spPr/>
-      <dgm:t>
-        <a:bodyPr/>
-        <a:lstStyle/>
-        <a:p>
-          <a:endParaRPr lang="en-US"/>
-        </a:p>
-      </dgm:t>
-    </dgm:pt>
-    <dgm:pt modelId="{1FD0D41A-A5E6-449D-AABF-D55322BE7906}">
-      <dgm:prSet/>
-      <dgm:spPr/>
-      <dgm:t>
-        <a:bodyPr/>
-        <a:lstStyle/>
-        <a:p>
-          <a:r>
-            <a:rPr lang="en-US" b="1" dirty="0">
-              <a:solidFill>
-                <a:schemeClr val="tx1"/>
-              </a:solidFill>
-            </a:rPr>
-            <a:t>PRIMARY KEY</a:t>
-          </a:r>
-          <a:r>
-            <a:rPr lang="en-US" dirty="0">
-              <a:solidFill>
-                <a:schemeClr val="tx1"/>
-              </a:solidFill>
-            </a:rPr>
-            <a:t>- A combination of a NOT NULL and UNIQUE. Uniquely identifies each row in a table</a:t>
-          </a:r>
-        </a:p>
-      </dgm:t>
-    </dgm:pt>
-    <dgm:pt modelId="{4A983875-550F-4495-AE52-64CC0D118C16}" type="parTrans" cxnId="{E5B44062-C2C4-435D-8F83-FFCA20101BCF}">
-      <dgm:prSet/>
-      <dgm:spPr/>
-      <dgm:t>
-        <a:bodyPr/>
-        <a:lstStyle/>
-        <a:p>
-          <a:endParaRPr lang="en-US"/>
-        </a:p>
-      </dgm:t>
-    </dgm:pt>
-    <dgm:pt modelId="{5B3DDC2F-33E4-4EB0-90B0-442A0B1D9FC3}" type="sibTrans" cxnId="{E5B44062-C2C4-435D-8F83-FFCA20101BCF}">
-      <dgm:prSet/>
-      <dgm:spPr/>
-      <dgm:t>
-        <a:bodyPr/>
-        <a:lstStyle/>
-        <a:p>
-          <a:endParaRPr lang="en-US"/>
-        </a:p>
-      </dgm:t>
-    </dgm:pt>
-    <dgm:pt modelId="{6F1BBE45-BB1F-425D-BAF9-58BD9887905A}">
-      <dgm:prSet/>
-      <dgm:spPr/>
-      <dgm:t>
-        <a:bodyPr/>
-        <a:lstStyle/>
-        <a:p>
-          <a:r>
-            <a:rPr lang="en-US" b="1" dirty="0">
-              <a:solidFill>
-                <a:schemeClr val="tx1"/>
-              </a:solidFill>
-            </a:rPr>
-            <a:t>FOREIGN KEY</a:t>
-          </a:r>
-          <a:r>
-            <a:rPr lang="en-US" dirty="0">
-              <a:solidFill>
-                <a:schemeClr val="tx1"/>
-              </a:solidFill>
-            </a:rPr>
-            <a:t>- Uniquely identifies a row/record in another table</a:t>
-          </a:r>
-        </a:p>
-      </dgm:t>
-    </dgm:pt>
-    <dgm:pt modelId="{761458FD-45FD-4644-A46B-FEE3336CB839}" type="parTrans" cxnId="{6FF1CDB4-517B-4B06-A28F-CFF67372A8D3}">
-      <dgm:prSet/>
-      <dgm:spPr/>
-      <dgm:t>
-        <a:bodyPr/>
-        <a:lstStyle/>
-        <a:p>
-          <a:endParaRPr lang="en-US"/>
-        </a:p>
-      </dgm:t>
-    </dgm:pt>
-    <dgm:pt modelId="{05EACCBA-65AA-4E39-B9E9-50D4772AB0F9}" type="sibTrans" cxnId="{6FF1CDB4-517B-4B06-A28F-CFF67372A8D3}">
-      <dgm:prSet/>
-      <dgm:spPr/>
-      <dgm:t>
-        <a:bodyPr/>
-        <a:lstStyle/>
-        <a:p>
-          <a:endParaRPr lang="en-US"/>
-        </a:p>
-      </dgm:t>
-    </dgm:pt>
-    <dgm:pt modelId="{0CF89C91-1CE3-4BCE-8F19-6A7B73F5B84F}">
-      <dgm:prSet/>
-      <dgm:spPr/>
-      <dgm:t>
-        <a:bodyPr/>
-        <a:lstStyle/>
-        <a:p>
-          <a:r>
-            <a:rPr lang="en-US" b="1" dirty="0">
-              <a:solidFill>
-                <a:schemeClr val="tx1"/>
-              </a:solidFill>
-            </a:rPr>
-            <a:t>CHECK</a:t>
-          </a:r>
-          <a:r>
-            <a:rPr lang="en-US" dirty="0">
-              <a:solidFill>
-                <a:schemeClr val="tx1"/>
-              </a:solidFill>
-            </a:rPr>
-            <a:t> - Ensures that all values in a column satisfies a specific condition</a:t>
-          </a:r>
-        </a:p>
-      </dgm:t>
-    </dgm:pt>
-    <dgm:pt modelId="{950C97D9-1966-4547-B512-495EF154FBE5}" type="parTrans" cxnId="{67D6A391-B691-4115-8EE6-03F9149EA248}">
-      <dgm:prSet/>
-      <dgm:spPr/>
-      <dgm:t>
-        <a:bodyPr/>
-        <a:lstStyle/>
-        <a:p>
-          <a:endParaRPr lang="en-US"/>
-        </a:p>
-      </dgm:t>
-    </dgm:pt>
-    <dgm:pt modelId="{A6FEA88C-0F77-450A-88B5-20EB261996AF}" type="sibTrans" cxnId="{67D6A391-B691-4115-8EE6-03F9149EA248}">
-      <dgm:prSet/>
-      <dgm:spPr/>
-      <dgm:t>
-        <a:bodyPr/>
-        <a:lstStyle/>
-        <a:p>
-          <a:endParaRPr lang="en-US"/>
-        </a:p>
-      </dgm:t>
-    </dgm:pt>
-    <dgm:pt modelId="{CACDADC1-E277-4FE9-8412-37D17E50BFA5}">
-      <dgm:prSet/>
-      <dgm:spPr/>
-      <dgm:t>
-        <a:bodyPr/>
-        <a:lstStyle/>
-        <a:p>
-          <a:r>
-            <a:rPr lang="en-US" b="1" dirty="0">
-              <a:solidFill>
-                <a:schemeClr val="tx1"/>
-              </a:solidFill>
-            </a:rPr>
-            <a:t>DEFAULT</a:t>
-          </a:r>
-          <a:r>
-            <a:rPr lang="en-US" dirty="0">
-              <a:solidFill>
-                <a:schemeClr val="tx1"/>
-              </a:solidFill>
-            </a:rPr>
-            <a:t> - Sets a default value for a column when no value is specified</a:t>
-          </a:r>
-        </a:p>
-      </dgm:t>
-    </dgm:pt>
-    <dgm:pt modelId="{40A3A2C1-7CA8-4D5F-8B20-15AE91FEE942}" type="parTrans" cxnId="{511EE8DE-6A7E-49BB-B57A-DEEBAD305F98}">
-      <dgm:prSet/>
-      <dgm:spPr/>
-      <dgm:t>
-        <a:bodyPr/>
-        <a:lstStyle/>
-        <a:p>
-          <a:endParaRPr lang="en-US"/>
-        </a:p>
-      </dgm:t>
-    </dgm:pt>
-    <dgm:pt modelId="{1F9C6E72-8E10-4997-91EA-1699E0B18C41}" type="sibTrans" cxnId="{511EE8DE-6A7E-49BB-B57A-DEEBAD305F98}">
-      <dgm:prSet/>
-      <dgm:spPr/>
-      <dgm:t>
-        <a:bodyPr/>
-        <a:lstStyle/>
-        <a:p>
-          <a:endParaRPr lang="en-US"/>
-        </a:p>
-      </dgm:t>
-    </dgm:pt>
-    <dgm:pt modelId="{B166C0FF-EBAB-4B47-8C60-C3D3736EEED5}">
-      <dgm:prSet/>
-      <dgm:spPr/>
-      <dgm:t>
-        <a:bodyPr/>
-        <a:lstStyle/>
-        <a:p>
-          <a:r>
-            <a:rPr lang="en-US" b="1" dirty="0">
-              <a:solidFill>
-                <a:schemeClr val="tx1"/>
-              </a:solidFill>
-            </a:rPr>
-            <a:t>INDEX</a:t>
-          </a:r>
-          <a:r>
-            <a:rPr lang="en-US" dirty="0">
-              <a:solidFill>
-                <a:schemeClr val="tx1"/>
-              </a:solidFill>
-            </a:rPr>
-            <a:t> - Used to create and retrieve data from the database very quickly</a:t>
-          </a:r>
-        </a:p>
-      </dgm:t>
-    </dgm:pt>
-    <dgm:pt modelId="{E410C48E-34A0-4941-B31D-DA07B0735EF7}" type="parTrans" cxnId="{D2DF2A2D-14B3-4EDD-B63B-599E8556AD60}">
-      <dgm:prSet/>
-      <dgm:spPr/>
-      <dgm:t>
-        <a:bodyPr/>
-        <a:lstStyle/>
-        <a:p>
-          <a:endParaRPr lang="en-US"/>
-        </a:p>
-      </dgm:t>
-    </dgm:pt>
-    <dgm:pt modelId="{BC455494-ED96-4AA4-B450-A2B615A5E46D}" type="sibTrans" cxnId="{D2DF2A2D-14B3-4EDD-B63B-599E8556AD60}">
-      <dgm:prSet/>
-      <dgm:spPr/>
-      <dgm:t>
-        <a:bodyPr/>
-        <a:lstStyle/>
-        <a:p>
-          <a:endParaRPr lang="en-US"/>
-        </a:p>
-      </dgm:t>
-    </dgm:pt>
-    <dgm:pt modelId="{88F9DDA5-9D4D-4B96-B893-3BBB1D5D0AC9}" type="pres">
-      <dgm:prSet presAssocID="{65ED52B3-9AFB-41B4-84E0-424EDFD74D4C}" presName="vert0" presStyleCnt="0">
-        <dgm:presLayoutVars>
-          <dgm:dir/>
-          <dgm:animOne val="branch"/>
-          <dgm:animLvl val="lvl"/>
-        </dgm:presLayoutVars>
-      </dgm:prSet>
-      <dgm:spPr/>
-    </dgm:pt>
-    <dgm:pt modelId="{1ED93A5F-6627-49B2-881D-09D6C557CA8D}" type="pres">
-      <dgm:prSet presAssocID="{15B8D70E-07BC-4B5E-ABB9-1548672C30E1}" presName="thickLine" presStyleLbl="alignNode1" presStyleIdx="0" presStyleCnt="7"/>
-      <dgm:spPr/>
-    </dgm:pt>
-    <dgm:pt modelId="{DEEBC40D-1B97-4058-96CB-6B030823F059}" type="pres">
-      <dgm:prSet presAssocID="{15B8D70E-07BC-4B5E-ABB9-1548672C30E1}" presName="horz1" presStyleCnt="0"/>
-      <dgm:spPr/>
-    </dgm:pt>
-    <dgm:pt modelId="{08D21B3C-B3E7-4F66-9BEA-7CED910D5E59}" type="pres">
-      <dgm:prSet presAssocID="{15B8D70E-07BC-4B5E-ABB9-1548672C30E1}" presName="tx1" presStyleLbl="revTx" presStyleIdx="0" presStyleCnt="7"/>
-      <dgm:spPr/>
-    </dgm:pt>
-    <dgm:pt modelId="{F5DA762E-7A6F-4960-A1F9-2791664D0244}" type="pres">
-      <dgm:prSet presAssocID="{15B8D70E-07BC-4B5E-ABB9-1548672C30E1}" presName="vert1" presStyleCnt="0"/>
-      <dgm:spPr/>
-    </dgm:pt>
-    <dgm:pt modelId="{CDC13AB0-1CDB-4D67-A1C0-DD8999DF24D9}" type="pres">
-      <dgm:prSet presAssocID="{78A14EE5-328E-453D-B33A-69130D1DE710}" presName="thickLine" presStyleLbl="alignNode1" presStyleIdx="1" presStyleCnt="7"/>
-      <dgm:spPr/>
-    </dgm:pt>
-    <dgm:pt modelId="{07D90788-B981-4F92-8483-51A6DD7DEC3B}" type="pres">
-      <dgm:prSet presAssocID="{78A14EE5-328E-453D-B33A-69130D1DE710}" presName="horz1" presStyleCnt="0"/>
-      <dgm:spPr/>
-    </dgm:pt>
-    <dgm:pt modelId="{940DD5E5-6995-458C-96F5-8EF90E897481}" type="pres">
-      <dgm:prSet presAssocID="{78A14EE5-328E-453D-B33A-69130D1DE710}" presName="tx1" presStyleLbl="revTx" presStyleIdx="1" presStyleCnt="7"/>
-      <dgm:spPr/>
-    </dgm:pt>
-    <dgm:pt modelId="{EBA692C7-65F0-48B3-85C0-8F1CE6E70DF7}" type="pres">
-      <dgm:prSet presAssocID="{78A14EE5-328E-453D-B33A-69130D1DE710}" presName="vert1" presStyleCnt="0"/>
-      <dgm:spPr/>
-    </dgm:pt>
-    <dgm:pt modelId="{D399747F-2D30-4B39-AA2E-A986746484CE}" type="pres">
-      <dgm:prSet presAssocID="{1FD0D41A-A5E6-449D-AABF-D55322BE7906}" presName="thickLine" presStyleLbl="alignNode1" presStyleIdx="2" presStyleCnt="7"/>
-      <dgm:spPr/>
-    </dgm:pt>
-    <dgm:pt modelId="{CB8ACD20-3D64-4EC7-A3B3-98CC31D2616F}" type="pres">
-      <dgm:prSet presAssocID="{1FD0D41A-A5E6-449D-AABF-D55322BE7906}" presName="horz1" presStyleCnt="0"/>
-      <dgm:spPr/>
-    </dgm:pt>
-    <dgm:pt modelId="{259E4052-56C5-4339-84CF-C4EFC81F3A85}" type="pres">
-      <dgm:prSet presAssocID="{1FD0D41A-A5E6-449D-AABF-D55322BE7906}" presName="tx1" presStyleLbl="revTx" presStyleIdx="2" presStyleCnt="7"/>
-      <dgm:spPr/>
-    </dgm:pt>
-    <dgm:pt modelId="{CA4F9619-CDB8-4F32-94EF-420C46E14111}" type="pres">
-      <dgm:prSet presAssocID="{1FD0D41A-A5E6-449D-AABF-D55322BE7906}" presName="vert1" presStyleCnt="0"/>
-      <dgm:spPr/>
-    </dgm:pt>
-    <dgm:pt modelId="{3A8E9D36-3DE4-4D7D-B392-E43A409012C7}" type="pres">
-      <dgm:prSet presAssocID="{6F1BBE45-BB1F-425D-BAF9-58BD9887905A}" presName="thickLine" presStyleLbl="alignNode1" presStyleIdx="3" presStyleCnt="7"/>
-      <dgm:spPr/>
-    </dgm:pt>
-    <dgm:pt modelId="{7796AC93-AEE2-4C56-B17E-4685E00FCC52}" type="pres">
-      <dgm:prSet presAssocID="{6F1BBE45-BB1F-425D-BAF9-58BD9887905A}" presName="horz1" presStyleCnt="0"/>
-      <dgm:spPr/>
-    </dgm:pt>
-    <dgm:pt modelId="{6FCA2FBC-1512-4501-9DCB-32B16C3E6813}" type="pres">
-      <dgm:prSet presAssocID="{6F1BBE45-BB1F-425D-BAF9-58BD9887905A}" presName="tx1" presStyleLbl="revTx" presStyleIdx="3" presStyleCnt="7"/>
-      <dgm:spPr/>
-    </dgm:pt>
-    <dgm:pt modelId="{ACF82152-F115-4910-992B-11B2804722F6}" type="pres">
-      <dgm:prSet presAssocID="{6F1BBE45-BB1F-425D-BAF9-58BD9887905A}" presName="vert1" presStyleCnt="0"/>
-      <dgm:spPr/>
-    </dgm:pt>
-    <dgm:pt modelId="{92E321D6-3211-4804-8AF0-EE18FB9DF806}" type="pres">
-      <dgm:prSet presAssocID="{0CF89C91-1CE3-4BCE-8F19-6A7B73F5B84F}" presName="thickLine" presStyleLbl="alignNode1" presStyleIdx="4" presStyleCnt="7"/>
-      <dgm:spPr/>
-    </dgm:pt>
-    <dgm:pt modelId="{E439DFD0-79F4-44AF-802D-5272C799DF53}" type="pres">
-      <dgm:prSet presAssocID="{0CF89C91-1CE3-4BCE-8F19-6A7B73F5B84F}" presName="horz1" presStyleCnt="0"/>
-      <dgm:spPr/>
-    </dgm:pt>
-    <dgm:pt modelId="{EEB2E847-386F-40FD-AA71-3E0DFFE987B3}" type="pres">
-      <dgm:prSet presAssocID="{0CF89C91-1CE3-4BCE-8F19-6A7B73F5B84F}" presName="tx1" presStyleLbl="revTx" presStyleIdx="4" presStyleCnt="7"/>
-      <dgm:spPr/>
-    </dgm:pt>
-    <dgm:pt modelId="{4F4FCCD7-20AB-4D83-B527-E7C16851EC77}" type="pres">
-      <dgm:prSet presAssocID="{0CF89C91-1CE3-4BCE-8F19-6A7B73F5B84F}" presName="vert1" presStyleCnt="0"/>
-      <dgm:spPr/>
-    </dgm:pt>
-    <dgm:pt modelId="{9D9B0480-5E51-438C-8252-291D0CC01ECF}" type="pres">
-      <dgm:prSet presAssocID="{CACDADC1-E277-4FE9-8412-37D17E50BFA5}" presName="thickLine" presStyleLbl="alignNode1" presStyleIdx="5" presStyleCnt="7"/>
-      <dgm:spPr/>
-    </dgm:pt>
-    <dgm:pt modelId="{8667C89C-8688-4F5F-A847-1171F944B474}" type="pres">
-      <dgm:prSet presAssocID="{CACDADC1-E277-4FE9-8412-37D17E50BFA5}" presName="horz1" presStyleCnt="0"/>
-      <dgm:spPr/>
-    </dgm:pt>
-    <dgm:pt modelId="{967915CA-6783-4A8E-BE27-85B8A318E399}" type="pres">
-      <dgm:prSet presAssocID="{CACDADC1-E277-4FE9-8412-37D17E50BFA5}" presName="tx1" presStyleLbl="revTx" presStyleIdx="5" presStyleCnt="7"/>
-      <dgm:spPr/>
-    </dgm:pt>
-    <dgm:pt modelId="{365B70AE-34FC-4D00-9859-BC61603FFA6A}" type="pres">
-      <dgm:prSet presAssocID="{CACDADC1-E277-4FE9-8412-37D17E50BFA5}" presName="vert1" presStyleCnt="0"/>
-      <dgm:spPr/>
-    </dgm:pt>
-    <dgm:pt modelId="{F91F00ED-0413-4902-A73D-39457F8A6DE9}" type="pres">
-      <dgm:prSet presAssocID="{B166C0FF-EBAB-4B47-8C60-C3D3736EEED5}" presName="thickLine" presStyleLbl="alignNode1" presStyleIdx="6" presStyleCnt="7"/>
-      <dgm:spPr/>
-    </dgm:pt>
-    <dgm:pt modelId="{8768942F-0F7F-4A96-8718-BFEB841E27EB}" type="pres">
-      <dgm:prSet presAssocID="{B166C0FF-EBAB-4B47-8C60-C3D3736EEED5}" presName="horz1" presStyleCnt="0"/>
-      <dgm:spPr/>
-    </dgm:pt>
-    <dgm:pt modelId="{8B17D3C9-E417-4DA9-9A41-6BD9A69823D2}" type="pres">
-      <dgm:prSet presAssocID="{B166C0FF-EBAB-4B47-8C60-C3D3736EEED5}" presName="tx1" presStyleLbl="revTx" presStyleIdx="6" presStyleCnt="7"/>
-      <dgm:spPr/>
-    </dgm:pt>
-    <dgm:pt modelId="{4D6E8EF4-9BCC-4E4E-BDB2-33650E2E2354}" type="pres">
-      <dgm:prSet presAssocID="{B166C0FF-EBAB-4B47-8C60-C3D3736EEED5}" presName="vert1" presStyleCnt="0"/>
-      <dgm:spPr/>
-    </dgm:pt>
-  </dgm:ptLst>
-  <dgm:cxnLst>
-    <dgm:cxn modelId="{06356809-EB05-4133-B058-E8FF516A440D}" type="presOf" srcId="{78A14EE5-328E-453D-B33A-69130D1DE710}" destId="{940DD5E5-6995-458C-96F5-8EF90E897481}" srcOrd="0" destOrd="0" presId="urn:microsoft.com/office/officeart/2008/layout/LinedList"/>
-    <dgm:cxn modelId="{78F40612-13B4-4793-ABD8-A210E6DA07F4}" type="presOf" srcId="{B166C0FF-EBAB-4B47-8C60-C3D3736EEED5}" destId="{8B17D3C9-E417-4DA9-9A41-6BD9A69823D2}" srcOrd="0" destOrd="0" presId="urn:microsoft.com/office/officeart/2008/layout/LinedList"/>
-    <dgm:cxn modelId="{E6738322-B94B-457B-A808-FF884EBD9964}" srcId="{65ED52B3-9AFB-41B4-84E0-424EDFD74D4C}" destId="{78A14EE5-328E-453D-B33A-69130D1DE710}" srcOrd="1" destOrd="0" parTransId="{5359354B-E6D4-42AB-B8DE-244BC112D669}" sibTransId="{66B07AB8-899D-4AEA-9EE9-8EDEF8AFE5A4}"/>
-    <dgm:cxn modelId="{D2DF2A2D-14B3-4EDD-B63B-599E8556AD60}" srcId="{65ED52B3-9AFB-41B4-84E0-424EDFD74D4C}" destId="{B166C0FF-EBAB-4B47-8C60-C3D3736EEED5}" srcOrd="6" destOrd="0" parTransId="{E410C48E-34A0-4941-B31D-DA07B0735EF7}" sibTransId="{BC455494-ED96-4AA4-B450-A2B615A5E46D}"/>
-    <dgm:cxn modelId="{42A1193D-B99C-43FA-8E04-CA85B68BC1BB}" type="presOf" srcId="{65ED52B3-9AFB-41B4-84E0-424EDFD74D4C}" destId="{88F9DDA5-9D4D-4B96-B893-3BBB1D5D0AC9}" srcOrd="0" destOrd="0" presId="urn:microsoft.com/office/officeart/2008/layout/LinedList"/>
-    <dgm:cxn modelId="{E5B44062-C2C4-435D-8F83-FFCA20101BCF}" srcId="{65ED52B3-9AFB-41B4-84E0-424EDFD74D4C}" destId="{1FD0D41A-A5E6-449D-AABF-D55322BE7906}" srcOrd="2" destOrd="0" parTransId="{4A983875-550F-4495-AE52-64CC0D118C16}" sibTransId="{5B3DDC2F-33E4-4EB0-90B0-442A0B1D9FC3}"/>
-    <dgm:cxn modelId="{EBB28B44-79EF-4F4A-9686-61B2D9D66693}" type="presOf" srcId="{0CF89C91-1CE3-4BCE-8F19-6A7B73F5B84F}" destId="{EEB2E847-386F-40FD-AA71-3E0DFFE987B3}" srcOrd="0" destOrd="0" presId="urn:microsoft.com/office/officeart/2008/layout/LinedList"/>
-    <dgm:cxn modelId="{8F81314D-69AE-4E96-9B2C-C2ED8AAE385A}" type="presOf" srcId="{CACDADC1-E277-4FE9-8412-37D17E50BFA5}" destId="{967915CA-6783-4A8E-BE27-85B8A318E399}" srcOrd="0" destOrd="0" presId="urn:microsoft.com/office/officeart/2008/layout/LinedList"/>
-    <dgm:cxn modelId="{202C5B76-C5FC-45EB-ABD2-CDAD3C69CA40}" type="presOf" srcId="{6F1BBE45-BB1F-425D-BAF9-58BD9887905A}" destId="{6FCA2FBC-1512-4501-9DCB-32B16C3E6813}" srcOrd="0" destOrd="0" presId="urn:microsoft.com/office/officeart/2008/layout/LinedList"/>
-    <dgm:cxn modelId="{FA36BC7D-6F76-4633-833E-22B9E06EA123}" type="presOf" srcId="{1FD0D41A-A5E6-449D-AABF-D55322BE7906}" destId="{259E4052-56C5-4339-84CF-C4EFC81F3A85}" srcOrd="0" destOrd="0" presId="urn:microsoft.com/office/officeart/2008/layout/LinedList"/>
-    <dgm:cxn modelId="{67D6A391-B691-4115-8EE6-03F9149EA248}" srcId="{65ED52B3-9AFB-41B4-84E0-424EDFD74D4C}" destId="{0CF89C91-1CE3-4BCE-8F19-6A7B73F5B84F}" srcOrd="4" destOrd="0" parTransId="{950C97D9-1966-4547-B512-495EF154FBE5}" sibTransId="{A6FEA88C-0F77-450A-88B5-20EB261996AF}"/>
-    <dgm:cxn modelId="{3FD42CB1-CE46-4911-9F76-4C20E5AF147B}" srcId="{65ED52B3-9AFB-41B4-84E0-424EDFD74D4C}" destId="{15B8D70E-07BC-4B5E-ABB9-1548672C30E1}" srcOrd="0" destOrd="0" parTransId="{E0A60FB6-5ACC-439C-815D-A7250A503EAB}" sibTransId="{1F08641B-A498-4059-B6E5-0B367F5D8734}"/>
-    <dgm:cxn modelId="{6FF1CDB4-517B-4B06-A28F-CFF67372A8D3}" srcId="{65ED52B3-9AFB-41B4-84E0-424EDFD74D4C}" destId="{6F1BBE45-BB1F-425D-BAF9-58BD9887905A}" srcOrd="3" destOrd="0" parTransId="{761458FD-45FD-4644-A46B-FEE3336CB839}" sibTransId="{05EACCBA-65AA-4E39-B9E9-50D4772AB0F9}"/>
-    <dgm:cxn modelId="{7289A1C7-7FDA-494A-80C1-14FCC1A6A8CC}" type="presOf" srcId="{15B8D70E-07BC-4B5E-ABB9-1548672C30E1}" destId="{08D21B3C-B3E7-4F66-9BEA-7CED910D5E59}" srcOrd="0" destOrd="0" presId="urn:microsoft.com/office/officeart/2008/layout/LinedList"/>
-    <dgm:cxn modelId="{511EE8DE-6A7E-49BB-B57A-DEEBAD305F98}" srcId="{65ED52B3-9AFB-41B4-84E0-424EDFD74D4C}" destId="{CACDADC1-E277-4FE9-8412-37D17E50BFA5}" srcOrd="5" destOrd="0" parTransId="{40A3A2C1-7CA8-4D5F-8B20-15AE91FEE942}" sibTransId="{1F9C6E72-8E10-4997-91EA-1699E0B18C41}"/>
-    <dgm:cxn modelId="{BDA2CB14-C8FF-4DC6-8221-8872B813DFB5}" type="presParOf" srcId="{88F9DDA5-9D4D-4B96-B893-3BBB1D5D0AC9}" destId="{1ED93A5F-6627-49B2-881D-09D6C557CA8D}" srcOrd="0" destOrd="0" presId="urn:microsoft.com/office/officeart/2008/layout/LinedList"/>
-    <dgm:cxn modelId="{15D551FE-6BEE-4FB4-BDD9-FA2D94B09F08}" type="presParOf" srcId="{88F9DDA5-9D4D-4B96-B893-3BBB1D5D0AC9}" destId="{DEEBC40D-1B97-4058-96CB-6B030823F059}" srcOrd="1" destOrd="0" presId="urn:microsoft.com/office/officeart/2008/layout/LinedList"/>
-    <dgm:cxn modelId="{2BEC5BAA-AF62-4275-A665-03A587DF22B6}" type="presParOf" srcId="{DEEBC40D-1B97-4058-96CB-6B030823F059}" destId="{08D21B3C-B3E7-4F66-9BEA-7CED910D5E59}" srcOrd="0" destOrd="0" presId="urn:microsoft.com/office/officeart/2008/layout/LinedList"/>
-    <dgm:cxn modelId="{CC65BA66-8742-42FE-91F6-E06B81D3DFD1}" type="presParOf" srcId="{DEEBC40D-1B97-4058-96CB-6B030823F059}" destId="{F5DA762E-7A6F-4960-A1F9-2791664D0244}" srcOrd="1" destOrd="0" presId="urn:microsoft.com/office/officeart/2008/layout/LinedList"/>
-    <dgm:cxn modelId="{2A321F0F-9CB0-437C-B76C-8E996883ACD9}" type="presParOf" srcId="{88F9DDA5-9D4D-4B96-B893-3BBB1D5D0AC9}" destId="{CDC13AB0-1CDB-4D67-A1C0-DD8999DF24D9}" srcOrd="2" destOrd="0" presId="urn:microsoft.com/office/officeart/2008/layout/LinedList"/>
-    <dgm:cxn modelId="{BF463B81-5655-47E8-BCC9-56FBA827B575}" type="presParOf" srcId="{88F9DDA5-9D4D-4B96-B893-3BBB1D5D0AC9}" destId="{07D90788-B981-4F92-8483-51A6DD7DEC3B}" srcOrd="3" destOrd="0" presId="urn:microsoft.com/office/officeart/2008/layout/LinedList"/>
-    <dgm:cxn modelId="{276639D7-E048-403B-9104-F512AD32CCB3}" type="presParOf" srcId="{07D90788-B981-4F92-8483-51A6DD7DEC3B}" destId="{940DD5E5-6995-458C-96F5-8EF90E897481}" srcOrd="0" destOrd="0" presId="urn:microsoft.com/office/officeart/2008/layout/LinedList"/>
-    <dgm:cxn modelId="{1BF3CD41-F70E-4188-903A-21011058F7EB}" type="presParOf" srcId="{07D90788-B981-4F92-8483-51A6DD7DEC3B}" destId="{EBA692C7-65F0-48B3-85C0-8F1CE6E70DF7}" srcOrd="1" destOrd="0" presId="urn:microsoft.com/office/officeart/2008/layout/LinedList"/>
-    <dgm:cxn modelId="{F4BD16B2-5D49-47DE-9703-11F192843800}" type="presParOf" srcId="{88F9DDA5-9D4D-4B96-B893-3BBB1D5D0AC9}" destId="{D399747F-2D30-4B39-AA2E-A986746484CE}" srcOrd="4" destOrd="0" presId="urn:microsoft.com/office/officeart/2008/layout/LinedList"/>
-    <dgm:cxn modelId="{DE43A9E3-29FE-4A70-B2A9-C2AEB530656C}" type="presParOf" srcId="{88F9DDA5-9D4D-4B96-B893-3BBB1D5D0AC9}" destId="{CB8ACD20-3D64-4EC7-A3B3-98CC31D2616F}" srcOrd="5" destOrd="0" presId="urn:microsoft.com/office/officeart/2008/layout/LinedList"/>
-    <dgm:cxn modelId="{E8266811-B9C1-4D10-BD3A-DC76F872390B}" type="presParOf" srcId="{CB8ACD20-3D64-4EC7-A3B3-98CC31D2616F}" destId="{259E4052-56C5-4339-84CF-C4EFC81F3A85}" srcOrd="0" destOrd="0" presId="urn:microsoft.com/office/officeart/2008/layout/LinedList"/>
-    <dgm:cxn modelId="{E033BB60-D03A-4051-9867-0D034B1322FB}" type="presParOf" srcId="{CB8ACD20-3D64-4EC7-A3B3-98CC31D2616F}" destId="{CA4F9619-CDB8-4F32-94EF-420C46E14111}" srcOrd="1" destOrd="0" presId="urn:microsoft.com/office/officeart/2008/layout/LinedList"/>
-    <dgm:cxn modelId="{68062A80-E824-4E36-A3A3-CD81EE3FDBF0}" type="presParOf" srcId="{88F9DDA5-9D4D-4B96-B893-3BBB1D5D0AC9}" destId="{3A8E9D36-3DE4-4D7D-B392-E43A409012C7}" srcOrd="6" destOrd="0" presId="urn:microsoft.com/office/officeart/2008/layout/LinedList"/>
-    <dgm:cxn modelId="{442C3DE2-4CAA-4326-9CF0-196ADF4ED119}" type="presParOf" srcId="{88F9DDA5-9D4D-4B96-B893-3BBB1D5D0AC9}" destId="{7796AC93-AEE2-4C56-B17E-4685E00FCC52}" srcOrd="7" destOrd="0" presId="urn:microsoft.com/office/officeart/2008/layout/LinedList"/>
-    <dgm:cxn modelId="{7FFD94C3-33C1-4FC2-A9F9-9735E1EAE8F0}" type="presParOf" srcId="{7796AC93-AEE2-4C56-B17E-4685E00FCC52}" destId="{6FCA2FBC-1512-4501-9DCB-32B16C3E6813}" srcOrd="0" destOrd="0" presId="urn:microsoft.com/office/officeart/2008/layout/LinedList"/>
-    <dgm:cxn modelId="{C695E6C7-A576-4458-ABC3-AE42C955FD63}" type="presParOf" srcId="{7796AC93-AEE2-4C56-B17E-4685E00FCC52}" destId="{ACF82152-F115-4910-992B-11B2804722F6}" srcOrd="1" destOrd="0" presId="urn:microsoft.com/office/officeart/2008/layout/LinedList"/>
-    <dgm:cxn modelId="{1655C442-8117-45A9-964A-8828F5F62E3E}" type="presParOf" srcId="{88F9DDA5-9D4D-4B96-B893-3BBB1D5D0AC9}" destId="{92E321D6-3211-4804-8AF0-EE18FB9DF806}" srcOrd="8" destOrd="0" presId="urn:microsoft.com/office/officeart/2008/layout/LinedList"/>
-    <dgm:cxn modelId="{52332EF6-8E5D-4312-AA0C-E95CAF673C3A}" type="presParOf" srcId="{88F9DDA5-9D4D-4B96-B893-3BBB1D5D0AC9}" destId="{E439DFD0-79F4-44AF-802D-5272C799DF53}" srcOrd="9" destOrd="0" presId="urn:microsoft.com/office/officeart/2008/layout/LinedList"/>
-    <dgm:cxn modelId="{3EC6DD2F-66F0-440A-B63B-938D579F509C}" type="presParOf" srcId="{E439DFD0-79F4-44AF-802D-5272C799DF53}" destId="{EEB2E847-386F-40FD-AA71-3E0DFFE987B3}" srcOrd="0" destOrd="0" presId="urn:microsoft.com/office/officeart/2008/layout/LinedList"/>
-    <dgm:cxn modelId="{3819FC7F-24A6-4393-B91E-3B50585260CC}" type="presParOf" srcId="{E439DFD0-79F4-44AF-802D-5272C799DF53}" destId="{4F4FCCD7-20AB-4D83-B527-E7C16851EC77}" srcOrd="1" destOrd="0" presId="urn:microsoft.com/office/officeart/2008/layout/LinedList"/>
-    <dgm:cxn modelId="{65A0B242-1203-4CEA-BD06-244AE9D155F2}" type="presParOf" srcId="{88F9DDA5-9D4D-4B96-B893-3BBB1D5D0AC9}" destId="{9D9B0480-5E51-438C-8252-291D0CC01ECF}" srcOrd="10" destOrd="0" presId="urn:microsoft.com/office/officeart/2008/layout/LinedList"/>
-    <dgm:cxn modelId="{1E1B2DB4-B597-4AAA-A407-8BB8841BDC9A}" type="presParOf" srcId="{88F9DDA5-9D4D-4B96-B893-3BBB1D5D0AC9}" destId="{8667C89C-8688-4F5F-A847-1171F944B474}" srcOrd="11" destOrd="0" presId="urn:microsoft.com/office/officeart/2008/layout/LinedList"/>
-    <dgm:cxn modelId="{89192FF6-0A3B-4663-B452-5F05A113D274}" type="presParOf" srcId="{8667C89C-8688-4F5F-A847-1171F944B474}" destId="{967915CA-6783-4A8E-BE27-85B8A318E399}" srcOrd="0" destOrd="0" presId="urn:microsoft.com/office/officeart/2008/layout/LinedList"/>
-    <dgm:cxn modelId="{18DCE0B1-03A3-41D7-96CA-ECDF63C3137D}" type="presParOf" srcId="{8667C89C-8688-4F5F-A847-1171F944B474}" destId="{365B70AE-34FC-4D00-9859-BC61603FFA6A}" srcOrd="1" destOrd="0" presId="urn:microsoft.com/office/officeart/2008/layout/LinedList"/>
-    <dgm:cxn modelId="{7BCC0B7D-FB64-45DB-B2D7-6466BCB88919}" type="presParOf" srcId="{88F9DDA5-9D4D-4B96-B893-3BBB1D5D0AC9}" destId="{F91F00ED-0413-4902-A73D-39457F8A6DE9}" srcOrd="12" destOrd="0" presId="urn:microsoft.com/office/officeart/2008/layout/LinedList"/>
-    <dgm:cxn modelId="{17270287-67FE-40CF-971A-9C3187950D8E}" type="presParOf" srcId="{88F9DDA5-9D4D-4B96-B893-3BBB1D5D0AC9}" destId="{8768942F-0F7F-4A96-8718-BFEB841E27EB}" srcOrd="13" destOrd="0" presId="urn:microsoft.com/office/officeart/2008/layout/LinedList"/>
-    <dgm:cxn modelId="{6C891162-3CC6-4673-8767-5047B1A17026}" type="presParOf" srcId="{8768942F-0F7F-4A96-8718-BFEB841E27EB}" destId="{8B17D3C9-E417-4DA9-9A41-6BD9A69823D2}" srcOrd="0" destOrd="0" presId="urn:microsoft.com/office/officeart/2008/layout/LinedList"/>
-    <dgm:cxn modelId="{50FEED31-E62A-4240-9DDE-511C04ECF44C}" type="presParOf" srcId="{8768942F-0F7F-4A96-8718-BFEB841E27EB}" destId="{4D6E8EF4-9BCC-4E4E-BDB2-33650E2E2354}" srcOrd="1" destOrd="0" presId="urn:microsoft.com/office/officeart/2008/layout/LinedList"/>
-  </dgm:cxnLst>
-  <dgm:bg/>
-  <dgm:whole/>
-  <dgm:extLst>
-    <a:ext uri="http://schemas.microsoft.com/office/drawing/2008/diagram">
-      <dsp:dataModelExt xmlns:dsp="http://schemas.microsoft.com/office/drawing/2008/diagram" relId="rId6" minVer="http://schemas.openxmlformats.org/drawingml/2006/diagram"/>
-    </a:ext>
-  </dgm:extLst>
-</dgm:dataModel>
-</file>
-
-<file path=ppt/diagrams/data3.xml><?xml version="1.0" encoding="utf-8"?>
 <dgm:dataModel xmlns:dgm="http://schemas.openxmlformats.org/drawingml/2006/diagram" xmlns:a="http://schemas.openxmlformats.org/drawingml/2006/main">
   <dgm:ptLst>
     <dgm:pt modelId="{91D5E983-B5F9-47E7-B297-CA92C52C7C19}" type="doc">
@@ -4981,6 +4453,534 @@
     <dgm:cxn modelId="{9B2584E6-9776-423A-AA15-4C401B135684}" type="presParOf" srcId="{91F3358F-EA13-4948-9A90-68431ED8A231}" destId="{C81A5611-0EEA-4053-8349-1FB10EB85A96}" srcOrd="21" destOrd="0" presId="urn:microsoft.com/office/officeart/2008/layout/LinedList"/>
     <dgm:cxn modelId="{8881EF02-EC3B-410E-A8D5-840602061EF5}" type="presParOf" srcId="{C81A5611-0EEA-4053-8349-1FB10EB85A96}" destId="{8CA350EA-C667-4A3C-AAAB-3D8F6FFA3457}" srcOrd="0" destOrd="0" presId="urn:microsoft.com/office/officeart/2008/layout/LinedList"/>
     <dgm:cxn modelId="{C35E363E-6D89-4668-B9A7-F354CDECEAE1}" type="presParOf" srcId="{C81A5611-0EEA-4053-8349-1FB10EB85A96}" destId="{1C6C7074-A99D-4ACB-9535-D9EB5EDD1EB4}" srcOrd="1" destOrd="0" presId="urn:microsoft.com/office/officeart/2008/layout/LinedList"/>
+  </dgm:cxnLst>
+  <dgm:bg/>
+  <dgm:whole/>
+  <dgm:extLst>
+    <a:ext uri="http://schemas.microsoft.com/office/drawing/2008/diagram">
+      <dsp:dataModelExt xmlns:dsp="http://schemas.microsoft.com/office/drawing/2008/diagram" relId="rId6" minVer="http://schemas.openxmlformats.org/drawingml/2006/diagram"/>
+    </a:ext>
+  </dgm:extLst>
+</dgm:dataModel>
+</file>
+
+<file path=ppt/diagrams/data3.xml><?xml version="1.0" encoding="utf-8"?>
+<dgm:dataModel xmlns:dgm="http://schemas.openxmlformats.org/drawingml/2006/diagram" xmlns:a="http://schemas.openxmlformats.org/drawingml/2006/main">
+  <dgm:ptLst>
+    <dgm:pt modelId="{65ED52B3-9AFB-41B4-84E0-424EDFD74D4C}" type="doc">
+      <dgm:prSet loTypeId="urn:microsoft.com/office/officeart/2008/layout/LinedList" loCatId="list" qsTypeId="urn:microsoft.com/office/officeart/2005/8/quickstyle/simple1" qsCatId="simple" csTypeId="urn:microsoft.com/office/officeart/2005/8/colors/colorful1" csCatId="colorful" phldr="1"/>
+      <dgm:spPr/>
+      <dgm:t>
+        <a:bodyPr/>
+        <a:lstStyle/>
+        <a:p>
+          <a:endParaRPr lang="en-US"/>
+        </a:p>
+      </dgm:t>
+    </dgm:pt>
+    <dgm:pt modelId="{15B8D70E-07BC-4B5E-ABB9-1548672C30E1}">
+      <dgm:prSet/>
+      <dgm:spPr/>
+      <dgm:t>
+        <a:bodyPr/>
+        <a:lstStyle/>
+        <a:p>
+          <a:r>
+            <a:rPr lang="en-US" b="1" u="none" dirty="0">
+              <a:solidFill>
+                <a:schemeClr val="tx1"/>
+              </a:solidFill>
+            </a:rPr>
+            <a:t>NOT NULL</a:t>
+          </a:r>
+          <a:r>
+            <a:rPr lang="en-US" u="none" dirty="0">
+              <a:solidFill>
+                <a:schemeClr val="tx1"/>
+              </a:solidFill>
+            </a:rPr>
+            <a:t>- Ensures that a column cannot have a NULL value</a:t>
+          </a:r>
+        </a:p>
+      </dgm:t>
+    </dgm:pt>
+    <dgm:pt modelId="{E0A60FB6-5ACC-439C-815D-A7250A503EAB}" type="parTrans" cxnId="{3FD42CB1-CE46-4911-9F76-4C20E5AF147B}">
+      <dgm:prSet/>
+      <dgm:spPr/>
+      <dgm:t>
+        <a:bodyPr/>
+        <a:lstStyle/>
+        <a:p>
+          <a:endParaRPr lang="en-US"/>
+        </a:p>
+      </dgm:t>
+    </dgm:pt>
+    <dgm:pt modelId="{1F08641B-A498-4059-B6E5-0B367F5D8734}" type="sibTrans" cxnId="{3FD42CB1-CE46-4911-9F76-4C20E5AF147B}">
+      <dgm:prSet/>
+      <dgm:spPr/>
+      <dgm:t>
+        <a:bodyPr/>
+        <a:lstStyle/>
+        <a:p>
+          <a:endParaRPr lang="en-US"/>
+        </a:p>
+      </dgm:t>
+    </dgm:pt>
+    <dgm:pt modelId="{78A14EE5-328E-453D-B33A-69130D1DE710}">
+      <dgm:prSet/>
+      <dgm:spPr/>
+      <dgm:t>
+        <a:bodyPr/>
+        <a:lstStyle/>
+        <a:p>
+          <a:r>
+            <a:rPr lang="en-US" b="1" dirty="0">
+              <a:solidFill>
+                <a:schemeClr val="tx1"/>
+              </a:solidFill>
+            </a:rPr>
+            <a:t>UNIQUE</a:t>
+          </a:r>
+          <a:r>
+            <a:rPr lang="en-US" dirty="0">
+              <a:solidFill>
+                <a:schemeClr val="tx1"/>
+              </a:solidFill>
+            </a:rPr>
+            <a:t> - Ensures that all values in a column are different</a:t>
+          </a:r>
+        </a:p>
+      </dgm:t>
+    </dgm:pt>
+    <dgm:pt modelId="{5359354B-E6D4-42AB-B8DE-244BC112D669}" type="parTrans" cxnId="{E6738322-B94B-457B-A808-FF884EBD9964}">
+      <dgm:prSet/>
+      <dgm:spPr/>
+      <dgm:t>
+        <a:bodyPr/>
+        <a:lstStyle/>
+        <a:p>
+          <a:endParaRPr lang="en-US"/>
+        </a:p>
+      </dgm:t>
+    </dgm:pt>
+    <dgm:pt modelId="{66B07AB8-899D-4AEA-9EE9-8EDEF8AFE5A4}" type="sibTrans" cxnId="{E6738322-B94B-457B-A808-FF884EBD9964}">
+      <dgm:prSet/>
+      <dgm:spPr/>
+      <dgm:t>
+        <a:bodyPr/>
+        <a:lstStyle/>
+        <a:p>
+          <a:endParaRPr lang="en-US"/>
+        </a:p>
+      </dgm:t>
+    </dgm:pt>
+    <dgm:pt modelId="{1FD0D41A-A5E6-449D-AABF-D55322BE7906}">
+      <dgm:prSet/>
+      <dgm:spPr/>
+      <dgm:t>
+        <a:bodyPr/>
+        <a:lstStyle/>
+        <a:p>
+          <a:r>
+            <a:rPr lang="en-US" b="1" dirty="0">
+              <a:solidFill>
+                <a:schemeClr val="tx1"/>
+              </a:solidFill>
+            </a:rPr>
+            <a:t>PRIMARY KEY</a:t>
+          </a:r>
+          <a:r>
+            <a:rPr lang="en-US" dirty="0">
+              <a:solidFill>
+                <a:schemeClr val="tx1"/>
+              </a:solidFill>
+            </a:rPr>
+            <a:t>- A combination of a NOT NULL and UNIQUE. Uniquely identifies each row in a table</a:t>
+          </a:r>
+        </a:p>
+      </dgm:t>
+    </dgm:pt>
+    <dgm:pt modelId="{4A983875-550F-4495-AE52-64CC0D118C16}" type="parTrans" cxnId="{E5B44062-C2C4-435D-8F83-FFCA20101BCF}">
+      <dgm:prSet/>
+      <dgm:spPr/>
+      <dgm:t>
+        <a:bodyPr/>
+        <a:lstStyle/>
+        <a:p>
+          <a:endParaRPr lang="en-US"/>
+        </a:p>
+      </dgm:t>
+    </dgm:pt>
+    <dgm:pt modelId="{5B3DDC2F-33E4-4EB0-90B0-442A0B1D9FC3}" type="sibTrans" cxnId="{E5B44062-C2C4-435D-8F83-FFCA20101BCF}">
+      <dgm:prSet/>
+      <dgm:spPr/>
+      <dgm:t>
+        <a:bodyPr/>
+        <a:lstStyle/>
+        <a:p>
+          <a:endParaRPr lang="en-US"/>
+        </a:p>
+      </dgm:t>
+    </dgm:pt>
+    <dgm:pt modelId="{6F1BBE45-BB1F-425D-BAF9-58BD9887905A}">
+      <dgm:prSet/>
+      <dgm:spPr/>
+      <dgm:t>
+        <a:bodyPr/>
+        <a:lstStyle/>
+        <a:p>
+          <a:r>
+            <a:rPr lang="en-US" b="1" dirty="0">
+              <a:solidFill>
+                <a:schemeClr val="tx1"/>
+              </a:solidFill>
+            </a:rPr>
+            <a:t>FOREIGN KEY</a:t>
+          </a:r>
+          <a:r>
+            <a:rPr lang="en-US" dirty="0">
+              <a:solidFill>
+                <a:schemeClr val="tx1"/>
+              </a:solidFill>
+            </a:rPr>
+            <a:t>- Uniquely identifies a row/record in another table</a:t>
+          </a:r>
+        </a:p>
+      </dgm:t>
+    </dgm:pt>
+    <dgm:pt modelId="{761458FD-45FD-4644-A46B-FEE3336CB839}" type="parTrans" cxnId="{6FF1CDB4-517B-4B06-A28F-CFF67372A8D3}">
+      <dgm:prSet/>
+      <dgm:spPr/>
+      <dgm:t>
+        <a:bodyPr/>
+        <a:lstStyle/>
+        <a:p>
+          <a:endParaRPr lang="en-US"/>
+        </a:p>
+      </dgm:t>
+    </dgm:pt>
+    <dgm:pt modelId="{05EACCBA-65AA-4E39-B9E9-50D4772AB0F9}" type="sibTrans" cxnId="{6FF1CDB4-517B-4B06-A28F-CFF67372A8D3}">
+      <dgm:prSet/>
+      <dgm:spPr/>
+      <dgm:t>
+        <a:bodyPr/>
+        <a:lstStyle/>
+        <a:p>
+          <a:endParaRPr lang="en-US"/>
+        </a:p>
+      </dgm:t>
+    </dgm:pt>
+    <dgm:pt modelId="{0CF89C91-1CE3-4BCE-8F19-6A7B73F5B84F}">
+      <dgm:prSet/>
+      <dgm:spPr/>
+      <dgm:t>
+        <a:bodyPr/>
+        <a:lstStyle/>
+        <a:p>
+          <a:r>
+            <a:rPr lang="en-US" b="1" dirty="0">
+              <a:solidFill>
+                <a:schemeClr val="tx1"/>
+              </a:solidFill>
+            </a:rPr>
+            <a:t>CHECK</a:t>
+          </a:r>
+          <a:r>
+            <a:rPr lang="en-US" dirty="0">
+              <a:solidFill>
+                <a:schemeClr val="tx1"/>
+              </a:solidFill>
+            </a:rPr>
+            <a:t> - Ensures that all values in a column satisfies a specific condition</a:t>
+          </a:r>
+        </a:p>
+      </dgm:t>
+    </dgm:pt>
+    <dgm:pt modelId="{950C97D9-1966-4547-B512-495EF154FBE5}" type="parTrans" cxnId="{67D6A391-B691-4115-8EE6-03F9149EA248}">
+      <dgm:prSet/>
+      <dgm:spPr/>
+      <dgm:t>
+        <a:bodyPr/>
+        <a:lstStyle/>
+        <a:p>
+          <a:endParaRPr lang="en-US"/>
+        </a:p>
+      </dgm:t>
+    </dgm:pt>
+    <dgm:pt modelId="{A6FEA88C-0F77-450A-88B5-20EB261996AF}" type="sibTrans" cxnId="{67D6A391-B691-4115-8EE6-03F9149EA248}">
+      <dgm:prSet/>
+      <dgm:spPr/>
+      <dgm:t>
+        <a:bodyPr/>
+        <a:lstStyle/>
+        <a:p>
+          <a:endParaRPr lang="en-US"/>
+        </a:p>
+      </dgm:t>
+    </dgm:pt>
+    <dgm:pt modelId="{CACDADC1-E277-4FE9-8412-37D17E50BFA5}">
+      <dgm:prSet/>
+      <dgm:spPr/>
+      <dgm:t>
+        <a:bodyPr/>
+        <a:lstStyle/>
+        <a:p>
+          <a:r>
+            <a:rPr lang="en-US" b="1" dirty="0">
+              <a:solidFill>
+                <a:schemeClr val="tx1"/>
+              </a:solidFill>
+            </a:rPr>
+            <a:t>DEFAULT</a:t>
+          </a:r>
+          <a:r>
+            <a:rPr lang="en-US" dirty="0">
+              <a:solidFill>
+                <a:schemeClr val="tx1"/>
+              </a:solidFill>
+            </a:rPr>
+            <a:t> - Sets a default value for a column when no value is specified</a:t>
+          </a:r>
+        </a:p>
+      </dgm:t>
+    </dgm:pt>
+    <dgm:pt modelId="{40A3A2C1-7CA8-4D5F-8B20-15AE91FEE942}" type="parTrans" cxnId="{511EE8DE-6A7E-49BB-B57A-DEEBAD305F98}">
+      <dgm:prSet/>
+      <dgm:spPr/>
+      <dgm:t>
+        <a:bodyPr/>
+        <a:lstStyle/>
+        <a:p>
+          <a:endParaRPr lang="en-US"/>
+        </a:p>
+      </dgm:t>
+    </dgm:pt>
+    <dgm:pt modelId="{1F9C6E72-8E10-4997-91EA-1699E0B18C41}" type="sibTrans" cxnId="{511EE8DE-6A7E-49BB-B57A-DEEBAD305F98}">
+      <dgm:prSet/>
+      <dgm:spPr/>
+      <dgm:t>
+        <a:bodyPr/>
+        <a:lstStyle/>
+        <a:p>
+          <a:endParaRPr lang="en-US"/>
+        </a:p>
+      </dgm:t>
+    </dgm:pt>
+    <dgm:pt modelId="{B166C0FF-EBAB-4B47-8C60-C3D3736EEED5}">
+      <dgm:prSet/>
+      <dgm:spPr/>
+      <dgm:t>
+        <a:bodyPr/>
+        <a:lstStyle/>
+        <a:p>
+          <a:r>
+            <a:rPr lang="en-US" b="1" dirty="0">
+              <a:solidFill>
+                <a:schemeClr val="tx1"/>
+              </a:solidFill>
+            </a:rPr>
+            <a:t>INDEX</a:t>
+          </a:r>
+          <a:r>
+            <a:rPr lang="en-US" dirty="0">
+              <a:solidFill>
+                <a:schemeClr val="tx1"/>
+              </a:solidFill>
+            </a:rPr>
+            <a:t> - Used to create and retrieve data from the database very quickly</a:t>
+          </a:r>
+        </a:p>
+      </dgm:t>
+    </dgm:pt>
+    <dgm:pt modelId="{E410C48E-34A0-4941-B31D-DA07B0735EF7}" type="parTrans" cxnId="{D2DF2A2D-14B3-4EDD-B63B-599E8556AD60}">
+      <dgm:prSet/>
+      <dgm:spPr/>
+      <dgm:t>
+        <a:bodyPr/>
+        <a:lstStyle/>
+        <a:p>
+          <a:endParaRPr lang="en-US"/>
+        </a:p>
+      </dgm:t>
+    </dgm:pt>
+    <dgm:pt modelId="{BC455494-ED96-4AA4-B450-A2B615A5E46D}" type="sibTrans" cxnId="{D2DF2A2D-14B3-4EDD-B63B-599E8556AD60}">
+      <dgm:prSet/>
+      <dgm:spPr/>
+      <dgm:t>
+        <a:bodyPr/>
+        <a:lstStyle/>
+        <a:p>
+          <a:endParaRPr lang="en-US"/>
+        </a:p>
+      </dgm:t>
+    </dgm:pt>
+    <dgm:pt modelId="{88F9DDA5-9D4D-4B96-B893-3BBB1D5D0AC9}" type="pres">
+      <dgm:prSet presAssocID="{65ED52B3-9AFB-41B4-84E0-424EDFD74D4C}" presName="vert0" presStyleCnt="0">
+        <dgm:presLayoutVars>
+          <dgm:dir/>
+          <dgm:animOne val="branch"/>
+          <dgm:animLvl val="lvl"/>
+        </dgm:presLayoutVars>
+      </dgm:prSet>
+      <dgm:spPr/>
+    </dgm:pt>
+    <dgm:pt modelId="{1ED93A5F-6627-49B2-881D-09D6C557CA8D}" type="pres">
+      <dgm:prSet presAssocID="{15B8D70E-07BC-4B5E-ABB9-1548672C30E1}" presName="thickLine" presStyleLbl="alignNode1" presStyleIdx="0" presStyleCnt="7"/>
+      <dgm:spPr/>
+    </dgm:pt>
+    <dgm:pt modelId="{DEEBC40D-1B97-4058-96CB-6B030823F059}" type="pres">
+      <dgm:prSet presAssocID="{15B8D70E-07BC-4B5E-ABB9-1548672C30E1}" presName="horz1" presStyleCnt="0"/>
+      <dgm:spPr/>
+    </dgm:pt>
+    <dgm:pt modelId="{08D21B3C-B3E7-4F66-9BEA-7CED910D5E59}" type="pres">
+      <dgm:prSet presAssocID="{15B8D70E-07BC-4B5E-ABB9-1548672C30E1}" presName="tx1" presStyleLbl="revTx" presStyleIdx="0" presStyleCnt="7"/>
+      <dgm:spPr/>
+    </dgm:pt>
+    <dgm:pt modelId="{F5DA762E-7A6F-4960-A1F9-2791664D0244}" type="pres">
+      <dgm:prSet presAssocID="{15B8D70E-07BC-4B5E-ABB9-1548672C30E1}" presName="vert1" presStyleCnt="0"/>
+      <dgm:spPr/>
+    </dgm:pt>
+    <dgm:pt modelId="{CDC13AB0-1CDB-4D67-A1C0-DD8999DF24D9}" type="pres">
+      <dgm:prSet presAssocID="{78A14EE5-328E-453D-B33A-69130D1DE710}" presName="thickLine" presStyleLbl="alignNode1" presStyleIdx="1" presStyleCnt="7"/>
+      <dgm:spPr/>
+    </dgm:pt>
+    <dgm:pt modelId="{07D90788-B981-4F92-8483-51A6DD7DEC3B}" type="pres">
+      <dgm:prSet presAssocID="{78A14EE5-328E-453D-B33A-69130D1DE710}" presName="horz1" presStyleCnt="0"/>
+      <dgm:spPr/>
+    </dgm:pt>
+    <dgm:pt modelId="{940DD5E5-6995-458C-96F5-8EF90E897481}" type="pres">
+      <dgm:prSet presAssocID="{78A14EE5-328E-453D-B33A-69130D1DE710}" presName="tx1" presStyleLbl="revTx" presStyleIdx="1" presStyleCnt="7"/>
+      <dgm:spPr/>
+    </dgm:pt>
+    <dgm:pt modelId="{EBA692C7-65F0-48B3-85C0-8F1CE6E70DF7}" type="pres">
+      <dgm:prSet presAssocID="{78A14EE5-328E-453D-B33A-69130D1DE710}" presName="vert1" presStyleCnt="0"/>
+      <dgm:spPr/>
+    </dgm:pt>
+    <dgm:pt modelId="{D399747F-2D30-4B39-AA2E-A986746484CE}" type="pres">
+      <dgm:prSet presAssocID="{1FD0D41A-A5E6-449D-AABF-D55322BE7906}" presName="thickLine" presStyleLbl="alignNode1" presStyleIdx="2" presStyleCnt="7"/>
+      <dgm:spPr/>
+    </dgm:pt>
+    <dgm:pt modelId="{CB8ACD20-3D64-4EC7-A3B3-98CC31D2616F}" type="pres">
+      <dgm:prSet presAssocID="{1FD0D41A-A5E6-449D-AABF-D55322BE7906}" presName="horz1" presStyleCnt="0"/>
+      <dgm:spPr/>
+    </dgm:pt>
+    <dgm:pt modelId="{259E4052-56C5-4339-84CF-C4EFC81F3A85}" type="pres">
+      <dgm:prSet presAssocID="{1FD0D41A-A5E6-449D-AABF-D55322BE7906}" presName="tx1" presStyleLbl="revTx" presStyleIdx="2" presStyleCnt="7"/>
+      <dgm:spPr/>
+    </dgm:pt>
+    <dgm:pt modelId="{CA4F9619-CDB8-4F32-94EF-420C46E14111}" type="pres">
+      <dgm:prSet presAssocID="{1FD0D41A-A5E6-449D-AABF-D55322BE7906}" presName="vert1" presStyleCnt="0"/>
+      <dgm:spPr/>
+    </dgm:pt>
+    <dgm:pt modelId="{3A8E9D36-3DE4-4D7D-B392-E43A409012C7}" type="pres">
+      <dgm:prSet presAssocID="{6F1BBE45-BB1F-425D-BAF9-58BD9887905A}" presName="thickLine" presStyleLbl="alignNode1" presStyleIdx="3" presStyleCnt="7"/>
+      <dgm:spPr/>
+    </dgm:pt>
+    <dgm:pt modelId="{7796AC93-AEE2-4C56-B17E-4685E00FCC52}" type="pres">
+      <dgm:prSet presAssocID="{6F1BBE45-BB1F-425D-BAF9-58BD9887905A}" presName="horz1" presStyleCnt="0"/>
+      <dgm:spPr/>
+    </dgm:pt>
+    <dgm:pt modelId="{6FCA2FBC-1512-4501-9DCB-32B16C3E6813}" type="pres">
+      <dgm:prSet presAssocID="{6F1BBE45-BB1F-425D-BAF9-58BD9887905A}" presName="tx1" presStyleLbl="revTx" presStyleIdx="3" presStyleCnt="7"/>
+      <dgm:spPr/>
+    </dgm:pt>
+    <dgm:pt modelId="{ACF82152-F115-4910-992B-11B2804722F6}" type="pres">
+      <dgm:prSet presAssocID="{6F1BBE45-BB1F-425D-BAF9-58BD9887905A}" presName="vert1" presStyleCnt="0"/>
+      <dgm:spPr/>
+    </dgm:pt>
+    <dgm:pt modelId="{92E321D6-3211-4804-8AF0-EE18FB9DF806}" type="pres">
+      <dgm:prSet presAssocID="{0CF89C91-1CE3-4BCE-8F19-6A7B73F5B84F}" presName="thickLine" presStyleLbl="alignNode1" presStyleIdx="4" presStyleCnt="7"/>
+      <dgm:spPr/>
+    </dgm:pt>
+    <dgm:pt modelId="{E439DFD0-79F4-44AF-802D-5272C799DF53}" type="pres">
+      <dgm:prSet presAssocID="{0CF89C91-1CE3-4BCE-8F19-6A7B73F5B84F}" presName="horz1" presStyleCnt="0"/>
+      <dgm:spPr/>
+    </dgm:pt>
+    <dgm:pt modelId="{EEB2E847-386F-40FD-AA71-3E0DFFE987B3}" type="pres">
+      <dgm:prSet presAssocID="{0CF89C91-1CE3-4BCE-8F19-6A7B73F5B84F}" presName="tx1" presStyleLbl="revTx" presStyleIdx="4" presStyleCnt="7"/>
+      <dgm:spPr/>
+    </dgm:pt>
+    <dgm:pt modelId="{4F4FCCD7-20AB-4D83-B527-E7C16851EC77}" type="pres">
+      <dgm:prSet presAssocID="{0CF89C91-1CE3-4BCE-8F19-6A7B73F5B84F}" presName="vert1" presStyleCnt="0"/>
+      <dgm:spPr/>
+    </dgm:pt>
+    <dgm:pt modelId="{9D9B0480-5E51-438C-8252-291D0CC01ECF}" type="pres">
+      <dgm:prSet presAssocID="{CACDADC1-E277-4FE9-8412-37D17E50BFA5}" presName="thickLine" presStyleLbl="alignNode1" presStyleIdx="5" presStyleCnt="7"/>
+      <dgm:spPr/>
+    </dgm:pt>
+    <dgm:pt modelId="{8667C89C-8688-4F5F-A847-1171F944B474}" type="pres">
+      <dgm:prSet presAssocID="{CACDADC1-E277-4FE9-8412-37D17E50BFA5}" presName="horz1" presStyleCnt="0"/>
+      <dgm:spPr/>
+    </dgm:pt>
+    <dgm:pt modelId="{967915CA-6783-4A8E-BE27-85B8A318E399}" type="pres">
+      <dgm:prSet presAssocID="{CACDADC1-E277-4FE9-8412-37D17E50BFA5}" presName="tx1" presStyleLbl="revTx" presStyleIdx="5" presStyleCnt="7"/>
+      <dgm:spPr/>
+    </dgm:pt>
+    <dgm:pt modelId="{365B70AE-34FC-4D00-9859-BC61603FFA6A}" type="pres">
+      <dgm:prSet presAssocID="{CACDADC1-E277-4FE9-8412-37D17E50BFA5}" presName="vert1" presStyleCnt="0"/>
+      <dgm:spPr/>
+    </dgm:pt>
+    <dgm:pt modelId="{F91F00ED-0413-4902-A73D-39457F8A6DE9}" type="pres">
+      <dgm:prSet presAssocID="{B166C0FF-EBAB-4B47-8C60-C3D3736EEED5}" presName="thickLine" presStyleLbl="alignNode1" presStyleIdx="6" presStyleCnt="7"/>
+      <dgm:spPr/>
+    </dgm:pt>
+    <dgm:pt modelId="{8768942F-0F7F-4A96-8718-BFEB841E27EB}" type="pres">
+      <dgm:prSet presAssocID="{B166C0FF-EBAB-4B47-8C60-C3D3736EEED5}" presName="horz1" presStyleCnt="0"/>
+      <dgm:spPr/>
+    </dgm:pt>
+    <dgm:pt modelId="{8B17D3C9-E417-4DA9-9A41-6BD9A69823D2}" type="pres">
+      <dgm:prSet presAssocID="{B166C0FF-EBAB-4B47-8C60-C3D3736EEED5}" presName="tx1" presStyleLbl="revTx" presStyleIdx="6" presStyleCnt="7"/>
+      <dgm:spPr/>
+    </dgm:pt>
+    <dgm:pt modelId="{4D6E8EF4-9BCC-4E4E-BDB2-33650E2E2354}" type="pres">
+      <dgm:prSet presAssocID="{B166C0FF-EBAB-4B47-8C60-C3D3736EEED5}" presName="vert1" presStyleCnt="0"/>
+      <dgm:spPr/>
+    </dgm:pt>
+  </dgm:ptLst>
+  <dgm:cxnLst>
+    <dgm:cxn modelId="{06356809-EB05-4133-B058-E8FF516A440D}" type="presOf" srcId="{78A14EE5-328E-453D-B33A-69130D1DE710}" destId="{940DD5E5-6995-458C-96F5-8EF90E897481}" srcOrd="0" destOrd="0" presId="urn:microsoft.com/office/officeart/2008/layout/LinedList"/>
+    <dgm:cxn modelId="{78F40612-13B4-4793-ABD8-A210E6DA07F4}" type="presOf" srcId="{B166C0FF-EBAB-4B47-8C60-C3D3736EEED5}" destId="{8B17D3C9-E417-4DA9-9A41-6BD9A69823D2}" srcOrd="0" destOrd="0" presId="urn:microsoft.com/office/officeart/2008/layout/LinedList"/>
+    <dgm:cxn modelId="{E6738322-B94B-457B-A808-FF884EBD9964}" srcId="{65ED52B3-9AFB-41B4-84E0-424EDFD74D4C}" destId="{78A14EE5-328E-453D-B33A-69130D1DE710}" srcOrd="1" destOrd="0" parTransId="{5359354B-E6D4-42AB-B8DE-244BC112D669}" sibTransId="{66B07AB8-899D-4AEA-9EE9-8EDEF8AFE5A4}"/>
+    <dgm:cxn modelId="{D2DF2A2D-14B3-4EDD-B63B-599E8556AD60}" srcId="{65ED52B3-9AFB-41B4-84E0-424EDFD74D4C}" destId="{B166C0FF-EBAB-4B47-8C60-C3D3736EEED5}" srcOrd="6" destOrd="0" parTransId="{E410C48E-34A0-4941-B31D-DA07B0735EF7}" sibTransId="{BC455494-ED96-4AA4-B450-A2B615A5E46D}"/>
+    <dgm:cxn modelId="{42A1193D-B99C-43FA-8E04-CA85B68BC1BB}" type="presOf" srcId="{65ED52B3-9AFB-41B4-84E0-424EDFD74D4C}" destId="{88F9DDA5-9D4D-4B96-B893-3BBB1D5D0AC9}" srcOrd="0" destOrd="0" presId="urn:microsoft.com/office/officeart/2008/layout/LinedList"/>
+    <dgm:cxn modelId="{E5B44062-C2C4-435D-8F83-FFCA20101BCF}" srcId="{65ED52B3-9AFB-41B4-84E0-424EDFD74D4C}" destId="{1FD0D41A-A5E6-449D-AABF-D55322BE7906}" srcOrd="2" destOrd="0" parTransId="{4A983875-550F-4495-AE52-64CC0D118C16}" sibTransId="{5B3DDC2F-33E4-4EB0-90B0-442A0B1D9FC3}"/>
+    <dgm:cxn modelId="{EBB28B44-79EF-4F4A-9686-61B2D9D66693}" type="presOf" srcId="{0CF89C91-1CE3-4BCE-8F19-6A7B73F5B84F}" destId="{EEB2E847-386F-40FD-AA71-3E0DFFE987B3}" srcOrd="0" destOrd="0" presId="urn:microsoft.com/office/officeart/2008/layout/LinedList"/>
+    <dgm:cxn modelId="{8F81314D-69AE-4E96-9B2C-C2ED8AAE385A}" type="presOf" srcId="{CACDADC1-E277-4FE9-8412-37D17E50BFA5}" destId="{967915CA-6783-4A8E-BE27-85B8A318E399}" srcOrd="0" destOrd="0" presId="urn:microsoft.com/office/officeart/2008/layout/LinedList"/>
+    <dgm:cxn modelId="{202C5B76-C5FC-45EB-ABD2-CDAD3C69CA40}" type="presOf" srcId="{6F1BBE45-BB1F-425D-BAF9-58BD9887905A}" destId="{6FCA2FBC-1512-4501-9DCB-32B16C3E6813}" srcOrd="0" destOrd="0" presId="urn:microsoft.com/office/officeart/2008/layout/LinedList"/>
+    <dgm:cxn modelId="{FA36BC7D-6F76-4633-833E-22B9E06EA123}" type="presOf" srcId="{1FD0D41A-A5E6-449D-AABF-D55322BE7906}" destId="{259E4052-56C5-4339-84CF-C4EFC81F3A85}" srcOrd="0" destOrd="0" presId="urn:microsoft.com/office/officeart/2008/layout/LinedList"/>
+    <dgm:cxn modelId="{67D6A391-B691-4115-8EE6-03F9149EA248}" srcId="{65ED52B3-9AFB-41B4-84E0-424EDFD74D4C}" destId="{0CF89C91-1CE3-4BCE-8F19-6A7B73F5B84F}" srcOrd="4" destOrd="0" parTransId="{950C97D9-1966-4547-B512-495EF154FBE5}" sibTransId="{A6FEA88C-0F77-450A-88B5-20EB261996AF}"/>
+    <dgm:cxn modelId="{3FD42CB1-CE46-4911-9F76-4C20E5AF147B}" srcId="{65ED52B3-9AFB-41B4-84E0-424EDFD74D4C}" destId="{15B8D70E-07BC-4B5E-ABB9-1548672C30E1}" srcOrd="0" destOrd="0" parTransId="{E0A60FB6-5ACC-439C-815D-A7250A503EAB}" sibTransId="{1F08641B-A498-4059-B6E5-0B367F5D8734}"/>
+    <dgm:cxn modelId="{6FF1CDB4-517B-4B06-A28F-CFF67372A8D3}" srcId="{65ED52B3-9AFB-41B4-84E0-424EDFD74D4C}" destId="{6F1BBE45-BB1F-425D-BAF9-58BD9887905A}" srcOrd="3" destOrd="0" parTransId="{761458FD-45FD-4644-A46B-FEE3336CB839}" sibTransId="{05EACCBA-65AA-4E39-B9E9-50D4772AB0F9}"/>
+    <dgm:cxn modelId="{7289A1C7-7FDA-494A-80C1-14FCC1A6A8CC}" type="presOf" srcId="{15B8D70E-07BC-4B5E-ABB9-1548672C30E1}" destId="{08D21B3C-B3E7-4F66-9BEA-7CED910D5E59}" srcOrd="0" destOrd="0" presId="urn:microsoft.com/office/officeart/2008/layout/LinedList"/>
+    <dgm:cxn modelId="{511EE8DE-6A7E-49BB-B57A-DEEBAD305F98}" srcId="{65ED52B3-9AFB-41B4-84E0-424EDFD74D4C}" destId="{CACDADC1-E277-4FE9-8412-37D17E50BFA5}" srcOrd="5" destOrd="0" parTransId="{40A3A2C1-7CA8-4D5F-8B20-15AE91FEE942}" sibTransId="{1F9C6E72-8E10-4997-91EA-1699E0B18C41}"/>
+    <dgm:cxn modelId="{BDA2CB14-C8FF-4DC6-8221-8872B813DFB5}" type="presParOf" srcId="{88F9DDA5-9D4D-4B96-B893-3BBB1D5D0AC9}" destId="{1ED93A5F-6627-49B2-881D-09D6C557CA8D}" srcOrd="0" destOrd="0" presId="urn:microsoft.com/office/officeart/2008/layout/LinedList"/>
+    <dgm:cxn modelId="{15D551FE-6BEE-4FB4-BDD9-FA2D94B09F08}" type="presParOf" srcId="{88F9DDA5-9D4D-4B96-B893-3BBB1D5D0AC9}" destId="{DEEBC40D-1B97-4058-96CB-6B030823F059}" srcOrd="1" destOrd="0" presId="urn:microsoft.com/office/officeart/2008/layout/LinedList"/>
+    <dgm:cxn modelId="{2BEC5BAA-AF62-4275-A665-03A587DF22B6}" type="presParOf" srcId="{DEEBC40D-1B97-4058-96CB-6B030823F059}" destId="{08D21B3C-B3E7-4F66-9BEA-7CED910D5E59}" srcOrd="0" destOrd="0" presId="urn:microsoft.com/office/officeart/2008/layout/LinedList"/>
+    <dgm:cxn modelId="{CC65BA66-8742-42FE-91F6-E06B81D3DFD1}" type="presParOf" srcId="{DEEBC40D-1B97-4058-96CB-6B030823F059}" destId="{F5DA762E-7A6F-4960-A1F9-2791664D0244}" srcOrd="1" destOrd="0" presId="urn:microsoft.com/office/officeart/2008/layout/LinedList"/>
+    <dgm:cxn modelId="{2A321F0F-9CB0-437C-B76C-8E996883ACD9}" type="presParOf" srcId="{88F9DDA5-9D4D-4B96-B893-3BBB1D5D0AC9}" destId="{CDC13AB0-1CDB-4D67-A1C0-DD8999DF24D9}" srcOrd="2" destOrd="0" presId="urn:microsoft.com/office/officeart/2008/layout/LinedList"/>
+    <dgm:cxn modelId="{BF463B81-5655-47E8-BCC9-56FBA827B575}" type="presParOf" srcId="{88F9DDA5-9D4D-4B96-B893-3BBB1D5D0AC9}" destId="{07D90788-B981-4F92-8483-51A6DD7DEC3B}" srcOrd="3" destOrd="0" presId="urn:microsoft.com/office/officeart/2008/layout/LinedList"/>
+    <dgm:cxn modelId="{276639D7-E048-403B-9104-F512AD32CCB3}" type="presParOf" srcId="{07D90788-B981-4F92-8483-51A6DD7DEC3B}" destId="{940DD5E5-6995-458C-96F5-8EF90E897481}" srcOrd="0" destOrd="0" presId="urn:microsoft.com/office/officeart/2008/layout/LinedList"/>
+    <dgm:cxn modelId="{1BF3CD41-F70E-4188-903A-21011058F7EB}" type="presParOf" srcId="{07D90788-B981-4F92-8483-51A6DD7DEC3B}" destId="{EBA692C7-65F0-48B3-85C0-8F1CE6E70DF7}" srcOrd="1" destOrd="0" presId="urn:microsoft.com/office/officeart/2008/layout/LinedList"/>
+    <dgm:cxn modelId="{F4BD16B2-5D49-47DE-9703-11F192843800}" type="presParOf" srcId="{88F9DDA5-9D4D-4B96-B893-3BBB1D5D0AC9}" destId="{D399747F-2D30-4B39-AA2E-A986746484CE}" srcOrd="4" destOrd="0" presId="urn:microsoft.com/office/officeart/2008/layout/LinedList"/>
+    <dgm:cxn modelId="{DE43A9E3-29FE-4A70-B2A9-C2AEB530656C}" type="presParOf" srcId="{88F9DDA5-9D4D-4B96-B893-3BBB1D5D0AC9}" destId="{CB8ACD20-3D64-4EC7-A3B3-98CC31D2616F}" srcOrd="5" destOrd="0" presId="urn:microsoft.com/office/officeart/2008/layout/LinedList"/>
+    <dgm:cxn modelId="{E8266811-B9C1-4D10-BD3A-DC76F872390B}" type="presParOf" srcId="{CB8ACD20-3D64-4EC7-A3B3-98CC31D2616F}" destId="{259E4052-56C5-4339-84CF-C4EFC81F3A85}" srcOrd="0" destOrd="0" presId="urn:microsoft.com/office/officeart/2008/layout/LinedList"/>
+    <dgm:cxn modelId="{E033BB60-D03A-4051-9867-0D034B1322FB}" type="presParOf" srcId="{CB8ACD20-3D64-4EC7-A3B3-98CC31D2616F}" destId="{CA4F9619-CDB8-4F32-94EF-420C46E14111}" srcOrd="1" destOrd="0" presId="urn:microsoft.com/office/officeart/2008/layout/LinedList"/>
+    <dgm:cxn modelId="{68062A80-E824-4E36-A3A3-CD81EE3FDBF0}" type="presParOf" srcId="{88F9DDA5-9D4D-4B96-B893-3BBB1D5D0AC9}" destId="{3A8E9D36-3DE4-4D7D-B392-E43A409012C7}" srcOrd="6" destOrd="0" presId="urn:microsoft.com/office/officeart/2008/layout/LinedList"/>
+    <dgm:cxn modelId="{442C3DE2-4CAA-4326-9CF0-196ADF4ED119}" type="presParOf" srcId="{88F9DDA5-9D4D-4B96-B893-3BBB1D5D0AC9}" destId="{7796AC93-AEE2-4C56-B17E-4685E00FCC52}" srcOrd="7" destOrd="0" presId="urn:microsoft.com/office/officeart/2008/layout/LinedList"/>
+    <dgm:cxn modelId="{7FFD94C3-33C1-4FC2-A9F9-9735E1EAE8F0}" type="presParOf" srcId="{7796AC93-AEE2-4C56-B17E-4685E00FCC52}" destId="{6FCA2FBC-1512-4501-9DCB-32B16C3E6813}" srcOrd="0" destOrd="0" presId="urn:microsoft.com/office/officeart/2008/layout/LinedList"/>
+    <dgm:cxn modelId="{C695E6C7-A576-4458-ABC3-AE42C955FD63}" type="presParOf" srcId="{7796AC93-AEE2-4C56-B17E-4685E00FCC52}" destId="{ACF82152-F115-4910-992B-11B2804722F6}" srcOrd="1" destOrd="0" presId="urn:microsoft.com/office/officeart/2008/layout/LinedList"/>
+    <dgm:cxn modelId="{1655C442-8117-45A9-964A-8828F5F62E3E}" type="presParOf" srcId="{88F9DDA5-9D4D-4B96-B893-3BBB1D5D0AC9}" destId="{92E321D6-3211-4804-8AF0-EE18FB9DF806}" srcOrd="8" destOrd="0" presId="urn:microsoft.com/office/officeart/2008/layout/LinedList"/>
+    <dgm:cxn modelId="{52332EF6-8E5D-4312-AA0C-E95CAF673C3A}" type="presParOf" srcId="{88F9DDA5-9D4D-4B96-B893-3BBB1D5D0AC9}" destId="{E439DFD0-79F4-44AF-802D-5272C799DF53}" srcOrd="9" destOrd="0" presId="urn:microsoft.com/office/officeart/2008/layout/LinedList"/>
+    <dgm:cxn modelId="{3EC6DD2F-66F0-440A-B63B-938D579F509C}" type="presParOf" srcId="{E439DFD0-79F4-44AF-802D-5272C799DF53}" destId="{EEB2E847-386F-40FD-AA71-3E0DFFE987B3}" srcOrd="0" destOrd="0" presId="urn:microsoft.com/office/officeart/2008/layout/LinedList"/>
+    <dgm:cxn modelId="{3819FC7F-24A6-4393-B91E-3B50585260CC}" type="presParOf" srcId="{E439DFD0-79F4-44AF-802D-5272C799DF53}" destId="{4F4FCCD7-20AB-4D83-B527-E7C16851EC77}" srcOrd="1" destOrd="0" presId="urn:microsoft.com/office/officeart/2008/layout/LinedList"/>
+    <dgm:cxn modelId="{65A0B242-1203-4CEA-BD06-244AE9D155F2}" type="presParOf" srcId="{88F9DDA5-9D4D-4B96-B893-3BBB1D5D0AC9}" destId="{9D9B0480-5E51-438C-8252-291D0CC01ECF}" srcOrd="10" destOrd="0" presId="urn:microsoft.com/office/officeart/2008/layout/LinedList"/>
+    <dgm:cxn modelId="{1E1B2DB4-B597-4AAA-A407-8BB8841BDC9A}" type="presParOf" srcId="{88F9DDA5-9D4D-4B96-B893-3BBB1D5D0AC9}" destId="{8667C89C-8688-4F5F-A847-1171F944B474}" srcOrd="11" destOrd="0" presId="urn:microsoft.com/office/officeart/2008/layout/LinedList"/>
+    <dgm:cxn modelId="{89192FF6-0A3B-4663-B452-5F05A113D274}" type="presParOf" srcId="{8667C89C-8688-4F5F-A847-1171F944B474}" destId="{967915CA-6783-4A8E-BE27-85B8A318E399}" srcOrd="0" destOrd="0" presId="urn:microsoft.com/office/officeart/2008/layout/LinedList"/>
+    <dgm:cxn modelId="{18DCE0B1-03A3-41D7-96CA-ECDF63C3137D}" type="presParOf" srcId="{8667C89C-8688-4F5F-A847-1171F944B474}" destId="{365B70AE-34FC-4D00-9859-BC61603FFA6A}" srcOrd="1" destOrd="0" presId="urn:microsoft.com/office/officeart/2008/layout/LinedList"/>
+    <dgm:cxn modelId="{7BCC0B7D-FB64-45DB-B2D7-6466BCB88919}" type="presParOf" srcId="{88F9DDA5-9D4D-4B96-B893-3BBB1D5D0AC9}" destId="{F91F00ED-0413-4902-A73D-39457F8A6DE9}" srcOrd="12" destOrd="0" presId="urn:microsoft.com/office/officeart/2008/layout/LinedList"/>
+    <dgm:cxn modelId="{17270287-67FE-40CF-971A-9C3187950D8E}" type="presParOf" srcId="{88F9DDA5-9D4D-4B96-B893-3BBB1D5D0AC9}" destId="{8768942F-0F7F-4A96-8718-BFEB841E27EB}" srcOrd="13" destOrd="0" presId="urn:microsoft.com/office/officeart/2008/layout/LinedList"/>
+    <dgm:cxn modelId="{6C891162-3CC6-4673-8767-5047B1A17026}" type="presParOf" srcId="{8768942F-0F7F-4A96-8718-BFEB841E27EB}" destId="{8B17D3C9-E417-4DA9-9A41-6BD9A69823D2}" srcOrd="0" destOrd="0" presId="urn:microsoft.com/office/officeart/2008/layout/LinedList"/>
+    <dgm:cxn modelId="{50FEED31-E62A-4240-9DDE-511C04ECF44C}" type="presParOf" srcId="{8768942F-0F7F-4A96-8718-BFEB841E27EB}" destId="{4D6E8EF4-9BCC-4E4E-BDB2-33650E2E2354}" srcOrd="1" destOrd="0" presId="urn:microsoft.com/office/officeart/2008/layout/LinedList"/>
   </dgm:cxnLst>
   <dgm:bg/>
   <dgm:whole/>
@@ -6093,865 +6093,6 @@
 </file>
 
 <file path=ppt/diagrams/drawing2.xml><?xml version="1.0" encoding="utf-8"?>
-<dsp:drawing xmlns:dgm="http://schemas.openxmlformats.org/drawingml/2006/diagram" xmlns:dsp="http://schemas.microsoft.com/office/drawing/2008/diagram" xmlns:a="http://schemas.openxmlformats.org/drawingml/2006/main">
-  <dsp:spTree>
-    <dsp:nvGrpSpPr>
-      <dsp:cNvPr id="0" name=""/>
-      <dsp:cNvGrpSpPr/>
-    </dsp:nvGrpSpPr>
-    <dsp:grpSpPr/>
-    <dsp:sp modelId="{1ED93A5F-6627-49B2-881D-09D6C557CA8D}">
-      <dsp:nvSpPr>
-        <dsp:cNvPr id="0" name=""/>
-        <dsp:cNvSpPr/>
-      </dsp:nvSpPr>
-      <dsp:spPr>
-        <a:xfrm>
-          <a:off x="0" y="623"/>
-          <a:ext cx="6492875" cy="0"/>
-        </a:xfrm>
-        <a:prstGeom prst="line">
-          <a:avLst/>
-        </a:prstGeom>
-        <a:solidFill>
-          <a:schemeClr val="accent2">
-            <a:hueOff val="0"/>
-            <a:satOff val="0"/>
-            <a:lumOff val="0"/>
-            <a:alphaOff val="0"/>
-          </a:schemeClr>
-        </a:solidFill>
-        <a:ln w="15875" cap="rnd" cmpd="sng" algn="ctr">
-          <a:solidFill>
-            <a:schemeClr val="accent2">
-              <a:hueOff val="0"/>
-              <a:satOff val="0"/>
-              <a:lumOff val="0"/>
-              <a:alphaOff val="0"/>
-            </a:schemeClr>
-          </a:solidFill>
-          <a:prstDash val="solid"/>
-        </a:ln>
-        <a:effectLst/>
-      </dsp:spPr>
-      <dsp:style>
-        <a:lnRef idx="2">
-          <a:scrgbClr r="0" g="0" b="0"/>
-        </a:lnRef>
-        <a:fillRef idx="1">
-          <a:scrgbClr r="0" g="0" b="0"/>
-        </a:fillRef>
-        <a:effectRef idx="0">
-          <a:scrgbClr r="0" g="0" b="0"/>
-        </a:effectRef>
-        <a:fontRef idx="minor">
-          <a:schemeClr val="lt1"/>
-        </a:fontRef>
-      </dsp:style>
-    </dsp:sp>
-    <dsp:sp modelId="{08D21B3C-B3E7-4F66-9BEA-7CED910D5E59}">
-      <dsp:nvSpPr>
-        <dsp:cNvPr id="0" name=""/>
-        <dsp:cNvSpPr/>
-      </dsp:nvSpPr>
-      <dsp:spPr>
-        <a:xfrm>
-          <a:off x="0" y="623"/>
-          <a:ext cx="6492875" cy="729164"/>
-        </a:xfrm>
-        <a:prstGeom prst="rect">
-          <a:avLst/>
-        </a:prstGeom>
-        <a:noFill/>
-        <a:ln>
-          <a:noFill/>
-        </a:ln>
-        <a:effectLst/>
-      </dsp:spPr>
-      <dsp:style>
-        <a:lnRef idx="0">
-          <a:scrgbClr r="0" g="0" b="0"/>
-        </a:lnRef>
-        <a:fillRef idx="0">
-          <a:scrgbClr r="0" g="0" b="0"/>
-        </a:fillRef>
-        <a:effectRef idx="0">
-          <a:scrgbClr r="0" g="0" b="0"/>
-        </a:effectRef>
-        <a:fontRef idx="minor"/>
-      </dsp:style>
-      <dsp:txBody>
-        <a:bodyPr spcFirstLastPara="0" vert="horz" wrap="square" lIns="76200" tIns="76200" rIns="76200" bIns="76200" numCol="1" spcCol="1270" anchor="t" anchorCtr="0">
-          <a:noAutofit/>
-        </a:bodyPr>
-        <a:lstStyle/>
-        <a:p>
-          <a:pPr marL="0" lvl="0" indent="0" algn="l" defTabSz="889000">
-            <a:lnSpc>
-              <a:spcPct val="90000"/>
-            </a:lnSpc>
-            <a:spcBef>
-              <a:spcPct val="0"/>
-            </a:spcBef>
-            <a:spcAft>
-              <a:spcPct val="35000"/>
-            </a:spcAft>
-            <a:buNone/>
-          </a:pPr>
-          <a:r>
-            <a:rPr lang="en-US" sz="2000" b="1" u="none" kern="1200" dirty="0">
-              <a:solidFill>
-                <a:schemeClr val="tx1"/>
-              </a:solidFill>
-            </a:rPr>
-            <a:t>NOT NULL</a:t>
-          </a:r>
-          <a:r>
-            <a:rPr lang="en-US" sz="2000" u="none" kern="1200" dirty="0">
-              <a:solidFill>
-                <a:schemeClr val="tx1"/>
-              </a:solidFill>
-            </a:rPr>
-            <a:t>- Ensures that a column cannot have a NULL value</a:t>
-          </a:r>
-        </a:p>
-      </dsp:txBody>
-      <dsp:txXfrm>
-        <a:off x="0" y="623"/>
-        <a:ext cx="6492875" cy="729164"/>
-      </dsp:txXfrm>
-    </dsp:sp>
-    <dsp:sp modelId="{CDC13AB0-1CDB-4D67-A1C0-DD8999DF24D9}">
-      <dsp:nvSpPr>
-        <dsp:cNvPr id="0" name=""/>
-        <dsp:cNvSpPr/>
-      </dsp:nvSpPr>
-      <dsp:spPr>
-        <a:xfrm>
-          <a:off x="0" y="729788"/>
-          <a:ext cx="6492875" cy="0"/>
-        </a:xfrm>
-        <a:prstGeom prst="line">
-          <a:avLst/>
-        </a:prstGeom>
-        <a:solidFill>
-          <a:schemeClr val="accent3">
-            <a:hueOff val="0"/>
-            <a:satOff val="0"/>
-            <a:lumOff val="0"/>
-            <a:alphaOff val="0"/>
-          </a:schemeClr>
-        </a:solidFill>
-        <a:ln w="15875" cap="rnd" cmpd="sng" algn="ctr">
-          <a:solidFill>
-            <a:schemeClr val="accent3">
-              <a:hueOff val="0"/>
-              <a:satOff val="0"/>
-              <a:lumOff val="0"/>
-              <a:alphaOff val="0"/>
-            </a:schemeClr>
-          </a:solidFill>
-          <a:prstDash val="solid"/>
-        </a:ln>
-        <a:effectLst/>
-      </dsp:spPr>
-      <dsp:style>
-        <a:lnRef idx="2">
-          <a:scrgbClr r="0" g="0" b="0"/>
-        </a:lnRef>
-        <a:fillRef idx="1">
-          <a:scrgbClr r="0" g="0" b="0"/>
-        </a:fillRef>
-        <a:effectRef idx="0">
-          <a:scrgbClr r="0" g="0" b="0"/>
-        </a:effectRef>
-        <a:fontRef idx="minor">
-          <a:schemeClr val="lt1"/>
-        </a:fontRef>
-      </dsp:style>
-    </dsp:sp>
-    <dsp:sp modelId="{940DD5E5-6995-458C-96F5-8EF90E897481}">
-      <dsp:nvSpPr>
-        <dsp:cNvPr id="0" name=""/>
-        <dsp:cNvSpPr/>
-      </dsp:nvSpPr>
-      <dsp:spPr>
-        <a:xfrm>
-          <a:off x="0" y="729788"/>
-          <a:ext cx="6492875" cy="729164"/>
-        </a:xfrm>
-        <a:prstGeom prst="rect">
-          <a:avLst/>
-        </a:prstGeom>
-        <a:noFill/>
-        <a:ln>
-          <a:noFill/>
-        </a:ln>
-        <a:effectLst/>
-      </dsp:spPr>
-      <dsp:style>
-        <a:lnRef idx="0">
-          <a:scrgbClr r="0" g="0" b="0"/>
-        </a:lnRef>
-        <a:fillRef idx="0">
-          <a:scrgbClr r="0" g="0" b="0"/>
-        </a:fillRef>
-        <a:effectRef idx="0">
-          <a:scrgbClr r="0" g="0" b="0"/>
-        </a:effectRef>
-        <a:fontRef idx="minor"/>
-      </dsp:style>
-      <dsp:txBody>
-        <a:bodyPr spcFirstLastPara="0" vert="horz" wrap="square" lIns="76200" tIns="76200" rIns="76200" bIns="76200" numCol="1" spcCol="1270" anchor="t" anchorCtr="0">
-          <a:noAutofit/>
-        </a:bodyPr>
-        <a:lstStyle/>
-        <a:p>
-          <a:pPr marL="0" lvl="0" indent="0" algn="l" defTabSz="889000">
-            <a:lnSpc>
-              <a:spcPct val="90000"/>
-            </a:lnSpc>
-            <a:spcBef>
-              <a:spcPct val="0"/>
-            </a:spcBef>
-            <a:spcAft>
-              <a:spcPct val="35000"/>
-            </a:spcAft>
-            <a:buNone/>
-          </a:pPr>
-          <a:r>
-            <a:rPr lang="en-US" sz="2000" b="1" kern="1200" dirty="0">
-              <a:solidFill>
-                <a:schemeClr val="tx1"/>
-              </a:solidFill>
-            </a:rPr>
-            <a:t>UNIQUE</a:t>
-          </a:r>
-          <a:r>
-            <a:rPr lang="en-US" sz="2000" kern="1200" dirty="0">
-              <a:solidFill>
-                <a:schemeClr val="tx1"/>
-              </a:solidFill>
-            </a:rPr>
-            <a:t> - Ensures that all values in a column are different</a:t>
-          </a:r>
-        </a:p>
-      </dsp:txBody>
-      <dsp:txXfrm>
-        <a:off x="0" y="729788"/>
-        <a:ext cx="6492875" cy="729164"/>
-      </dsp:txXfrm>
-    </dsp:sp>
-    <dsp:sp modelId="{D399747F-2D30-4B39-AA2E-A986746484CE}">
-      <dsp:nvSpPr>
-        <dsp:cNvPr id="0" name=""/>
-        <dsp:cNvSpPr/>
-      </dsp:nvSpPr>
-      <dsp:spPr>
-        <a:xfrm>
-          <a:off x="0" y="1458952"/>
-          <a:ext cx="6492875" cy="0"/>
-        </a:xfrm>
-        <a:prstGeom prst="line">
-          <a:avLst/>
-        </a:prstGeom>
-        <a:solidFill>
-          <a:schemeClr val="accent4">
-            <a:hueOff val="0"/>
-            <a:satOff val="0"/>
-            <a:lumOff val="0"/>
-            <a:alphaOff val="0"/>
-          </a:schemeClr>
-        </a:solidFill>
-        <a:ln w="15875" cap="rnd" cmpd="sng" algn="ctr">
-          <a:solidFill>
-            <a:schemeClr val="accent4">
-              <a:hueOff val="0"/>
-              <a:satOff val="0"/>
-              <a:lumOff val="0"/>
-              <a:alphaOff val="0"/>
-            </a:schemeClr>
-          </a:solidFill>
-          <a:prstDash val="solid"/>
-        </a:ln>
-        <a:effectLst/>
-      </dsp:spPr>
-      <dsp:style>
-        <a:lnRef idx="2">
-          <a:scrgbClr r="0" g="0" b="0"/>
-        </a:lnRef>
-        <a:fillRef idx="1">
-          <a:scrgbClr r="0" g="0" b="0"/>
-        </a:fillRef>
-        <a:effectRef idx="0">
-          <a:scrgbClr r="0" g="0" b="0"/>
-        </a:effectRef>
-        <a:fontRef idx="minor">
-          <a:schemeClr val="lt1"/>
-        </a:fontRef>
-      </dsp:style>
-    </dsp:sp>
-    <dsp:sp modelId="{259E4052-56C5-4339-84CF-C4EFC81F3A85}">
-      <dsp:nvSpPr>
-        <dsp:cNvPr id="0" name=""/>
-        <dsp:cNvSpPr/>
-      </dsp:nvSpPr>
-      <dsp:spPr>
-        <a:xfrm>
-          <a:off x="0" y="1458952"/>
-          <a:ext cx="6492875" cy="729164"/>
-        </a:xfrm>
-        <a:prstGeom prst="rect">
-          <a:avLst/>
-        </a:prstGeom>
-        <a:noFill/>
-        <a:ln>
-          <a:noFill/>
-        </a:ln>
-        <a:effectLst/>
-      </dsp:spPr>
-      <dsp:style>
-        <a:lnRef idx="0">
-          <a:scrgbClr r="0" g="0" b="0"/>
-        </a:lnRef>
-        <a:fillRef idx="0">
-          <a:scrgbClr r="0" g="0" b="0"/>
-        </a:fillRef>
-        <a:effectRef idx="0">
-          <a:scrgbClr r="0" g="0" b="0"/>
-        </a:effectRef>
-        <a:fontRef idx="minor"/>
-      </dsp:style>
-      <dsp:txBody>
-        <a:bodyPr spcFirstLastPara="0" vert="horz" wrap="square" lIns="76200" tIns="76200" rIns="76200" bIns="76200" numCol="1" spcCol="1270" anchor="t" anchorCtr="0">
-          <a:noAutofit/>
-        </a:bodyPr>
-        <a:lstStyle/>
-        <a:p>
-          <a:pPr marL="0" lvl="0" indent="0" algn="l" defTabSz="889000">
-            <a:lnSpc>
-              <a:spcPct val="90000"/>
-            </a:lnSpc>
-            <a:spcBef>
-              <a:spcPct val="0"/>
-            </a:spcBef>
-            <a:spcAft>
-              <a:spcPct val="35000"/>
-            </a:spcAft>
-            <a:buNone/>
-          </a:pPr>
-          <a:r>
-            <a:rPr lang="en-US" sz="2000" b="1" kern="1200" dirty="0">
-              <a:solidFill>
-                <a:schemeClr val="tx1"/>
-              </a:solidFill>
-            </a:rPr>
-            <a:t>PRIMARY KEY</a:t>
-          </a:r>
-          <a:r>
-            <a:rPr lang="en-US" sz="2000" kern="1200" dirty="0">
-              <a:solidFill>
-                <a:schemeClr val="tx1"/>
-              </a:solidFill>
-            </a:rPr>
-            <a:t>- A combination of a NOT NULL and UNIQUE. Uniquely identifies each row in a table</a:t>
-          </a:r>
-        </a:p>
-      </dsp:txBody>
-      <dsp:txXfrm>
-        <a:off x="0" y="1458952"/>
-        <a:ext cx="6492875" cy="729164"/>
-      </dsp:txXfrm>
-    </dsp:sp>
-    <dsp:sp modelId="{3A8E9D36-3DE4-4D7D-B392-E43A409012C7}">
-      <dsp:nvSpPr>
-        <dsp:cNvPr id="0" name=""/>
-        <dsp:cNvSpPr/>
-      </dsp:nvSpPr>
-      <dsp:spPr>
-        <a:xfrm>
-          <a:off x="0" y="2188117"/>
-          <a:ext cx="6492875" cy="0"/>
-        </a:xfrm>
-        <a:prstGeom prst="line">
-          <a:avLst/>
-        </a:prstGeom>
-        <a:solidFill>
-          <a:schemeClr val="accent5">
-            <a:hueOff val="0"/>
-            <a:satOff val="0"/>
-            <a:lumOff val="0"/>
-            <a:alphaOff val="0"/>
-          </a:schemeClr>
-        </a:solidFill>
-        <a:ln w="15875" cap="rnd" cmpd="sng" algn="ctr">
-          <a:solidFill>
-            <a:schemeClr val="accent5">
-              <a:hueOff val="0"/>
-              <a:satOff val="0"/>
-              <a:lumOff val="0"/>
-              <a:alphaOff val="0"/>
-            </a:schemeClr>
-          </a:solidFill>
-          <a:prstDash val="solid"/>
-        </a:ln>
-        <a:effectLst/>
-      </dsp:spPr>
-      <dsp:style>
-        <a:lnRef idx="2">
-          <a:scrgbClr r="0" g="0" b="0"/>
-        </a:lnRef>
-        <a:fillRef idx="1">
-          <a:scrgbClr r="0" g="0" b="0"/>
-        </a:fillRef>
-        <a:effectRef idx="0">
-          <a:scrgbClr r="0" g="0" b="0"/>
-        </a:effectRef>
-        <a:fontRef idx="minor">
-          <a:schemeClr val="lt1"/>
-        </a:fontRef>
-      </dsp:style>
-    </dsp:sp>
-    <dsp:sp modelId="{6FCA2FBC-1512-4501-9DCB-32B16C3E6813}">
-      <dsp:nvSpPr>
-        <dsp:cNvPr id="0" name=""/>
-        <dsp:cNvSpPr/>
-      </dsp:nvSpPr>
-      <dsp:spPr>
-        <a:xfrm>
-          <a:off x="0" y="2188117"/>
-          <a:ext cx="6492875" cy="729164"/>
-        </a:xfrm>
-        <a:prstGeom prst="rect">
-          <a:avLst/>
-        </a:prstGeom>
-        <a:noFill/>
-        <a:ln>
-          <a:noFill/>
-        </a:ln>
-        <a:effectLst/>
-      </dsp:spPr>
-      <dsp:style>
-        <a:lnRef idx="0">
-          <a:scrgbClr r="0" g="0" b="0"/>
-        </a:lnRef>
-        <a:fillRef idx="0">
-          <a:scrgbClr r="0" g="0" b="0"/>
-        </a:fillRef>
-        <a:effectRef idx="0">
-          <a:scrgbClr r="0" g="0" b="0"/>
-        </a:effectRef>
-        <a:fontRef idx="minor"/>
-      </dsp:style>
-      <dsp:txBody>
-        <a:bodyPr spcFirstLastPara="0" vert="horz" wrap="square" lIns="76200" tIns="76200" rIns="76200" bIns="76200" numCol="1" spcCol="1270" anchor="t" anchorCtr="0">
-          <a:noAutofit/>
-        </a:bodyPr>
-        <a:lstStyle/>
-        <a:p>
-          <a:pPr marL="0" lvl="0" indent="0" algn="l" defTabSz="889000">
-            <a:lnSpc>
-              <a:spcPct val="90000"/>
-            </a:lnSpc>
-            <a:spcBef>
-              <a:spcPct val="0"/>
-            </a:spcBef>
-            <a:spcAft>
-              <a:spcPct val="35000"/>
-            </a:spcAft>
-            <a:buNone/>
-          </a:pPr>
-          <a:r>
-            <a:rPr lang="en-US" sz="2000" b="1" kern="1200" dirty="0">
-              <a:solidFill>
-                <a:schemeClr val="tx1"/>
-              </a:solidFill>
-            </a:rPr>
-            <a:t>FOREIGN KEY</a:t>
-          </a:r>
-          <a:r>
-            <a:rPr lang="en-US" sz="2000" kern="1200" dirty="0">
-              <a:solidFill>
-                <a:schemeClr val="tx1"/>
-              </a:solidFill>
-            </a:rPr>
-            <a:t>- Uniquely identifies a row/record in another table</a:t>
-          </a:r>
-        </a:p>
-      </dsp:txBody>
-      <dsp:txXfrm>
-        <a:off x="0" y="2188117"/>
-        <a:ext cx="6492875" cy="729164"/>
-      </dsp:txXfrm>
-    </dsp:sp>
-    <dsp:sp modelId="{92E321D6-3211-4804-8AF0-EE18FB9DF806}">
-      <dsp:nvSpPr>
-        <dsp:cNvPr id="0" name=""/>
-        <dsp:cNvSpPr/>
-      </dsp:nvSpPr>
-      <dsp:spPr>
-        <a:xfrm>
-          <a:off x="0" y="2917282"/>
-          <a:ext cx="6492875" cy="0"/>
-        </a:xfrm>
-        <a:prstGeom prst="line">
-          <a:avLst/>
-        </a:prstGeom>
-        <a:solidFill>
-          <a:schemeClr val="accent6">
-            <a:hueOff val="0"/>
-            <a:satOff val="0"/>
-            <a:lumOff val="0"/>
-            <a:alphaOff val="0"/>
-          </a:schemeClr>
-        </a:solidFill>
-        <a:ln w="15875" cap="rnd" cmpd="sng" algn="ctr">
-          <a:solidFill>
-            <a:schemeClr val="accent6">
-              <a:hueOff val="0"/>
-              <a:satOff val="0"/>
-              <a:lumOff val="0"/>
-              <a:alphaOff val="0"/>
-            </a:schemeClr>
-          </a:solidFill>
-          <a:prstDash val="solid"/>
-        </a:ln>
-        <a:effectLst/>
-      </dsp:spPr>
-      <dsp:style>
-        <a:lnRef idx="2">
-          <a:scrgbClr r="0" g="0" b="0"/>
-        </a:lnRef>
-        <a:fillRef idx="1">
-          <a:scrgbClr r="0" g="0" b="0"/>
-        </a:fillRef>
-        <a:effectRef idx="0">
-          <a:scrgbClr r="0" g="0" b="0"/>
-        </a:effectRef>
-        <a:fontRef idx="minor">
-          <a:schemeClr val="lt1"/>
-        </a:fontRef>
-      </dsp:style>
-    </dsp:sp>
-    <dsp:sp modelId="{EEB2E847-386F-40FD-AA71-3E0DFFE987B3}">
-      <dsp:nvSpPr>
-        <dsp:cNvPr id="0" name=""/>
-        <dsp:cNvSpPr/>
-      </dsp:nvSpPr>
-      <dsp:spPr>
-        <a:xfrm>
-          <a:off x="0" y="2917282"/>
-          <a:ext cx="6492875" cy="729164"/>
-        </a:xfrm>
-        <a:prstGeom prst="rect">
-          <a:avLst/>
-        </a:prstGeom>
-        <a:noFill/>
-        <a:ln>
-          <a:noFill/>
-        </a:ln>
-        <a:effectLst/>
-      </dsp:spPr>
-      <dsp:style>
-        <a:lnRef idx="0">
-          <a:scrgbClr r="0" g="0" b="0"/>
-        </a:lnRef>
-        <a:fillRef idx="0">
-          <a:scrgbClr r="0" g="0" b="0"/>
-        </a:fillRef>
-        <a:effectRef idx="0">
-          <a:scrgbClr r="0" g="0" b="0"/>
-        </a:effectRef>
-        <a:fontRef idx="minor"/>
-      </dsp:style>
-      <dsp:txBody>
-        <a:bodyPr spcFirstLastPara="0" vert="horz" wrap="square" lIns="76200" tIns="76200" rIns="76200" bIns="76200" numCol="1" spcCol="1270" anchor="t" anchorCtr="0">
-          <a:noAutofit/>
-        </a:bodyPr>
-        <a:lstStyle/>
-        <a:p>
-          <a:pPr marL="0" lvl="0" indent="0" algn="l" defTabSz="889000">
-            <a:lnSpc>
-              <a:spcPct val="90000"/>
-            </a:lnSpc>
-            <a:spcBef>
-              <a:spcPct val="0"/>
-            </a:spcBef>
-            <a:spcAft>
-              <a:spcPct val="35000"/>
-            </a:spcAft>
-            <a:buNone/>
-          </a:pPr>
-          <a:r>
-            <a:rPr lang="en-US" sz="2000" b="1" kern="1200" dirty="0">
-              <a:solidFill>
-                <a:schemeClr val="tx1"/>
-              </a:solidFill>
-            </a:rPr>
-            <a:t>CHECK</a:t>
-          </a:r>
-          <a:r>
-            <a:rPr lang="en-US" sz="2000" kern="1200" dirty="0">
-              <a:solidFill>
-                <a:schemeClr val="tx1"/>
-              </a:solidFill>
-            </a:rPr>
-            <a:t> - Ensures that all values in a column satisfies a specific condition</a:t>
-          </a:r>
-        </a:p>
-      </dsp:txBody>
-      <dsp:txXfrm>
-        <a:off x="0" y="2917282"/>
-        <a:ext cx="6492875" cy="729164"/>
-      </dsp:txXfrm>
-    </dsp:sp>
-    <dsp:sp modelId="{9D9B0480-5E51-438C-8252-291D0CC01ECF}">
-      <dsp:nvSpPr>
-        <dsp:cNvPr id="0" name=""/>
-        <dsp:cNvSpPr/>
-      </dsp:nvSpPr>
-      <dsp:spPr>
-        <a:xfrm>
-          <a:off x="0" y="3646447"/>
-          <a:ext cx="6492875" cy="0"/>
-        </a:xfrm>
-        <a:prstGeom prst="line">
-          <a:avLst/>
-        </a:prstGeom>
-        <a:solidFill>
-          <a:schemeClr val="accent2">
-            <a:hueOff val="0"/>
-            <a:satOff val="0"/>
-            <a:lumOff val="0"/>
-            <a:alphaOff val="0"/>
-          </a:schemeClr>
-        </a:solidFill>
-        <a:ln w="15875" cap="rnd" cmpd="sng" algn="ctr">
-          <a:solidFill>
-            <a:schemeClr val="accent2">
-              <a:hueOff val="0"/>
-              <a:satOff val="0"/>
-              <a:lumOff val="0"/>
-              <a:alphaOff val="0"/>
-            </a:schemeClr>
-          </a:solidFill>
-          <a:prstDash val="solid"/>
-        </a:ln>
-        <a:effectLst/>
-      </dsp:spPr>
-      <dsp:style>
-        <a:lnRef idx="2">
-          <a:scrgbClr r="0" g="0" b="0"/>
-        </a:lnRef>
-        <a:fillRef idx="1">
-          <a:scrgbClr r="0" g="0" b="0"/>
-        </a:fillRef>
-        <a:effectRef idx="0">
-          <a:scrgbClr r="0" g="0" b="0"/>
-        </a:effectRef>
-        <a:fontRef idx="minor">
-          <a:schemeClr val="lt1"/>
-        </a:fontRef>
-      </dsp:style>
-    </dsp:sp>
-    <dsp:sp modelId="{967915CA-6783-4A8E-BE27-85B8A318E399}">
-      <dsp:nvSpPr>
-        <dsp:cNvPr id="0" name=""/>
-        <dsp:cNvSpPr/>
-      </dsp:nvSpPr>
-      <dsp:spPr>
-        <a:xfrm>
-          <a:off x="0" y="3646447"/>
-          <a:ext cx="6492875" cy="729164"/>
-        </a:xfrm>
-        <a:prstGeom prst="rect">
-          <a:avLst/>
-        </a:prstGeom>
-        <a:noFill/>
-        <a:ln>
-          <a:noFill/>
-        </a:ln>
-        <a:effectLst/>
-      </dsp:spPr>
-      <dsp:style>
-        <a:lnRef idx="0">
-          <a:scrgbClr r="0" g="0" b="0"/>
-        </a:lnRef>
-        <a:fillRef idx="0">
-          <a:scrgbClr r="0" g="0" b="0"/>
-        </a:fillRef>
-        <a:effectRef idx="0">
-          <a:scrgbClr r="0" g="0" b="0"/>
-        </a:effectRef>
-        <a:fontRef idx="minor"/>
-      </dsp:style>
-      <dsp:txBody>
-        <a:bodyPr spcFirstLastPara="0" vert="horz" wrap="square" lIns="76200" tIns="76200" rIns="76200" bIns="76200" numCol="1" spcCol="1270" anchor="t" anchorCtr="0">
-          <a:noAutofit/>
-        </a:bodyPr>
-        <a:lstStyle/>
-        <a:p>
-          <a:pPr marL="0" lvl="0" indent="0" algn="l" defTabSz="889000">
-            <a:lnSpc>
-              <a:spcPct val="90000"/>
-            </a:lnSpc>
-            <a:spcBef>
-              <a:spcPct val="0"/>
-            </a:spcBef>
-            <a:spcAft>
-              <a:spcPct val="35000"/>
-            </a:spcAft>
-            <a:buNone/>
-          </a:pPr>
-          <a:r>
-            <a:rPr lang="en-US" sz="2000" b="1" kern="1200" dirty="0">
-              <a:solidFill>
-                <a:schemeClr val="tx1"/>
-              </a:solidFill>
-            </a:rPr>
-            <a:t>DEFAULT</a:t>
-          </a:r>
-          <a:r>
-            <a:rPr lang="en-US" sz="2000" kern="1200" dirty="0">
-              <a:solidFill>
-                <a:schemeClr val="tx1"/>
-              </a:solidFill>
-            </a:rPr>
-            <a:t> - Sets a default value for a column when no value is specified</a:t>
-          </a:r>
-        </a:p>
-      </dsp:txBody>
-      <dsp:txXfrm>
-        <a:off x="0" y="3646447"/>
-        <a:ext cx="6492875" cy="729164"/>
-      </dsp:txXfrm>
-    </dsp:sp>
-    <dsp:sp modelId="{F91F00ED-0413-4902-A73D-39457F8A6DE9}">
-      <dsp:nvSpPr>
-        <dsp:cNvPr id="0" name=""/>
-        <dsp:cNvSpPr/>
-      </dsp:nvSpPr>
-      <dsp:spPr>
-        <a:xfrm>
-          <a:off x="0" y="4375611"/>
-          <a:ext cx="6492875" cy="0"/>
-        </a:xfrm>
-        <a:prstGeom prst="line">
-          <a:avLst/>
-        </a:prstGeom>
-        <a:solidFill>
-          <a:schemeClr val="accent3">
-            <a:hueOff val="0"/>
-            <a:satOff val="0"/>
-            <a:lumOff val="0"/>
-            <a:alphaOff val="0"/>
-          </a:schemeClr>
-        </a:solidFill>
-        <a:ln w="15875" cap="rnd" cmpd="sng" algn="ctr">
-          <a:solidFill>
-            <a:schemeClr val="accent3">
-              <a:hueOff val="0"/>
-              <a:satOff val="0"/>
-              <a:lumOff val="0"/>
-              <a:alphaOff val="0"/>
-            </a:schemeClr>
-          </a:solidFill>
-          <a:prstDash val="solid"/>
-        </a:ln>
-        <a:effectLst/>
-      </dsp:spPr>
-      <dsp:style>
-        <a:lnRef idx="2">
-          <a:scrgbClr r="0" g="0" b="0"/>
-        </a:lnRef>
-        <a:fillRef idx="1">
-          <a:scrgbClr r="0" g="0" b="0"/>
-        </a:fillRef>
-        <a:effectRef idx="0">
-          <a:scrgbClr r="0" g="0" b="0"/>
-        </a:effectRef>
-        <a:fontRef idx="minor">
-          <a:schemeClr val="lt1"/>
-        </a:fontRef>
-      </dsp:style>
-    </dsp:sp>
-    <dsp:sp modelId="{8B17D3C9-E417-4DA9-9A41-6BD9A69823D2}">
-      <dsp:nvSpPr>
-        <dsp:cNvPr id="0" name=""/>
-        <dsp:cNvSpPr/>
-      </dsp:nvSpPr>
-      <dsp:spPr>
-        <a:xfrm>
-          <a:off x="0" y="4375611"/>
-          <a:ext cx="6492875" cy="729164"/>
-        </a:xfrm>
-        <a:prstGeom prst="rect">
-          <a:avLst/>
-        </a:prstGeom>
-        <a:noFill/>
-        <a:ln>
-          <a:noFill/>
-        </a:ln>
-        <a:effectLst/>
-      </dsp:spPr>
-      <dsp:style>
-        <a:lnRef idx="0">
-          <a:scrgbClr r="0" g="0" b="0"/>
-        </a:lnRef>
-        <a:fillRef idx="0">
-          <a:scrgbClr r="0" g="0" b="0"/>
-        </a:fillRef>
-        <a:effectRef idx="0">
-          <a:scrgbClr r="0" g="0" b="0"/>
-        </a:effectRef>
-        <a:fontRef idx="minor"/>
-      </dsp:style>
-      <dsp:txBody>
-        <a:bodyPr spcFirstLastPara="0" vert="horz" wrap="square" lIns="76200" tIns="76200" rIns="76200" bIns="76200" numCol="1" spcCol="1270" anchor="t" anchorCtr="0">
-          <a:noAutofit/>
-        </a:bodyPr>
-        <a:lstStyle/>
-        <a:p>
-          <a:pPr marL="0" lvl="0" indent="0" algn="l" defTabSz="889000">
-            <a:lnSpc>
-              <a:spcPct val="90000"/>
-            </a:lnSpc>
-            <a:spcBef>
-              <a:spcPct val="0"/>
-            </a:spcBef>
-            <a:spcAft>
-              <a:spcPct val="35000"/>
-            </a:spcAft>
-            <a:buNone/>
-          </a:pPr>
-          <a:r>
-            <a:rPr lang="en-US" sz="2000" b="1" kern="1200" dirty="0">
-              <a:solidFill>
-                <a:schemeClr val="tx1"/>
-              </a:solidFill>
-            </a:rPr>
-            <a:t>INDEX</a:t>
-          </a:r>
-          <a:r>
-            <a:rPr lang="en-US" sz="2000" kern="1200" dirty="0">
-              <a:solidFill>
-                <a:schemeClr val="tx1"/>
-              </a:solidFill>
-            </a:rPr>
-            <a:t> - Used to create and retrieve data from the database very quickly</a:t>
-          </a:r>
-        </a:p>
-      </dsp:txBody>
-      <dsp:txXfrm>
-        <a:off x="0" y="4375611"/>
-        <a:ext cx="6492875" cy="729164"/>
-      </dsp:txXfrm>
-    </dsp:sp>
-  </dsp:spTree>
-</dsp:drawing>
-</file>
-
-<file path=ppt/diagrams/drawing3.xml><?xml version="1.0" encoding="utf-8"?>
 <dsp:drawing xmlns:dgm="http://schemas.openxmlformats.org/drawingml/2006/diagram" xmlns:dsp="http://schemas.microsoft.com/office/drawing/2008/diagram" xmlns:a="http://schemas.openxmlformats.org/drawingml/2006/main">
   <dsp:spTree>
     <dsp:nvGrpSpPr>
@@ -8211,6 +7352,865 @@
       <dsp:txXfrm>
         <a:off x="0" y="4639233"/>
         <a:ext cx="6492875" cy="463674"/>
+      </dsp:txXfrm>
+    </dsp:sp>
+  </dsp:spTree>
+</dsp:drawing>
+</file>
+
+<file path=ppt/diagrams/drawing3.xml><?xml version="1.0" encoding="utf-8"?>
+<dsp:drawing xmlns:dgm="http://schemas.openxmlformats.org/drawingml/2006/diagram" xmlns:dsp="http://schemas.microsoft.com/office/drawing/2008/diagram" xmlns:a="http://schemas.openxmlformats.org/drawingml/2006/main">
+  <dsp:spTree>
+    <dsp:nvGrpSpPr>
+      <dsp:cNvPr id="0" name=""/>
+      <dsp:cNvGrpSpPr/>
+    </dsp:nvGrpSpPr>
+    <dsp:grpSpPr/>
+    <dsp:sp modelId="{1ED93A5F-6627-49B2-881D-09D6C557CA8D}">
+      <dsp:nvSpPr>
+        <dsp:cNvPr id="0" name=""/>
+        <dsp:cNvSpPr/>
+      </dsp:nvSpPr>
+      <dsp:spPr>
+        <a:xfrm>
+          <a:off x="0" y="623"/>
+          <a:ext cx="6492875" cy="0"/>
+        </a:xfrm>
+        <a:prstGeom prst="line">
+          <a:avLst/>
+        </a:prstGeom>
+        <a:solidFill>
+          <a:schemeClr val="accent2">
+            <a:hueOff val="0"/>
+            <a:satOff val="0"/>
+            <a:lumOff val="0"/>
+            <a:alphaOff val="0"/>
+          </a:schemeClr>
+        </a:solidFill>
+        <a:ln w="15875" cap="rnd" cmpd="sng" algn="ctr">
+          <a:solidFill>
+            <a:schemeClr val="accent2">
+              <a:hueOff val="0"/>
+              <a:satOff val="0"/>
+              <a:lumOff val="0"/>
+              <a:alphaOff val="0"/>
+            </a:schemeClr>
+          </a:solidFill>
+          <a:prstDash val="solid"/>
+        </a:ln>
+        <a:effectLst/>
+      </dsp:spPr>
+      <dsp:style>
+        <a:lnRef idx="2">
+          <a:scrgbClr r="0" g="0" b="0"/>
+        </a:lnRef>
+        <a:fillRef idx="1">
+          <a:scrgbClr r="0" g="0" b="0"/>
+        </a:fillRef>
+        <a:effectRef idx="0">
+          <a:scrgbClr r="0" g="0" b="0"/>
+        </a:effectRef>
+        <a:fontRef idx="minor">
+          <a:schemeClr val="lt1"/>
+        </a:fontRef>
+      </dsp:style>
+    </dsp:sp>
+    <dsp:sp modelId="{08D21B3C-B3E7-4F66-9BEA-7CED910D5E59}">
+      <dsp:nvSpPr>
+        <dsp:cNvPr id="0" name=""/>
+        <dsp:cNvSpPr/>
+      </dsp:nvSpPr>
+      <dsp:spPr>
+        <a:xfrm>
+          <a:off x="0" y="623"/>
+          <a:ext cx="6492875" cy="729164"/>
+        </a:xfrm>
+        <a:prstGeom prst="rect">
+          <a:avLst/>
+        </a:prstGeom>
+        <a:noFill/>
+        <a:ln>
+          <a:noFill/>
+        </a:ln>
+        <a:effectLst/>
+      </dsp:spPr>
+      <dsp:style>
+        <a:lnRef idx="0">
+          <a:scrgbClr r="0" g="0" b="0"/>
+        </a:lnRef>
+        <a:fillRef idx="0">
+          <a:scrgbClr r="0" g="0" b="0"/>
+        </a:fillRef>
+        <a:effectRef idx="0">
+          <a:scrgbClr r="0" g="0" b="0"/>
+        </a:effectRef>
+        <a:fontRef idx="minor"/>
+      </dsp:style>
+      <dsp:txBody>
+        <a:bodyPr spcFirstLastPara="0" vert="horz" wrap="square" lIns="76200" tIns="76200" rIns="76200" bIns="76200" numCol="1" spcCol="1270" anchor="t" anchorCtr="0">
+          <a:noAutofit/>
+        </a:bodyPr>
+        <a:lstStyle/>
+        <a:p>
+          <a:pPr marL="0" lvl="0" indent="0" algn="l" defTabSz="889000">
+            <a:lnSpc>
+              <a:spcPct val="90000"/>
+            </a:lnSpc>
+            <a:spcBef>
+              <a:spcPct val="0"/>
+            </a:spcBef>
+            <a:spcAft>
+              <a:spcPct val="35000"/>
+            </a:spcAft>
+            <a:buNone/>
+          </a:pPr>
+          <a:r>
+            <a:rPr lang="en-US" sz="2000" b="1" u="none" kern="1200" dirty="0">
+              <a:solidFill>
+                <a:schemeClr val="tx1"/>
+              </a:solidFill>
+            </a:rPr>
+            <a:t>NOT NULL</a:t>
+          </a:r>
+          <a:r>
+            <a:rPr lang="en-US" sz="2000" u="none" kern="1200" dirty="0">
+              <a:solidFill>
+                <a:schemeClr val="tx1"/>
+              </a:solidFill>
+            </a:rPr>
+            <a:t>- Ensures that a column cannot have a NULL value</a:t>
+          </a:r>
+        </a:p>
+      </dsp:txBody>
+      <dsp:txXfrm>
+        <a:off x="0" y="623"/>
+        <a:ext cx="6492875" cy="729164"/>
+      </dsp:txXfrm>
+    </dsp:sp>
+    <dsp:sp modelId="{CDC13AB0-1CDB-4D67-A1C0-DD8999DF24D9}">
+      <dsp:nvSpPr>
+        <dsp:cNvPr id="0" name=""/>
+        <dsp:cNvSpPr/>
+      </dsp:nvSpPr>
+      <dsp:spPr>
+        <a:xfrm>
+          <a:off x="0" y="729788"/>
+          <a:ext cx="6492875" cy="0"/>
+        </a:xfrm>
+        <a:prstGeom prst="line">
+          <a:avLst/>
+        </a:prstGeom>
+        <a:solidFill>
+          <a:schemeClr val="accent3">
+            <a:hueOff val="0"/>
+            <a:satOff val="0"/>
+            <a:lumOff val="0"/>
+            <a:alphaOff val="0"/>
+          </a:schemeClr>
+        </a:solidFill>
+        <a:ln w="15875" cap="rnd" cmpd="sng" algn="ctr">
+          <a:solidFill>
+            <a:schemeClr val="accent3">
+              <a:hueOff val="0"/>
+              <a:satOff val="0"/>
+              <a:lumOff val="0"/>
+              <a:alphaOff val="0"/>
+            </a:schemeClr>
+          </a:solidFill>
+          <a:prstDash val="solid"/>
+        </a:ln>
+        <a:effectLst/>
+      </dsp:spPr>
+      <dsp:style>
+        <a:lnRef idx="2">
+          <a:scrgbClr r="0" g="0" b="0"/>
+        </a:lnRef>
+        <a:fillRef idx="1">
+          <a:scrgbClr r="0" g="0" b="0"/>
+        </a:fillRef>
+        <a:effectRef idx="0">
+          <a:scrgbClr r="0" g="0" b="0"/>
+        </a:effectRef>
+        <a:fontRef idx="minor">
+          <a:schemeClr val="lt1"/>
+        </a:fontRef>
+      </dsp:style>
+    </dsp:sp>
+    <dsp:sp modelId="{940DD5E5-6995-458C-96F5-8EF90E897481}">
+      <dsp:nvSpPr>
+        <dsp:cNvPr id="0" name=""/>
+        <dsp:cNvSpPr/>
+      </dsp:nvSpPr>
+      <dsp:spPr>
+        <a:xfrm>
+          <a:off x="0" y="729788"/>
+          <a:ext cx="6492875" cy="729164"/>
+        </a:xfrm>
+        <a:prstGeom prst="rect">
+          <a:avLst/>
+        </a:prstGeom>
+        <a:noFill/>
+        <a:ln>
+          <a:noFill/>
+        </a:ln>
+        <a:effectLst/>
+      </dsp:spPr>
+      <dsp:style>
+        <a:lnRef idx="0">
+          <a:scrgbClr r="0" g="0" b="0"/>
+        </a:lnRef>
+        <a:fillRef idx="0">
+          <a:scrgbClr r="0" g="0" b="0"/>
+        </a:fillRef>
+        <a:effectRef idx="0">
+          <a:scrgbClr r="0" g="0" b="0"/>
+        </a:effectRef>
+        <a:fontRef idx="minor"/>
+      </dsp:style>
+      <dsp:txBody>
+        <a:bodyPr spcFirstLastPara="0" vert="horz" wrap="square" lIns="76200" tIns="76200" rIns="76200" bIns="76200" numCol="1" spcCol="1270" anchor="t" anchorCtr="0">
+          <a:noAutofit/>
+        </a:bodyPr>
+        <a:lstStyle/>
+        <a:p>
+          <a:pPr marL="0" lvl="0" indent="0" algn="l" defTabSz="889000">
+            <a:lnSpc>
+              <a:spcPct val="90000"/>
+            </a:lnSpc>
+            <a:spcBef>
+              <a:spcPct val="0"/>
+            </a:spcBef>
+            <a:spcAft>
+              <a:spcPct val="35000"/>
+            </a:spcAft>
+            <a:buNone/>
+          </a:pPr>
+          <a:r>
+            <a:rPr lang="en-US" sz="2000" b="1" kern="1200" dirty="0">
+              <a:solidFill>
+                <a:schemeClr val="tx1"/>
+              </a:solidFill>
+            </a:rPr>
+            <a:t>UNIQUE</a:t>
+          </a:r>
+          <a:r>
+            <a:rPr lang="en-US" sz="2000" kern="1200" dirty="0">
+              <a:solidFill>
+                <a:schemeClr val="tx1"/>
+              </a:solidFill>
+            </a:rPr>
+            <a:t> - Ensures that all values in a column are different</a:t>
+          </a:r>
+        </a:p>
+      </dsp:txBody>
+      <dsp:txXfrm>
+        <a:off x="0" y="729788"/>
+        <a:ext cx="6492875" cy="729164"/>
+      </dsp:txXfrm>
+    </dsp:sp>
+    <dsp:sp modelId="{D399747F-2D30-4B39-AA2E-A986746484CE}">
+      <dsp:nvSpPr>
+        <dsp:cNvPr id="0" name=""/>
+        <dsp:cNvSpPr/>
+      </dsp:nvSpPr>
+      <dsp:spPr>
+        <a:xfrm>
+          <a:off x="0" y="1458952"/>
+          <a:ext cx="6492875" cy="0"/>
+        </a:xfrm>
+        <a:prstGeom prst="line">
+          <a:avLst/>
+        </a:prstGeom>
+        <a:solidFill>
+          <a:schemeClr val="accent4">
+            <a:hueOff val="0"/>
+            <a:satOff val="0"/>
+            <a:lumOff val="0"/>
+            <a:alphaOff val="0"/>
+          </a:schemeClr>
+        </a:solidFill>
+        <a:ln w="15875" cap="rnd" cmpd="sng" algn="ctr">
+          <a:solidFill>
+            <a:schemeClr val="accent4">
+              <a:hueOff val="0"/>
+              <a:satOff val="0"/>
+              <a:lumOff val="0"/>
+              <a:alphaOff val="0"/>
+            </a:schemeClr>
+          </a:solidFill>
+          <a:prstDash val="solid"/>
+        </a:ln>
+        <a:effectLst/>
+      </dsp:spPr>
+      <dsp:style>
+        <a:lnRef idx="2">
+          <a:scrgbClr r="0" g="0" b="0"/>
+        </a:lnRef>
+        <a:fillRef idx="1">
+          <a:scrgbClr r="0" g="0" b="0"/>
+        </a:fillRef>
+        <a:effectRef idx="0">
+          <a:scrgbClr r="0" g="0" b="0"/>
+        </a:effectRef>
+        <a:fontRef idx="minor">
+          <a:schemeClr val="lt1"/>
+        </a:fontRef>
+      </dsp:style>
+    </dsp:sp>
+    <dsp:sp modelId="{259E4052-56C5-4339-84CF-C4EFC81F3A85}">
+      <dsp:nvSpPr>
+        <dsp:cNvPr id="0" name=""/>
+        <dsp:cNvSpPr/>
+      </dsp:nvSpPr>
+      <dsp:spPr>
+        <a:xfrm>
+          <a:off x="0" y="1458952"/>
+          <a:ext cx="6492875" cy="729164"/>
+        </a:xfrm>
+        <a:prstGeom prst="rect">
+          <a:avLst/>
+        </a:prstGeom>
+        <a:noFill/>
+        <a:ln>
+          <a:noFill/>
+        </a:ln>
+        <a:effectLst/>
+      </dsp:spPr>
+      <dsp:style>
+        <a:lnRef idx="0">
+          <a:scrgbClr r="0" g="0" b="0"/>
+        </a:lnRef>
+        <a:fillRef idx="0">
+          <a:scrgbClr r="0" g="0" b="0"/>
+        </a:fillRef>
+        <a:effectRef idx="0">
+          <a:scrgbClr r="0" g="0" b="0"/>
+        </a:effectRef>
+        <a:fontRef idx="minor"/>
+      </dsp:style>
+      <dsp:txBody>
+        <a:bodyPr spcFirstLastPara="0" vert="horz" wrap="square" lIns="76200" tIns="76200" rIns="76200" bIns="76200" numCol="1" spcCol="1270" anchor="t" anchorCtr="0">
+          <a:noAutofit/>
+        </a:bodyPr>
+        <a:lstStyle/>
+        <a:p>
+          <a:pPr marL="0" lvl="0" indent="0" algn="l" defTabSz="889000">
+            <a:lnSpc>
+              <a:spcPct val="90000"/>
+            </a:lnSpc>
+            <a:spcBef>
+              <a:spcPct val="0"/>
+            </a:spcBef>
+            <a:spcAft>
+              <a:spcPct val="35000"/>
+            </a:spcAft>
+            <a:buNone/>
+          </a:pPr>
+          <a:r>
+            <a:rPr lang="en-US" sz="2000" b="1" kern="1200" dirty="0">
+              <a:solidFill>
+                <a:schemeClr val="tx1"/>
+              </a:solidFill>
+            </a:rPr>
+            <a:t>PRIMARY KEY</a:t>
+          </a:r>
+          <a:r>
+            <a:rPr lang="en-US" sz="2000" kern="1200" dirty="0">
+              <a:solidFill>
+                <a:schemeClr val="tx1"/>
+              </a:solidFill>
+            </a:rPr>
+            <a:t>- A combination of a NOT NULL and UNIQUE. Uniquely identifies each row in a table</a:t>
+          </a:r>
+        </a:p>
+      </dsp:txBody>
+      <dsp:txXfrm>
+        <a:off x="0" y="1458952"/>
+        <a:ext cx="6492875" cy="729164"/>
+      </dsp:txXfrm>
+    </dsp:sp>
+    <dsp:sp modelId="{3A8E9D36-3DE4-4D7D-B392-E43A409012C7}">
+      <dsp:nvSpPr>
+        <dsp:cNvPr id="0" name=""/>
+        <dsp:cNvSpPr/>
+      </dsp:nvSpPr>
+      <dsp:spPr>
+        <a:xfrm>
+          <a:off x="0" y="2188117"/>
+          <a:ext cx="6492875" cy="0"/>
+        </a:xfrm>
+        <a:prstGeom prst="line">
+          <a:avLst/>
+        </a:prstGeom>
+        <a:solidFill>
+          <a:schemeClr val="accent5">
+            <a:hueOff val="0"/>
+            <a:satOff val="0"/>
+            <a:lumOff val="0"/>
+            <a:alphaOff val="0"/>
+          </a:schemeClr>
+        </a:solidFill>
+        <a:ln w="15875" cap="rnd" cmpd="sng" algn="ctr">
+          <a:solidFill>
+            <a:schemeClr val="accent5">
+              <a:hueOff val="0"/>
+              <a:satOff val="0"/>
+              <a:lumOff val="0"/>
+              <a:alphaOff val="0"/>
+            </a:schemeClr>
+          </a:solidFill>
+          <a:prstDash val="solid"/>
+        </a:ln>
+        <a:effectLst/>
+      </dsp:spPr>
+      <dsp:style>
+        <a:lnRef idx="2">
+          <a:scrgbClr r="0" g="0" b="0"/>
+        </a:lnRef>
+        <a:fillRef idx="1">
+          <a:scrgbClr r="0" g="0" b="0"/>
+        </a:fillRef>
+        <a:effectRef idx="0">
+          <a:scrgbClr r="0" g="0" b="0"/>
+        </a:effectRef>
+        <a:fontRef idx="minor">
+          <a:schemeClr val="lt1"/>
+        </a:fontRef>
+      </dsp:style>
+    </dsp:sp>
+    <dsp:sp modelId="{6FCA2FBC-1512-4501-9DCB-32B16C3E6813}">
+      <dsp:nvSpPr>
+        <dsp:cNvPr id="0" name=""/>
+        <dsp:cNvSpPr/>
+      </dsp:nvSpPr>
+      <dsp:spPr>
+        <a:xfrm>
+          <a:off x="0" y="2188117"/>
+          <a:ext cx="6492875" cy="729164"/>
+        </a:xfrm>
+        <a:prstGeom prst="rect">
+          <a:avLst/>
+        </a:prstGeom>
+        <a:noFill/>
+        <a:ln>
+          <a:noFill/>
+        </a:ln>
+        <a:effectLst/>
+      </dsp:spPr>
+      <dsp:style>
+        <a:lnRef idx="0">
+          <a:scrgbClr r="0" g="0" b="0"/>
+        </a:lnRef>
+        <a:fillRef idx="0">
+          <a:scrgbClr r="0" g="0" b="0"/>
+        </a:fillRef>
+        <a:effectRef idx="0">
+          <a:scrgbClr r="0" g="0" b="0"/>
+        </a:effectRef>
+        <a:fontRef idx="minor"/>
+      </dsp:style>
+      <dsp:txBody>
+        <a:bodyPr spcFirstLastPara="0" vert="horz" wrap="square" lIns="76200" tIns="76200" rIns="76200" bIns="76200" numCol="1" spcCol="1270" anchor="t" anchorCtr="0">
+          <a:noAutofit/>
+        </a:bodyPr>
+        <a:lstStyle/>
+        <a:p>
+          <a:pPr marL="0" lvl="0" indent="0" algn="l" defTabSz="889000">
+            <a:lnSpc>
+              <a:spcPct val="90000"/>
+            </a:lnSpc>
+            <a:spcBef>
+              <a:spcPct val="0"/>
+            </a:spcBef>
+            <a:spcAft>
+              <a:spcPct val="35000"/>
+            </a:spcAft>
+            <a:buNone/>
+          </a:pPr>
+          <a:r>
+            <a:rPr lang="en-US" sz="2000" b="1" kern="1200" dirty="0">
+              <a:solidFill>
+                <a:schemeClr val="tx1"/>
+              </a:solidFill>
+            </a:rPr>
+            <a:t>FOREIGN KEY</a:t>
+          </a:r>
+          <a:r>
+            <a:rPr lang="en-US" sz="2000" kern="1200" dirty="0">
+              <a:solidFill>
+                <a:schemeClr val="tx1"/>
+              </a:solidFill>
+            </a:rPr>
+            <a:t>- Uniquely identifies a row/record in another table</a:t>
+          </a:r>
+        </a:p>
+      </dsp:txBody>
+      <dsp:txXfrm>
+        <a:off x="0" y="2188117"/>
+        <a:ext cx="6492875" cy="729164"/>
+      </dsp:txXfrm>
+    </dsp:sp>
+    <dsp:sp modelId="{92E321D6-3211-4804-8AF0-EE18FB9DF806}">
+      <dsp:nvSpPr>
+        <dsp:cNvPr id="0" name=""/>
+        <dsp:cNvSpPr/>
+      </dsp:nvSpPr>
+      <dsp:spPr>
+        <a:xfrm>
+          <a:off x="0" y="2917282"/>
+          <a:ext cx="6492875" cy="0"/>
+        </a:xfrm>
+        <a:prstGeom prst="line">
+          <a:avLst/>
+        </a:prstGeom>
+        <a:solidFill>
+          <a:schemeClr val="accent6">
+            <a:hueOff val="0"/>
+            <a:satOff val="0"/>
+            <a:lumOff val="0"/>
+            <a:alphaOff val="0"/>
+          </a:schemeClr>
+        </a:solidFill>
+        <a:ln w="15875" cap="rnd" cmpd="sng" algn="ctr">
+          <a:solidFill>
+            <a:schemeClr val="accent6">
+              <a:hueOff val="0"/>
+              <a:satOff val="0"/>
+              <a:lumOff val="0"/>
+              <a:alphaOff val="0"/>
+            </a:schemeClr>
+          </a:solidFill>
+          <a:prstDash val="solid"/>
+        </a:ln>
+        <a:effectLst/>
+      </dsp:spPr>
+      <dsp:style>
+        <a:lnRef idx="2">
+          <a:scrgbClr r="0" g="0" b="0"/>
+        </a:lnRef>
+        <a:fillRef idx="1">
+          <a:scrgbClr r="0" g="0" b="0"/>
+        </a:fillRef>
+        <a:effectRef idx="0">
+          <a:scrgbClr r="0" g="0" b="0"/>
+        </a:effectRef>
+        <a:fontRef idx="minor">
+          <a:schemeClr val="lt1"/>
+        </a:fontRef>
+      </dsp:style>
+    </dsp:sp>
+    <dsp:sp modelId="{EEB2E847-386F-40FD-AA71-3E0DFFE987B3}">
+      <dsp:nvSpPr>
+        <dsp:cNvPr id="0" name=""/>
+        <dsp:cNvSpPr/>
+      </dsp:nvSpPr>
+      <dsp:spPr>
+        <a:xfrm>
+          <a:off x="0" y="2917282"/>
+          <a:ext cx="6492875" cy="729164"/>
+        </a:xfrm>
+        <a:prstGeom prst="rect">
+          <a:avLst/>
+        </a:prstGeom>
+        <a:noFill/>
+        <a:ln>
+          <a:noFill/>
+        </a:ln>
+        <a:effectLst/>
+      </dsp:spPr>
+      <dsp:style>
+        <a:lnRef idx="0">
+          <a:scrgbClr r="0" g="0" b="0"/>
+        </a:lnRef>
+        <a:fillRef idx="0">
+          <a:scrgbClr r="0" g="0" b="0"/>
+        </a:fillRef>
+        <a:effectRef idx="0">
+          <a:scrgbClr r="0" g="0" b="0"/>
+        </a:effectRef>
+        <a:fontRef idx="minor"/>
+      </dsp:style>
+      <dsp:txBody>
+        <a:bodyPr spcFirstLastPara="0" vert="horz" wrap="square" lIns="76200" tIns="76200" rIns="76200" bIns="76200" numCol="1" spcCol="1270" anchor="t" anchorCtr="0">
+          <a:noAutofit/>
+        </a:bodyPr>
+        <a:lstStyle/>
+        <a:p>
+          <a:pPr marL="0" lvl="0" indent="0" algn="l" defTabSz="889000">
+            <a:lnSpc>
+              <a:spcPct val="90000"/>
+            </a:lnSpc>
+            <a:spcBef>
+              <a:spcPct val="0"/>
+            </a:spcBef>
+            <a:spcAft>
+              <a:spcPct val="35000"/>
+            </a:spcAft>
+            <a:buNone/>
+          </a:pPr>
+          <a:r>
+            <a:rPr lang="en-US" sz="2000" b="1" kern="1200" dirty="0">
+              <a:solidFill>
+                <a:schemeClr val="tx1"/>
+              </a:solidFill>
+            </a:rPr>
+            <a:t>CHECK</a:t>
+          </a:r>
+          <a:r>
+            <a:rPr lang="en-US" sz="2000" kern="1200" dirty="0">
+              <a:solidFill>
+                <a:schemeClr val="tx1"/>
+              </a:solidFill>
+            </a:rPr>
+            <a:t> - Ensures that all values in a column satisfies a specific condition</a:t>
+          </a:r>
+        </a:p>
+      </dsp:txBody>
+      <dsp:txXfrm>
+        <a:off x="0" y="2917282"/>
+        <a:ext cx="6492875" cy="729164"/>
+      </dsp:txXfrm>
+    </dsp:sp>
+    <dsp:sp modelId="{9D9B0480-5E51-438C-8252-291D0CC01ECF}">
+      <dsp:nvSpPr>
+        <dsp:cNvPr id="0" name=""/>
+        <dsp:cNvSpPr/>
+      </dsp:nvSpPr>
+      <dsp:spPr>
+        <a:xfrm>
+          <a:off x="0" y="3646447"/>
+          <a:ext cx="6492875" cy="0"/>
+        </a:xfrm>
+        <a:prstGeom prst="line">
+          <a:avLst/>
+        </a:prstGeom>
+        <a:solidFill>
+          <a:schemeClr val="accent2">
+            <a:hueOff val="0"/>
+            <a:satOff val="0"/>
+            <a:lumOff val="0"/>
+            <a:alphaOff val="0"/>
+          </a:schemeClr>
+        </a:solidFill>
+        <a:ln w="15875" cap="rnd" cmpd="sng" algn="ctr">
+          <a:solidFill>
+            <a:schemeClr val="accent2">
+              <a:hueOff val="0"/>
+              <a:satOff val="0"/>
+              <a:lumOff val="0"/>
+              <a:alphaOff val="0"/>
+            </a:schemeClr>
+          </a:solidFill>
+          <a:prstDash val="solid"/>
+        </a:ln>
+        <a:effectLst/>
+      </dsp:spPr>
+      <dsp:style>
+        <a:lnRef idx="2">
+          <a:scrgbClr r="0" g="0" b="0"/>
+        </a:lnRef>
+        <a:fillRef idx="1">
+          <a:scrgbClr r="0" g="0" b="0"/>
+        </a:fillRef>
+        <a:effectRef idx="0">
+          <a:scrgbClr r="0" g="0" b="0"/>
+        </a:effectRef>
+        <a:fontRef idx="minor">
+          <a:schemeClr val="lt1"/>
+        </a:fontRef>
+      </dsp:style>
+    </dsp:sp>
+    <dsp:sp modelId="{967915CA-6783-4A8E-BE27-85B8A318E399}">
+      <dsp:nvSpPr>
+        <dsp:cNvPr id="0" name=""/>
+        <dsp:cNvSpPr/>
+      </dsp:nvSpPr>
+      <dsp:spPr>
+        <a:xfrm>
+          <a:off x="0" y="3646447"/>
+          <a:ext cx="6492875" cy="729164"/>
+        </a:xfrm>
+        <a:prstGeom prst="rect">
+          <a:avLst/>
+        </a:prstGeom>
+        <a:noFill/>
+        <a:ln>
+          <a:noFill/>
+        </a:ln>
+        <a:effectLst/>
+      </dsp:spPr>
+      <dsp:style>
+        <a:lnRef idx="0">
+          <a:scrgbClr r="0" g="0" b="0"/>
+        </a:lnRef>
+        <a:fillRef idx="0">
+          <a:scrgbClr r="0" g="0" b="0"/>
+        </a:fillRef>
+        <a:effectRef idx="0">
+          <a:scrgbClr r="0" g="0" b="0"/>
+        </a:effectRef>
+        <a:fontRef idx="minor"/>
+      </dsp:style>
+      <dsp:txBody>
+        <a:bodyPr spcFirstLastPara="0" vert="horz" wrap="square" lIns="76200" tIns="76200" rIns="76200" bIns="76200" numCol="1" spcCol="1270" anchor="t" anchorCtr="0">
+          <a:noAutofit/>
+        </a:bodyPr>
+        <a:lstStyle/>
+        <a:p>
+          <a:pPr marL="0" lvl="0" indent="0" algn="l" defTabSz="889000">
+            <a:lnSpc>
+              <a:spcPct val="90000"/>
+            </a:lnSpc>
+            <a:spcBef>
+              <a:spcPct val="0"/>
+            </a:spcBef>
+            <a:spcAft>
+              <a:spcPct val="35000"/>
+            </a:spcAft>
+            <a:buNone/>
+          </a:pPr>
+          <a:r>
+            <a:rPr lang="en-US" sz="2000" b="1" kern="1200" dirty="0">
+              <a:solidFill>
+                <a:schemeClr val="tx1"/>
+              </a:solidFill>
+            </a:rPr>
+            <a:t>DEFAULT</a:t>
+          </a:r>
+          <a:r>
+            <a:rPr lang="en-US" sz="2000" kern="1200" dirty="0">
+              <a:solidFill>
+                <a:schemeClr val="tx1"/>
+              </a:solidFill>
+            </a:rPr>
+            <a:t> - Sets a default value for a column when no value is specified</a:t>
+          </a:r>
+        </a:p>
+      </dsp:txBody>
+      <dsp:txXfrm>
+        <a:off x="0" y="3646447"/>
+        <a:ext cx="6492875" cy="729164"/>
+      </dsp:txXfrm>
+    </dsp:sp>
+    <dsp:sp modelId="{F91F00ED-0413-4902-A73D-39457F8A6DE9}">
+      <dsp:nvSpPr>
+        <dsp:cNvPr id="0" name=""/>
+        <dsp:cNvSpPr/>
+      </dsp:nvSpPr>
+      <dsp:spPr>
+        <a:xfrm>
+          <a:off x="0" y="4375611"/>
+          <a:ext cx="6492875" cy="0"/>
+        </a:xfrm>
+        <a:prstGeom prst="line">
+          <a:avLst/>
+        </a:prstGeom>
+        <a:solidFill>
+          <a:schemeClr val="accent3">
+            <a:hueOff val="0"/>
+            <a:satOff val="0"/>
+            <a:lumOff val="0"/>
+            <a:alphaOff val="0"/>
+          </a:schemeClr>
+        </a:solidFill>
+        <a:ln w="15875" cap="rnd" cmpd="sng" algn="ctr">
+          <a:solidFill>
+            <a:schemeClr val="accent3">
+              <a:hueOff val="0"/>
+              <a:satOff val="0"/>
+              <a:lumOff val="0"/>
+              <a:alphaOff val="0"/>
+            </a:schemeClr>
+          </a:solidFill>
+          <a:prstDash val="solid"/>
+        </a:ln>
+        <a:effectLst/>
+      </dsp:spPr>
+      <dsp:style>
+        <a:lnRef idx="2">
+          <a:scrgbClr r="0" g="0" b="0"/>
+        </a:lnRef>
+        <a:fillRef idx="1">
+          <a:scrgbClr r="0" g="0" b="0"/>
+        </a:fillRef>
+        <a:effectRef idx="0">
+          <a:scrgbClr r="0" g="0" b="0"/>
+        </a:effectRef>
+        <a:fontRef idx="minor">
+          <a:schemeClr val="lt1"/>
+        </a:fontRef>
+      </dsp:style>
+    </dsp:sp>
+    <dsp:sp modelId="{8B17D3C9-E417-4DA9-9A41-6BD9A69823D2}">
+      <dsp:nvSpPr>
+        <dsp:cNvPr id="0" name=""/>
+        <dsp:cNvSpPr/>
+      </dsp:nvSpPr>
+      <dsp:spPr>
+        <a:xfrm>
+          <a:off x="0" y="4375611"/>
+          <a:ext cx="6492875" cy="729164"/>
+        </a:xfrm>
+        <a:prstGeom prst="rect">
+          <a:avLst/>
+        </a:prstGeom>
+        <a:noFill/>
+        <a:ln>
+          <a:noFill/>
+        </a:ln>
+        <a:effectLst/>
+      </dsp:spPr>
+      <dsp:style>
+        <a:lnRef idx="0">
+          <a:scrgbClr r="0" g="0" b="0"/>
+        </a:lnRef>
+        <a:fillRef idx="0">
+          <a:scrgbClr r="0" g="0" b="0"/>
+        </a:fillRef>
+        <a:effectRef idx="0">
+          <a:scrgbClr r="0" g="0" b="0"/>
+        </a:effectRef>
+        <a:fontRef idx="minor"/>
+      </dsp:style>
+      <dsp:txBody>
+        <a:bodyPr spcFirstLastPara="0" vert="horz" wrap="square" lIns="76200" tIns="76200" rIns="76200" bIns="76200" numCol="1" spcCol="1270" anchor="t" anchorCtr="0">
+          <a:noAutofit/>
+        </a:bodyPr>
+        <a:lstStyle/>
+        <a:p>
+          <a:pPr marL="0" lvl="0" indent="0" algn="l" defTabSz="889000">
+            <a:lnSpc>
+              <a:spcPct val="90000"/>
+            </a:lnSpc>
+            <a:spcBef>
+              <a:spcPct val="0"/>
+            </a:spcBef>
+            <a:spcAft>
+              <a:spcPct val="35000"/>
+            </a:spcAft>
+            <a:buNone/>
+          </a:pPr>
+          <a:r>
+            <a:rPr lang="en-US" sz="2000" b="1" kern="1200" dirty="0">
+              <a:solidFill>
+                <a:schemeClr val="tx1"/>
+              </a:solidFill>
+            </a:rPr>
+            <a:t>INDEX</a:t>
+          </a:r>
+          <a:r>
+            <a:rPr lang="en-US" sz="2000" kern="1200" dirty="0">
+              <a:solidFill>
+                <a:schemeClr val="tx1"/>
+              </a:solidFill>
+            </a:rPr>
+            <a:t> - Used to create and retrieve data from the database very quickly</a:t>
+          </a:r>
+        </a:p>
+      </dsp:txBody>
+      <dsp:txXfrm>
+        <a:off x="0" y="4375611"/>
+        <a:ext cx="6492875" cy="729164"/>
       </dsp:txXfrm>
     </dsp:sp>
   </dsp:spTree>
@@ -14454,7 +14454,7 @@
           <a:p>
             <a:fld id="{C61EE8A0-BF88-4386-8C8B-D01715360EB2}" type="datetimeFigureOut">
               <a:rPr lang="de-DE" smtClean="0"/>
-              <a:t>22.10.2019</a:t>
+              <a:t>23.10.2019</a:t>
             </a:fld>
             <a:endParaRPr lang="de-DE"/>
           </a:p>
@@ -14796,6 +14796,90 @@
     <p:extLst>
       <p:ext uri="{BB962C8B-B14F-4D97-AF65-F5344CB8AC3E}">
         <p14:creationId xmlns:p14="http://schemas.microsoft.com/office/powerpoint/2010/main" val="3857933500"/>
+      </p:ext>
+    </p:extLst>
+  </p:cSld>
+  <p:clrMapOvr>
+    <a:masterClrMapping/>
+  </p:clrMapOvr>
+</p:notes>
+</file>
+
+<file path=ppt/notesSlides/notesSlide2.xml><?xml version="1.0" encoding="utf-8"?>
+<p:notes xmlns:a="http://schemas.openxmlformats.org/drawingml/2006/main" xmlns:r="http://schemas.openxmlformats.org/officeDocument/2006/relationships" xmlns:p="http://schemas.openxmlformats.org/presentationml/2006/main">
+  <p:cSld>
+    <p:spTree>
+      <p:nvGrpSpPr>
+        <p:cNvPr id="1" name=""/>
+        <p:cNvGrpSpPr/>
+        <p:nvPr/>
+      </p:nvGrpSpPr>
+      <p:grpSpPr>
+        <a:xfrm>
+          <a:off x="0" y="0"/>
+          <a:ext cx="0" cy="0"/>
+          <a:chOff x="0" y="0"/>
+          <a:chExt cx="0" cy="0"/>
+        </a:xfrm>
+      </p:grpSpPr>
+      <p:sp>
+        <p:nvSpPr>
+          <p:cNvPr id="2" name="Folienbildplatzhalter 1"/>
+          <p:cNvSpPr>
+            <a:spLocks noGrp="1" noRot="1" noChangeAspect="1"/>
+          </p:cNvSpPr>
+          <p:nvPr>
+            <p:ph type="sldImg"/>
+          </p:nvPr>
+        </p:nvSpPr>
+        <p:spPr/>
+      </p:sp>
+      <p:sp>
+        <p:nvSpPr>
+          <p:cNvPr id="3" name="Notizenplatzhalter 2"/>
+          <p:cNvSpPr>
+            <a:spLocks noGrp="1"/>
+          </p:cNvSpPr>
+          <p:nvPr>
+            <p:ph type="body" idx="1"/>
+          </p:nvPr>
+        </p:nvSpPr>
+        <p:spPr/>
+        <p:txBody>
+          <a:bodyPr/>
+          <a:lstStyle/>
+          <a:p>
+            <a:endParaRPr lang="de-DE" dirty="0"/>
+          </a:p>
+        </p:txBody>
+      </p:sp>
+      <p:sp>
+        <p:nvSpPr>
+          <p:cNvPr id="4" name="Foliennummernplatzhalter 3"/>
+          <p:cNvSpPr>
+            <a:spLocks noGrp="1"/>
+          </p:cNvSpPr>
+          <p:nvPr>
+            <p:ph type="sldNum" sz="quarter" idx="5"/>
+          </p:nvPr>
+        </p:nvSpPr>
+        <p:spPr/>
+        <p:txBody>
+          <a:bodyPr/>
+          <a:lstStyle/>
+          <a:p>
+            <a:fld id="{72494C89-2E53-4B78-B752-62DC0D061E73}" type="slidenum">
+              <a:rPr lang="de-DE" smtClean="0"/>
+              <a:t>8</a:t>
+            </a:fld>
+            <a:endParaRPr lang="de-DE"/>
+          </a:p>
+        </p:txBody>
+      </p:sp>
+    </p:spTree>
+    <p:extLst>
+      <p:ext uri="{BB962C8B-B14F-4D97-AF65-F5344CB8AC3E}">
+        <p14:creationId xmlns:p14="http://schemas.microsoft.com/office/powerpoint/2010/main" val="3353198981"/>
       </p:ext>
     </p:extLst>
   </p:cSld>
@@ -15307,7 +15391,7 @@
           <a:p>
             <a:fld id="{3FEA5B92-165B-4B55-94B9-5BA8FF919B7E}" type="datetimeFigureOut">
               <a:rPr lang="de-DE" smtClean="0"/>
-              <a:t>22.10.2019</a:t>
+              <a:t>23.10.2019</a:t>
             </a:fld>
             <a:endParaRPr lang="de-DE"/>
           </a:p>
@@ -15603,7 +15687,7 @@
           <a:p>
             <a:fld id="{3FEA5B92-165B-4B55-94B9-5BA8FF919B7E}" type="datetimeFigureOut">
               <a:rPr lang="de-DE" smtClean="0"/>
-              <a:t>22.10.2019</a:t>
+              <a:t>23.10.2019</a:t>
             </a:fld>
             <a:endParaRPr lang="de-DE"/>
           </a:p>
@@ -15851,7 +15935,7 @@
           <a:p>
             <a:fld id="{3FEA5B92-165B-4B55-94B9-5BA8FF919B7E}" type="datetimeFigureOut">
               <a:rPr lang="de-DE" smtClean="0"/>
-              <a:t>22.10.2019</a:t>
+              <a:t>23.10.2019</a:t>
             </a:fld>
             <a:endParaRPr lang="de-DE"/>
           </a:p>
@@ -16391,7 +16475,7 @@
           <a:p>
             <a:fld id="{3FEA5B92-165B-4B55-94B9-5BA8FF919B7E}" type="datetimeFigureOut">
               <a:rPr lang="de-DE" smtClean="0"/>
-              <a:t>22.10.2019</a:t>
+              <a:t>23.10.2019</a:t>
             </a:fld>
             <a:endParaRPr lang="de-DE"/>
           </a:p>
@@ -16639,7 +16723,7 @@
           <a:p>
             <a:fld id="{3FEA5B92-165B-4B55-94B9-5BA8FF919B7E}" type="datetimeFigureOut">
               <a:rPr lang="de-DE" smtClean="0"/>
-              <a:t>22.10.2019</a:t>
+              <a:t>23.10.2019</a:t>
             </a:fld>
             <a:endParaRPr lang="de-DE"/>
           </a:p>
@@ -17171,7 +17255,7 @@
           <a:p>
             <a:fld id="{3FEA5B92-165B-4B55-94B9-5BA8FF919B7E}" type="datetimeFigureOut">
               <a:rPr lang="de-DE" smtClean="0"/>
-              <a:t>22.10.2019</a:t>
+              <a:t>23.10.2019</a:t>
             </a:fld>
             <a:endParaRPr lang="de-DE"/>
           </a:p>
@@ -17468,7 +17552,7 @@
           <a:p>
             <a:fld id="{3FEA5B92-165B-4B55-94B9-5BA8FF919B7E}" type="datetimeFigureOut">
               <a:rPr lang="de-DE" smtClean="0"/>
-              <a:t>22.10.2019</a:t>
+              <a:t>23.10.2019</a:t>
             </a:fld>
             <a:endParaRPr lang="de-DE"/>
           </a:p>
@@ -17642,7 +17726,7 @@
           <a:p>
             <a:fld id="{3FEA5B92-165B-4B55-94B9-5BA8FF919B7E}" type="datetimeFigureOut">
               <a:rPr lang="de-DE" smtClean="0"/>
-              <a:t>22.10.2019</a:t>
+              <a:t>23.10.2019</a:t>
             </a:fld>
             <a:endParaRPr lang="de-DE"/>
           </a:p>
@@ -17822,7 +17906,7 @@
           <a:p>
             <a:fld id="{3FEA5B92-165B-4B55-94B9-5BA8FF919B7E}" type="datetimeFigureOut">
               <a:rPr lang="de-DE" smtClean="0"/>
-              <a:t>22.10.2019</a:t>
+              <a:t>23.10.2019</a:t>
             </a:fld>
             <a:endParaRPr lang="de-DE"/>
           </a:p>
@@ -17992,7 +18076,7 @@
           <a:p>
             <a:fld id="{3FEA5B92-165B-4B55-94B9-5BA8FF919B7E}" type="datetimeFigureOut">
               <a:rPr lang="de-DE" smtClean="0"/>
-              <a:t>22.10.2019</a:t>
+              <a:t>23.10.2019</a:t>
             </a:fld>
             <a:endParaRPr lang="de-DE"/>
           </a:p>
@@ -18243,7 +18327,7 @@
           <a:p>
             <a:fld id="{3FEA5B92-165B-4B55-94B9-5BA8FF919B7E}" type="datetimeFigureOut">
               <a:rPr lang="de-DE" smtClean="0"/>
-              <a:t>22.10.2019</a:t>
+              <a:t>23.10.2019</a:t>
             </a:fld>
             <a:endParaRPr lang="de-DE"/>
           </a:p>
@@ -18540,7 +18624,7 @@
           <a:p>
             <a:fld id="{3FEA5B92-165B-4B55-94B9-5BA8FF919B7E}" type="datetimeFigureOut">
               <a:rPr lang="de-DE" smtClean="0"/>
-              <a:t>22.10.2019</a:t>
+              <a:t>23.10.2019</a:t>
             </a:fld>
             <a:endParaRPr lang="de-DE"/>
           </a:p>
@@ -18982,7 +19066,7 @@
           <a:p>
             <a:fld id="{3FEA5B92-165B-4B55-94B9-5BA8FF919B7E}" type="datetimeFigureOut">
               <a:rPr lang="de-DE" smtClean="0"/>
-              <a:t>22.10.2019</a:t>
+              <a:t>23.10.2019</a:t>
             </a:fld>
             <a:endParaRPr lang="de-DE"/>
           </a:p>
@@ -19100,7 +19184,7 @@
           <a:p>
             <a:fld id="{3FEA5B92-165B-4B55-94B9-5BA8FF919B7E}" type="datetimeFigureOut">
               <a:rPr lang="de-DE" smtClean="0"/>
-              <a:t>22.10.2019</a:t>
+              <a:t>23.10.2019</a:t>
             </a:fld>
             <a:endParaRPr lang="de-DE"/>
           </a:p>
@@ -19195,7 +19279,7 @@
           <a:p>
             <a:fld id="{3FEA5B92-165B-4B55-94B9-5BA8FF919B7E}" type="datetimeFigureOut">
               <a:rPr lang="de-DE" smtClean="0"/>
-              <a:t>22.10.2019</a:t>
+              <a:t>23.10.2019</a:t>
             </a:fld>
             <a:endParaRPr lang="de-DE"/>
           </a:p>
@@ -19478,7 +19562,7 @@
           <a:p>
             <a:fld id="{3FEA5B92-165B-4B55-94B9-5BA8FF919B7E}" type="datetimeFigureOut">
               <a:rPr lang="de-DE" smtClean="0"/>
-              <a:t>22.10.2019</a:t>
+              <a:t>23.10.2019</a:t>
             </a:fld>
             <a:endParaRPr lang="de-DE"/>
           </a:p>
@@ -19769,7 +19853,7 @@
           <a:p>
             <a:fld id="{3FEA5B92-165B-4B55-94B9-5BA8FF919B7E}" type="datetimeFigureOut">
               <a:rPr lang="de-DE" smtClean="0"/>
-              <a:t>22.10.2019</a:t>
+              <a:t>23.10.2019</a:t>
             </a:fld>
             <a:endParaRPr lang="de-DE"/>
           </a:p>
@@ -20299,7 +20383,7 @@
           <a:p>
             <a:fld id="{3FEA5B92-165B-4B55-94B9-5BA8FF919B7E}" type="datetimeFigureOut">
               <a:rPr lang="de-DE" smtClean="0"/>
-              <a:t>22.10.2019</a:t>
+              <a:t>23.10.2019</a:t>
             </a:fld>
             <a:endParaRPr lang="de-DE"/>
           </a:p>
@@ -27224,7 +27308,7 @@
           <a:p>
             <a:r>
               <a:rPr lang="de-DE" dirty="0"/>
-              <a:t>Nehmt das existierende Projekt und ermöglicht in SQL das jeder Student in jedem Fach eine Note haben kann.</a:t>
+              <a:t>Nehmt das existierende Projekt und ermöglicht in SQL das jeder Student in jedem Fach eine Note haben kann</a:t>
             </a:r>
           </a:p>
           <a:p>
@@ -29777,6 +29861,778 @@
 </file>
 
 <file path=ppt/slides/slide6.xml><?xml version="1.0" encoding="utf-8"?>
+<p:sld xmlns:a="http://schemas.openxmlformats.org/drawingml/2006/main" xmlns:r="http://schemas.openxmlformats.org/officeDocument/2006/relationships" xmlns:p="http://schemas.openxmlformats.org/presentationml/2006/main">
+  <p:cSld>
+    <p:bg>
+      <p:bgPr>
+        <a:gradFill rotWithShape="1">
+          <a:gsLst>
+            <a:gs pos="0">
+              <a:schemeClr val="bg2">
+                <a:tint val="90000"/>
+                <a:lumMod val="110000"/>
+              </a:schemeClr>
+            </a:gs>
+            <a:gs pos="100000">
+              <a:schemeClr val="bg2">
+                <a:shade val="64000"/>
+                <a:lumMod val="98000"/>
+              </a:schemeClr>
+            </a:gs>
+          </a:gsLst>
+          <a:lin ang="5400000" scaled="0"/>
+        </a:gradFill>
+        <a:effectLst/>
+      </p:bgPr>
+    </p:bg>
+    <p:spTree>
+      <p:nvGrpSpPr>
+        <p:cNvPr id="1" name=""/>
+        <p:cNvGrpSpPr/>
+        <p:nvPr/>
+      </p:nvGrpSpPr>
+      <p:grpSpPr>
+        <a:xfrm>
+          <a:off x="0" y="0"/>
+          <a:ext cx="0" cy="0"/>
+          <a:chOff x="0" y="0"/>
+          <a:chExt cx="0" cy="0"/>
+        </a:xfrm>
+      </p:grpSpPr>
+      <p:sp useBgFill="1">
+        <p:nvSpPr>
+          <p:cNvPr id="10" name="Rectangle 9">
+            <a:extLst>
+              <a:ext uri="{FF2B5EF4-FFF2-40B4-BE49-F238E27FC236}">
+                <a16:creationId xmlns:a16="http://schemas.microsoft.com/office/drawing/2014/main" id="{94C52C56-BEF2-4E22-8C8E-A7AC96B03A72}"/>
+              </a:ext>
+              <a:ext uri="{C183D7F6-B498-43B3-948B-1728B52AA6E4}">
+                <adec:decorative xmlns:adec="http://schemas.microsoft.com/office/drawing/2017/decorative" val="1"/>
+              </a:ext>
+            </a:extLst>
+          </p:cNvPr>
+          <p:cNvSpPr>
+            <a:spLocks noGrp="1" noRot="1" noChangeAspect="1" noMove="1" noResize="1" noEditPoints="1" noAdjustHandles="1" noChangeArrowheads="1" noChangeShapeType="1" noTextEdit="1"/>
+          </p:cNvSpPr>
+          <p:nvPr>
+            <p:extLst>
+              <p:ext uri="{386F3935-93C4-4BCD-93E2-E3B085C9AB24}">
+                <p16:designElem xmlns:p16="http://schemas.microsoft.com/office/powerpoint/2015/main" val="1"/>
+              </p:ext>
+            </p:extLst>
+          </p:nvPr>
+        </p:nvSpPr>
+        <p:spPr>
+          <a:xfrm>
+            <a:off x="0" y="0"/>
+            <a:ext cx="12192000" cy="6858000"/>
+          </a:xfrm>
+          <a:prstGeom prst="rect">
+            <a:avLst/>
+          </a:prstGeom>
+          <a:ln>
+            <a:noFill/>
+          </a:ln>
+        </p:spPr>
+        <p:style>
+          <a:lnRef idx="2">
+            <a:schemeClr val="accent1">
+              <a:shade val="50000"/>
+            </a:schemeClr>
+          </a:lnRef>
+          <a:fillRef idx="1">
+            <a:schemeClr val="accent1"/>
+          </a:fillRef>
+          <a:effectRef idx="0">
+            <a:schemeClr val="accent1"/>
+          </a:effectRef>
+          <a:fontRef idx="minor">
+            <a:schemeClr val="lt1"/>
+          </a:fontRef>
+        </p:style>
+        <p:txBody>
+          <a:bodyPr rtlCol="0" anchor="ctr"/>
+          <a:lstStyle/>
+          <a:p>
+            <a:pPr algn="ctr"/>
+            <a:endParaRPr lang="en-US"/>
+          </a:p>
+        </p:txBody>
+      </p:sp>
+      <p:sp>
+        <p:nvSpPr>
+          <p:cNvPr id="12" name="Freeform: Shape 11">
+            <a:extLst>
+              <a:ext uri="{FF2B5EF4-FFF2-40B4-BE49-F238E27FC236}">
+                <a16:creationId xmlns:a16="http://schemas.microsoft.com/office/drawing/2014/main" id="{42285737-90EE-47DC-AC80-8AE156B11969}"/>
+              </a:ext>
+              <a:ext uri="{C183D7F6-B498-43B3-948B-1728B52AA6E4}">
+                <adec:decorative xmlns:adec="http://schemas.microsoft.com/office/drawing/2017/decorative" val="1"/>
+              </a:ext>
+            </a:extLst>
+          </p:cNvPr>
+          <p:cNvSpPr>
+            <a:spLocks noGrp="1" noRot="1" noChangeAspect="1" noMove="1" noResize="1" noEditPoints="1" noAdjustHandles="1" noChangeArrowheads="1" noChangeShapeType="1" noTextEdit="1"/>
+          </p:cNvSpPr>
+          <p:nvPr>
+            <p:extLst>
+              <p:ext uri="{386F3935-93C4-4BCD-93E2-E3B085C9AB24}">
+                <p16:designElem xmlns:p16="http://schemas.microsoft.com/office/powerpoint/2015/main" val="1"/>
+              </p:ext>
+            </p:extLst>
+          </p:nvPr>
+        </p:nvSpPr>
+        <p:spPr>
+          <a:xfrm flipV="1">
+            <a:off x="-1" y="-1"/>
+            <a:ext cx="4403709" cy="6858001"/>
+          </a:xfrm>
+          <a:custGeom>
+            <a:avLst/>
+            <a:gdLst>
+              <a:gd name="connsiteX0" fmla="*/ 3223890 w 4403709"/>
+              <a:gd name="connsiteY0" fmla="*/ 6858001 h 6858001"/>
+              <a:gd name="connsiteX1" fmla="*/ 4101908 w 4403709"/>
+              <a:gd name="connsiteY1" fmla="*/ 6858001 h 6858001"/>
+              <a:gd name="connsiteX2" fmla="*/ 3254950 w 4403709"/>
+              <a:gd name="connsiteY2" fmla="*/ 1599356 h 6858001"/>
+              <a:gd name="connsiteX3" fmla="*/ 3254950 w 4403709"/>
+              <a:gd name="connsiteY3" fmla="*/ 1594062 h 6858001"/>
+              <a:gd name="connsiteX4" fmla="*/ 4403709 w 4403709"/>
+              <a:gd name="connsiteY4" fmla="*/ 0 h 6858001"/>
+              <a:gd name="connsiteX5" fmla="*/ 3254950 w 4403709"/>
+              <a:gd name="connsiteY5" fmla="*/ 0 h 6858001"/>
+              <a:gd name="connsiteX6" fmla="*/ 2903520 w 4403709"/>
+              <a:gd name="connsiteY6" fmla="*/ 0 h 6858001"/>
+              <a:gd name="connsiteX7" fmla="*/ 0 w 4403709"/>
+              <a:gd name="connsiteY7" fmla="*/ 0 h 6858001"/>
+              <a:gd name="connsiteX8" fmla="*/ 0 w 4403709"/>
+              <a:gd name="connsiteY8" fmla="*/ 6858000 h 6858001"/>
+              <a:gd name="connsiteX9" fmla="*/ 3223890 w 4403709"/>
+              <a:gd name="connsiteY9" fmla="*/ 6858000 h 6858001"/>
+            </a:gdLst>
+            <a:ahLst/>
+            <a:cxnLst>
+              <a:cxn ang="0">
+                <a:pos x="connsiteX0" y="connsiteY0"/>
+              </a:cxn>
+              <a:cxn ang="0">
+                <a:pos x="connsiteX1" y="connsiteY1"/>
+              </a:cxn>
+              <a:cxn ang="0">
+                <a:pos x="connsiteX2" y="connsiteY2"/>
+              </a:cxn>
+              <a:cxn ang="0">
+                <a:pos x="connsiteX3" y="connsiteY3"/>
+              </a:cxn>
+              <a:cxn ang="0">
+                <a:pos x="connsiteX4" y="connsiteY4"/>
+              </a:cxn>
+              <a:cxn ang="0">
+                <a:pos x="connsiteX5" y="connsiteY5"/>
+              </a:cxn>
+              <a:cxn ang="0">
+                <a:pos x="connsiteX6" y="connsiteY6"/>
+              </a:cxn>
+              <a:cxn ang="0">
+                <a:pos x="connsiteX7" y="connsiteY7"/>
+              </a:cxn>
+              <a:cxn ang="0">
+                <a:pos x="connsiteX8" y="connsiteY8"/>
+              </a:cxn>
+              <a:cxn ang="0">
+                <a:pos x="connsiteX9" y="connsiteY9"/>
+              </a:cxn>
+            </a:cxnLst>
+            <a:rect l="l" t="t" r="r" b="b"/>
+            <a:pathLst>
+              <a:path w="4403709" h="6858001">
+                <a:moveTo>
+                  <a:pt x="3223890" y="6858001"/>
+                </a:moveTo>
+                <a:lnTo>
+                  <a:pt x="4101908" y="6858001"/>
+                </a:lnTo>
+                <a:lnTo>
+                  <a:pt x="3254950" y="1599356"/>
+                </a:lnTo>
+                <a:lnTo>
+                  <a:pt x="3254950" y="1594062"/>
+                </a:lnTo>
+                <a:lnTo>
+                  <a:pt x="4403709" y="0"/>
+                </a:lnTo>
+                <a:lnTo>
+                  <a:pt x="3254950" y="0"/>
+                </a:lnTo>
+                <a:lnTo>
+                  <a:pt x="2903520" y="0"/>
+                </a:lnTo>
+                <a:lnTo>
+                  <a:pt x="0" y="0"/>
+                </a:lnTo>
+                <a:lnTo>
+                  <a:pt x="0" y="6858000"/>
+                </a:lnTo>
+                <a:lnTo>
+                  <a:pt x="3223890" y="6858000"/>
+                </a:lnTo>
+                <a:close/>
+              </a:path>
+            </a:pathLst>
+          </a:custGeom>
+          <a:ln>
+            <a:noFill/>
+          </a:ln>
+        </p:spPr>
+        <p:style>
+          <a:lnRef idx="2">
+            <a:schemeClr val="accent1">
+              <a:shade val="50000"/>
+            </a:schemeClr>
+          </a:lnRef>
+          <a:fillRef idx="1002">
+            <a:schemeClr val="dk1"/>
+          </a:fillRef>
+          <a:effectRef idx="0">
+            <a:schemeClr val="accent1"/>
+          </a:effectRef>
+          <a:fontRef idx="minor">
+            <a:schemeClr val="lt1"/>
+          </a:fontRef>
+        </p:style>
+        <p:txBody>
+          <a:bodyPr rtlCol="0" anchor="ctr"/>
+          <a:lstStyle/>
+          <a:p>
+            <a:pPr algn="ctr"/>
+            <a:endParaRPr lang="en-US">
+              <a:solidFill>
+                <a:schemeClr val="tx1"/>
+              </a:solidFill>
+            </a:endParaRPr>
+          </a:p>
+        </p:txBody>
+      </p:sp>
+      <p:sp>
+        <p:nvSpPr>
+          <p:cNvPr id="2" name="Titel 1">
+            <a:extLst>
+              <a:ext uri="{FF2B5EF4-FFF2-40B4-BE49-F238E27FC236}">
+                <a16:creationId xmlns:a16="http://schemas.microsoft.com/office/drawing/2014/main" id="{D6F2EA86-53A3-477D-B922-6B4B427F296E}"/>
+              </a:ext>
+            </a:extLst>
+          </p:cNvPr>
+          <p:cNvSpPr>
+            <a:spLocks noGrp="1"/>
+          </p:cNvSpPr>
+          <p:nvPr>
+            <p:ph type="title"/>
+          </p:nvPr>
+        </p:nvSpPr>
+        <p:spPr>
+          <a:xfrm>
+            <a:off x="535021" y="685800"/>
+            <a:ext cx="2639962" cy="5105400"/>
+          </a:xfrm>
+        </p:spPr>
+        <p:txBody>
+          <a:bodyPr>
+            <a:normAutofit/>
+          </a:bodyPr>
+          <a:lstStyle/>
+          <a:p>
+            <a:r>
+              <a:rPr lang="de-DE" sz="3700" b="1">
+                <a:solidFill>
+                  <a:srgbClr val="FFFFFF"/>
+                </a:solidFill>
+              </a:rPr>
+              <a:t>Some of The Most Important SQL Commands</a:t>
+            </a:r>
+            <a:br>
+              <a:rPr lang="de-DE" sz="3700" b="1">
+                <a:solidFill>
+                  <a:srgbClr val="FFFFFF"/>
+                </a:solidFill>
+              </a:rPr>
+            </a:br>
+            <a:endParaRPr lang="de-DE" sz="3700">
+              <a:solidFill>
+                <a:srgbClr val="FFFFFF"/>
+              </a:solidFill>
+            </a:endParaRPr>
+          </a:p>
+        </p:txBody>
+      </p:sp>
+      <p:grpSp>
+        <p:nvGrpSpPr>
+          <p:cNvPr id="14" name="Group 13">
+            <a:extLst>
+              <a:ext uri="{FF2B5EF4-FFF2-40B4-BE49-F238E27FC236}">
+                <a16:creationId xmlns:a16="http://schemas.microsoft.com/office/drawing/2014/main" id="{B57BDC17-F1B3-455F-BBF1-680AA1F25C06}"/>
+              </a:ext>
+              <a:ext uri="{C183D7F6-B498-43B3-948B-1728B52AA6E4}">
+                <adec:decorative xmlns:adec="http://schemas.microsoft.com/office/drawing/2017/decorative" val="1"/>
+              </a:ext>
+            </a:extLst>
+          </p:cNvPr>
+          <p:cNvGrpSpPr>
+            <a:grpSpLocks noGrp="1" noUngrp="1" noRot="1" noChangeAspect="1" noMove="1" noResize="1"/>
+          </p:cNvGrpSpPr>
+          <p:nvPr>
+            <p:extLst>
+              <p:ext uri="{386F3935-93C4-4BCD-93E2-E3B085C9AB24}">
+                <p16:designElem xmlns:p16="http://schemas.microsoft.com/office/powerpoint/2015/main" val="1"/>
+              </p:ext>
+            </p:extLst>
+          </p:nvPr>
+        </p:nvGrpSpPr>
+        <p:grpSpPr>
+          <a:xfrm>
+            <a:off x="3315292" y="0"/>
+            <a:ext cx="2436813" cy="6858001"/>
+            <a:chOff x="1320800" y="0"/>
+            <a:chExt cx="2436813" cy="6858001"/>
+          </a:xfrm>
+        </p:grpSpPr>
+        <p:sp>
+          <p:nvSpPr>
+            <p:cNvPr id="15" name="Freeform 6">
+              <a:extLst>
+                <a:ext uri="{FF2B5EF4-FFF2-40B4-BE49-F238E27FC236}">
+                  <a16:creationId xmlns:a16="http://schemas.microsoft.com/office/drawing/2014/main" id="{64E2FA9A-FEF7-4501-B0EB-5E45EDD2177A}"/>
+                </a:ext>
+                <a:ext uri="{C183D7F6-B498-43B3-948B-1728B52AA6E4}">
+                  <adec:decorative xmlns:adec="http://schemas.microsoft.com/office/drawing/2017/decorative" val="1"/>
+                </a:ext>
+              </a:extLst>
+            </p:cNvPr>
+            <p:cNvSpPr/>
+            <p:nvPr>
+              <p:extLst>
+                <p:ext uri="{386F3935-93C4-4BCD-93E2-E3B085C9AB24}">
+                  <p16:designElem xmlns:p16="http://schemas.microsoft.com/office/powerpoint/2015/main" val="1"/>
+                </p:ext>
+              </p:extLst>
+            </p:nvPr>
+          </p:nvSpPr>
+          <p:spPr bwMode="auto">
+            <a:xfrm>
+              <a:off x="1627188" y="0"/>
+              <a:ext cx="1122363" cy="5329238"/>
+            </a:xfrm>
+            <a:custGeom>
+              <a:avLst/>
+              <a:gdLst/>
+              <a:ahLst/>
+              <a:cxnLst/>
+              <a:rect l="0" t="0" r="r" b="b"/>
+              <a:pathLst>
+                <a:path w="707" h="3357">
+                  <a:moveTo>
+                    <a:pt x="0" y="3330"/>
+                  </a:moveTo>
+                  <a:lnTo>
+                    <a:pt x="156" y="3357"/>
+                  </a:lnTo>
+                  <a:lnTo>
+                    <a:pt x="707" y="0"/>
+                  </a:lnTo>
+                  <a:lnTo>
+                    <a:pt x="547" y="0"/>
+                  </a:lnTo>
+                  <a:lnTo>
+                    <a:pt x="0" y="3330"/>
+                  </a:lnTo>
+                  <a:close/>
+                </a:path>
+              </a:pathLst>
+            </a:custGeom>
+            <a:solidFill>
+              <a:schemeClr val="accent1"/>
+            </a:solidFill>
+            <a:ln>
+              <a:noFill/>
+            </a:ln>
+          </p:spPr>
+        </p:sp>
+        <p:sp>
+          <p:nvSpPr>
+            <p:cNvPr id="16" name="Freeform 7">
+              <a:extLst>
+                <a:ext uri="{FF2B5EF4-FFF2-40B4-BE49-F238E27FC236}">
+                  <a16:creationId xmlns:a16="http://schemas.microsoft.com/office/drawing/2014/main" id="{BC38192B-B4CB-47D4-A3B1-10010247F158}"/>
+                </a:ext>
+                <a:ext uri="{C183D7F6-B498-43B3-948B-1728B52AA6E4}">
+                  <adec:decorative xmlns:adec="http://schemas.microsoft.com/office/drawing/2017/decorative" val="1"/>
+                </a:ext>
+              </a:extLst>
+            </p:cNvPr>
+            <p:cNvSpPr/>
+            <p:nvPr>
+              <p:extLst>
+                <p:ext uri="{386F3935-93C4-4BCD-93E2-E3B085C9AB24}">
+                  <p16:designElem xmlns:p16="http://schemas.microsoft.com/office/powerpoint/2015/main" val="1"/>
+                </p:ext>
+              </p:extLst>
+            </p:nvPr>
+          </p:nvSpPr>
+          <p:spPr bwMode="auto">
+            <a:xfrm>
+              <a:off x="1320800" y="0"/>
+              <a:ext cx="1117600" cy="5276850"/>
+            </a:xfrm>
+            <a:custGeom>
+              <a:avLst/>
+              <a:gdLst/>
+              <a:ahLst/>
+              <a:cxnLst/>
+              <a:rect l="0" t="0" r="r" b="b"/>
+              <a:pathLst>
+                <a:path w="704" h="3324">
+                  <a:moveTo>
+                    <a:pt x="704" y="0"/>
+                  </a:moveTo>
+                  <a:lnTo>
+                    <a:pt x="545" y="0"/>
+                  </a:lnTo>
+                  <a:lnTo>
+                    <a:pt x="0" y="3300"/>
+                  </a:lnTo>
+                  <a:lnTo>
+                    <a:pt x="157" y="3324"/>
+                  </a:lnTo>
+                  <a:lnTo>
+                    <a:pt x="704" y="0"/>
+                  </a:lnTo>
+                  <a:close/>
+                </a:path>
+              </a:pathLst>
+            </a:custGeom>
+            <a:solidFill>
+              <a:schemeClr val="tx1">
+                <a:lumMod val="65000"/>
+                <a:lumOff val="35000"/>
+              </a:schemeClr>
+            </a:solidFill>
+            <a:ln>
+              <a:noFill/>
+            </a:ln>
+          </p:spPr>
+        </p:sp>
+        <p:sp>
+          <p:nvSpPr>
+            <p:cNvPr id="17" name="Freeform 8">
+              <a:extLst>
+                <a:ext uri="{FF2B5EF4-FFF2-40B4-BE49-F238E27FC236}">
+                  <a16:creationId xmlns:a16="http://schemas.microsoft.com/office/drawing/2014/main" id="{96330E33-E171-4B0F-82B5-AF7230399B5C}"/>
+                </a:ext>
+                <a:ext uri="{C183D7F6-B498-43B3-948B-1728B52AA6E4}">
+                  <adec:decorative xmlns:adec="http://schemas.microsoft.com/office/drawing/2017/decorative" val="1"/>
+                </a:ext>
+              </a:extLst>
+            </p:cNvPr>
+            <p:cNvSpPr/>
+            <p:nvPr>
+              <p:extLst>
+                <p:ext uri="{386F3935-93C4-4BCD-93E2-E3B085C9AB24}">
+                  <p16:designElem xmlns:p16="http://schemas.microsoft.com/office/powerpoint/2015/main" val="1"/>
+                </p:ext>
+              </p:extLst>
+            </p:nvPr>
+          </p:nvSpPr>
+          <p:spPr bwMode="auto">
+            <a:xfrm>
+              <a:off x="1320800" y="5238750"/>
+              <a:ext cx="1228725" cy="1619250"/>
+            </a:xfrm>
+            <a:custGeom>
+              <a:avLst/>
+              <a:gdLst/>
+              <a:ahLst/>
+              <a:cxnLst/>
+              <a:rect l="0" t="0" r="r" b="b"/>
+              <a:pathLst>
+                <a:path w="774" h="1020">
+                  <a:moveTo>
+                    <a:pt x="0" y="0"/>
+                  </a:moveTo>
+                  <a:lnTo>
+                    <a:pt x="740" y="1020"/>
+                  </a:lnTo>
+                  <a:lnTo>
+                    <a:pt x="774" y="1020"/>
+                  </a:lnTo>
+                  <a:lnTo>
+                    <a:pt x="0" y="0"/>
+                  </a:lnTo>
+                  <a:close/>
+                </a:path>
+              </a:pathLst>
+            </a:custGeom>
+            <a:solidFill>
+              <a:schemeClr val="tx1">
+                <a:lumMod val="85000"/>
+                <a:lumOff val="15000"/>
+              </a:schemeClr>
+            </a:solidFill>
+            <a:ln>
+              <a:noFill/>
+            </a:ln>
+          </p:spPr>
+        </p:sp>
+        <p:sp>
+          <p:nvSpPr>
+            <p:cNvPr id="18" name="Freeform 9">
+              <a:extLst>
+                <a:ext uri="{FF2B5EF4-FFF2-40B4-BE49-F238E27FC236}">
+                  <a16:creationId xmlns:a16="http://schemas.microsoft.com/office/drawing/2014/main" id="{332B1723-69BF-42D7-B757-0FA059E15256}"/>
+                </a:ext>
+                <a:ext uri="{C183D7F6-B498-43B3-948B-1728B52AA6E4}">
+                  <adec:decorative xmlns:adec="http://schemas.microsoft.com/office/drawing/2017/decorative" val="1"/>
+                </a:ext>
+              </a:extLst>
+            </p:cNvPr>
+            <p:cNvSpPr/>
+            <p:nvPr>
+              <p:extLst>
+                <p:ext uri="{386F3935-93C4-4BCD-93E2-E3B085C9AB24}">
+                  <p16:designElem xmlns:p16="http://schemas.microsoft.com/office/powerpoint/2015/main" val="1"/>
+                </p:ext>
+              </p:extLst>
+            </p:nvPr>
+          </p:nvSpPr>
+          <p:spPr bwMode="auto">
+            <a:xfrm>
+              <a:off x="1627188" y="5291138"/>
+              <a:ext cx="1495425" cy="1566863"/>
+            </a:xfrm>
+            <a:custGeom>
+              <a:avLst/>
+              <a:gdLst/>
+              <a:ahLst/>
+              <a:cxnLst/>
+              <a:rect l="0" t="0" r="r" b="b"/>
+              <a:pathLst>
+                <a:path w="942" h="987">
+                  <a:moveTo>
+                    <a:pt x="0" y="0"/>
+                  </a:moveTo>
+                  <a:lnTo>
+                    <a:pt x="909" y="987"/>
+                  </a:lnTo>
+                  <a:lnTo>
+                    <a:pt x="942" y="987"/>
+                  </a:lnTo>
+                  <a:lnTo>
+                    <a:pt x="0" y="0"/>
+                  </a:lnTo>
+                  <a:close/>
+                </a:path>
+              </a:pathLst>
+            </a:custGeom>
+            <a:solidFill>
+              <a:schemeClr val="accent1">
+                <a:lumMod val="50000"/>
+              </a:schemeClr>
+            </a:solidFill>
+            <a:ln>
+              <a:noFill/>
+            </a:ln>
+          </p:spPr>
+        </p:sp>
+        <p:sp>
+          <p:nvSpPr>
+            <p:cNvPr id="19" name="Freeform 10">
+              <a:extLst>
+                <a:ext uri="{FF2B5EF4-FFF2-40B4-BE49-F238E27FC236}">
+                  <a16:creationId xmlns:a16="http://schemas.microsoft.com/office/drawing/2014/main" id="{F115D62D-1E96-48D1-A78D-D370A0BFB9B5}"/>
+                </a:ext>
+                <a:ext uri="{C183D7F6-B498-43B3-948B-1728B52AA6E4}">
+                  <adec:decorative xmlns:adec="http://schemas.microsoft.com/office/drawing/2017/decorative" val="1"/>
+                </a:ext>
+              </a:extLst>
+            </p:cNvPr>
+            <p:cNvSpPr/>
+            <p:nvPr>
+              <p:extLst>
+                <p:ext uri="{386F3935-93C4-4BCD-93E2-E3B085C9AB24}">
+                  <p16:designElem xmlns:p16="http://schemas.microsoft.com/office/powerpoint/2015/main" val="1"/>
+                </p:ext>
+              </p:extLst>
+            </p:nvPr>
+          </p:nvSpPr>
+          <p:spPr bwMode="auto">
+            <a:xfrm>
+              <a:off x="1627188" y="5286375"/>
+              <a:ext cx="2130425" cy="1571625"/>
+            </a:xfrm>
+            <a:custGeom>
+              <a:avLst/>
+              <a:gdLst/>
+              <a:ahLst/>
+              <a:cxnLst/>
+              <a:rect l="0" t="0" r="r" b="b"/>
+              <a:pathLst>
+                <a:path w="1342" h="990">
+                  <a:moveTo>
+                    <a:pt x="0" y="3"/>
+                  </a:moveTo>
+                  <a:lnTo>
+                    <a:pt x="942" y="990"/>
+                  </a:lnTo>
+                  <a:lnTo>
+                    <a:pt x="1342" y="990"/>
+                  </a:lnTo>
+                  <a:lnTo>
+                    <a:pt x="156" y="27"/>
+                  </a:lnTo>
+                  <a:lnTo>
+                    <a:pt x="0" y="0"/>
+                  </a:lnTo>
+                  <a:lnTo>
+                    <a:pt x="0" y="3"/>
+                  </a:lnTo>
+                  <a:close/>
+                </a:path>
+              </a:pathLst>
+            </a:custGeom>
+            <a:solidFill>
+              <a:schemeClr val="accent1">
+                <a:lumMod val="75000"/>
+              </a:schemeClr>
+            </a:solidFill>
+            <a:ln>
+              <a:noFill/>
+            </a:ln>
+          </p:spPr>
+        </p:sp>
+        <p:sp>
+          <p:nvSpPr>
+            <p:cNvPr id="20" name="Freeform 11">
+              <a:extLst>
+                <a:ext uri="{FF2B5EF4-FFF2-40B4-BE49-F238E27FC236}">
+                  <a16:creationId xmlns:a16="http://schemas.microsoft.com/office/drawing/2014/main" id="{91C2876A-169D-4822-A766-C00578C88B4B}"/>
+                </a:ext>
+                <a:ext uri="{C183D7F6-B498-43B3-948B-1728B52AA6E4}">
+                  <adec:decorative xmlns:adec="http://schemas.microsoft.com/office/drawing/2017/decorative" val="1"/>
+                </a:ext>
+              </a:extLst>
+            </p:cNvPr>
+            <p:cNvSpPr/>
+            <p:nvPr>
+              <p:extLst>
+                <p:ext uri="{386F3935-93C4-4BCD-93E2-E3B085C9AB24}">
+                  <p16:designElem xmlns:p16="http://schemas.microsoft.com/office/powerpoint/2015/main" val="1"/>
+                </p:ext>
+              </p:extLst>
+            </p:nvPr>
+          </p:nvSpPr>
+          <p:spPr bwMode="auto">
+            <a:xfrm>
+              <a:off x="1320800" y="5238750"/>
+              <a:ext cx="1695450" cy="1619250"/>
+            </a:xfrm>
+            <a:custGeom>
+              <a:avLst/>
+              <a:gdLst/>
+              <a:ahLst/>
+              <a:cxnLst/>
+              <a:rect l="0" t="0" r="r" b="b"/>
+              <a:pathLst>
+                <a:path w="1068" h="1020">
+                  <a:moveTo>
+                    <a:pt x="1068" y="1020"/>
+                  </a:moveTo>
+                  <a:lnTo>
+                    <a:pt x="184" y="60"/>
+                  </a:lnTo>
+                  <a:lnTo>
+                    <a:pt x="154" y="27"/>
+                  </a:lnTo>
+                  <a:lnTo>
+                    <a:pt x="157" y="27"/>
+                  </a:lnTo>
+                  <a:lnTo>
+                    <a:pt x="157" y="24"/>
+                  </a:lnTo>
+                  <a:lnTo>
+                    <a:pt x="154" y="24"/>
+                  </a:lnTo>
+                  <a:lnTo>
+                    <a:pt x="0" y="0"/>
+                  </a:lnTo>
+                  <a:lnTo>
+                    <a:pt x="0" y="0"/>
+                  </a:lnTo>
+                  <a:lnTo>
+                    <a:pt x="774" y="1020"/>
+                  </a:lnTo>
+                  <a:lnTo>
+                    <a:pt x="1068" y="1020"/>
+                  </a:lnTo>
+                  <a:close/>
+                </a:path>
+              </a:pathLst>
+            </a:custGeom>
+            <a:solidFill>
+              <a:schemeClr val="tx1">
+                <a:lumMod val="75000"/>
+                <a:lumOff val="25000"/>
+              </a:schemeClr>
+            </a:solidFill>
+            <a:ln>
+              <a:noFill/>
+            </a:ln>
+          </p:spPr>
+        </p:sp>
+      </p:grpSp>
+      <p:graphicFrame>
+        <p:nvGraphicFramePr>
+          <p:cNvPr id="5" name="Inhaltsplatzhalter 2">
+            <a:extLst>
+              <a:ext uri="{FF2B5EF4-FFF2-40B4-BE49-F238E27FC236}">
+                <a16:creationId xmlns:a16="http://schemas.microsoft.com/office/drawing/2014/main" id="{E8B1B419-C5A9-4995-B33F-A2D8BAF56753}"/>
+              </a:ext>
+            </a:extLst>
+          </p:cNvPr>
+          <p:cNvGraphicFramePr>
+            <a:graphicFrameLocks noGrp="1"/>
+          </p:cNvGraphicFramePr>
+          <p:nvPr>
+            <p:ph idx="1"/>
+            <p:extLst>
+              <p:ext uri="{D42A27DB-BD31-4B8C-83A1-F6EECF244321}">
+                <p14:modId xmlns:p14="http://schemas.microsoft.com/office/powerpoint/2010/main" val="2484808391"/>
+              </p:ext>
+            </p:extLst>
+          </p:nvPr>
+        </p:nvGraphicFramePr>
+        <p:xfrm>
+          <a:off x="5010150" y="685800"/>
+          <a:ext cx="6492875" cy="5105400"/>
+        </p:xfrm>
+        <a:graphic>
+          <a:graphicData uri="http://schemas.openxmlformats.org/drawingml/2006/diagram">
+            <dgm:relIds xmlns:dgm="http://schemas.openxmlformats.org/drawingml/2006/diagram" xmlns:r="http://schemas.openxmlformats.org/officeDocument/2006/relationships" r:dm="rId2" r:lo="rId3" r:qs="rId4" r:cs="rId5"/>
+          </a:graphicData>
+        </a:graphic>
+      </p:graphicFrame>
+    </p:spTree>
+    <p:extLst>
+      <p:ext uri="{BB962C8B-B14F-4D97-AF65-F5344CB8AC3E}">
+        <p14:creationId xmlns:p14="http://schemas.microsoft.com/office/powerpoint/2010/main" val="2661897454"/>
+      </p:ext>
+    </p:extLst>
+  </p:cSld>
+  <p:clrMapOvr>
+    <a:masterClrMapping/>
+  </p:clrMapOvr>
+</p:sld>
+</file>
+
+<file path=ppt/slides/slide7.xml><?xml version="1.0" encoding="utf-8"?>
 <p:sld xmlns:a="http://schemas.openxmlformats.org/drawingml/2006/main" xmlns:r="http://schemas.openxmlformats.org/officeDocument/2006/relationships" xmlns:p="http://schemas.openxmlformats.org/presentationml/2006/main">
   <p:cSld>
     <p:bg>
@@ -30590,7 +31446,7 @@
 </p:sld>
 </file>
 
-<file path=ppt/slides/slide7.xml><?xml version="1.0" encoding="utf-8"?>
+<file path=ppt/slides/slide8.xml><?xml version="1.0" encoding="utf-8"?>
 <p:sld xmlns:a="http://schemas.openxmlformats.org/drawingml/2006/main" xmlns:r="http://schemas.openxmlformats.org/officeDocument/2006/relationships" xmlns:p="http://schemas.openxmlformats.org/presentationml/2006/main">
   <p:cSld>
     <p:spTree>
@@ -31213,7 +32069,7 @@
           <p:nvPr/>
         </p:nvPicPr>
         <p:blipFill>
-          <a:blip r:embed="rId2">
+          <a:blip r:embed="rId3">
             <a:extLst>
               <a:ext uri="{28A0092B-C50C-407E-A947-70E740481C1C}">
                 <a14:useLocalDpi xmlns:a14="http://schemas.microsoft.com/office/drawing/2010/main" val="0"/>
@@ -31252,7 +32108,7 @@
         </p:nvSpPr>
         <p:spPr>
           <a:xfrm>
-            <a:off x="1603110" y="2087034"/>
+            <a:off x="1615636" y="1893097"/>
             <a:ext cx="3866357" cy="3124201"/>
           </a:xfrm>
         </p:spPr>
@@ -31281,782 +32137,78 @@
           </a:p>
         </p:txBody>
       </p:sp>
+      <p:sp>
+        <p:nvSpPr>
+          <p:cNvPr id="4" name="Rechteck 3">
+            <a:extLst>
+              <a:ext uri="{FF2B5EF4-FFF2-40B4-BE49-F238E27FC236}">
+                <a16:creationId xmlns:a16="http://schemas.microsoft.com/office/drawing/2014/main" id="{81FC8E20-59D9-4414-BF91-B1FB5936F58D}"/>
+              </a:ext>
+            </a:extLst>
+          </p:cNvPr>
+          <p:cNvSpPr/>
+          <p:nvPr/>
+        </p:nvSpPr>
+        <p:spPr>
+          <a:xfrm>
+            <a:off x="827421" y="5157797"/>
+            <a:ext cx="4819846" cy="1200329"/>
+          </a:xfrm>
+          <a:prstGeom prst="rect">
+            <a:avLst/>
+          </a:prstGeom>
+        </p:spPr>
+        <p:txBody>
+          <a:bodyPr wrap="none">
+            <a:spAutoFit/>
+          </a:bodyPr>
+          <a:lstStyle/>
+          <a:p>
+            <a:r>
+              <a:rPr lang="de-DE" dirty="0">
+                <a:hlinkClick r:id="rId4"/>
+              </a:rPr>
+              <a:t>https://www.w3schools.com/sql/sql_groupby.asp</a:t>
+            </a:r>
+            <a:endParaRPr lang="de-DE" dirty="0"/>
+          </a:p>
+          <a:p>
+            <a:r>
+              <a:rPr lang="de-DE" dirty="0"/>
+              <a:t>	Unter diesem Link findest du alle SQL </a:t>
+            </a:r>
+          </a:p>
+          <a:p>
+            <a:r>
+              <a:rPr lang="de-DE" dirty="0"/>
+              <a:t>		</a:t>
+            </a:r>
+            <a:r>
+              <a:rPr lang="de-DE" dirty="0" err="1"/>
+              <a:t>keywords</a:t>
+            </a:r>
+            <a:r>
+              <a:rPr lang="de-DE" dirty="0"/>
+              <a:t> für abfragen und ihre </a:t>
+            </a:r>
+          </a:p>
+          <a:p>
+            <a:r>
+              <a:rPr lang="de-DE" dirty="0"/>
+              <a:t>			</a:t>
+            </a:r>
+            <a:r>
+              <a:rPr lang="de-DE" dirty="0" err="1"/>
+              <a:t>ErklärungAbfrage</a:t>
+            </a:r>
+            <a:endParaRPr lang="de-DE" dirty="0"/>
+          </a:p>
+        </p:txBody>
+      </p:sp>
     </p:spTree>
     <p:extLst>
       <p:ext uri="{BB962C8B-B14F-4D97-AF65-F5344CB8AC3E}">
         <p14:creationId xmlns:p14="http://schemas.microsoft.com/office/powerpoint/2010/main" val="3007651970"/>
-      </p:ext>
-    </p:extLst>
-  </p:cSld>
-  <p:clrMapOvr>
-    <a:masterClrMapping/>
-  </p:clrMapOvr>
-</p:sld>
-</file>
-
-<file path=ppt/slides/slide8.xml><?xml version="1.0" encoding="utf-8"?>
-<p:sld xmlns:a="http://schemas.openxmlformats.org/drawingml/2006/main" xmlns:r="http://schemas.openxmlformats.org/officeDocument/2006/relationships" xmlns:p="http://schemas.openxmlformats.org/presentationml/2006/main">
-  <p:cSld>
-    <p:bg>
-      <p:bgPr>
-        <a:gradFill rotWithShape="1">
-          <a:gsLst>
-            <a:gs pos="0">
-              <a:schemeClr val="bg2">
-                <a:tint val="90000"/>
-                <a:lumMod val="110000"/>
-              </a:schemeClr>
-            </a:gs>
-            <a:gs pos="100000">
-              <a:schemeClr val="bg2">
-                <a:shade val="64000"/>
-                <a:lumMod val="98000"/>
-              </a:schemeClr>
-            </a:gs>
-          </a:gsLst>
-          <a:lin ang="5400000" scaled="0"/>
-        </a:gradFill>
-        <a:effectLst/>
-      </p:bgPr>
-    </p:bg>
-    <p:spTree>
-      <p:nvGrpSpPr>
-        <p:cNvPr id="1" name=""/>
-        <p:cNvGrpSpPr/>
-        <p:nvPr/>
-      </p:nvGrpSpPr>
-      <p:grpSpPr>
-        <a:xfrm>
-          <a:off x="0" y="0"/>
-          <a:ext cx="0" cy="0"/>
-          <a:chOff x="0" y="0"/>
-          <a:chExt cx="0" cy="0"/>
-        </a:xfrm>
-      </p:grpSpPr>
-      <p:sp useBgFill="1">
-        <p:nvSpPr>
-          <p:cNvPr id="10" name="Rectangle 9">
-            <a:extLst>
-              <a:ext uri="{FF2B5EF4-FFF2-40B4-BE49-F238E27FC236}">
-                <a16:creationId xmlns:a16="http://schemas.microsoft.com/office/drawing/2014/main" id="{94C52C56-BEF2-4E22-8C8E-A7AC96B03A72}"/>
-              </a:ext>
-              <a:ext uri="{C183D7F6-B498-43B3-948B-1728B52AA6E4}">
-                <adec:decorative xmlns:adec="http://schemas.microsoft.com/office/drawing/2017/decorative" val="1"/>
-              </a:ext>
-            </a:extLst>
-          </p:cNvPr>
-          <p:cNvSpPr>
-            <a:spLocks noGrp="1" noRot="1" noChangeAspect="1" noMove="1" noResize="1" noEditPoints="1" noAdjustHandles="1" noChangeArrowheads="1" noChangeShapeType="1" noTextEdit="1"/>
-          </p:cNvSpPr>
-          <p:nvPr>
-            <p:extLst>
-              <p:ext uri="{386F3935-93C4-4BCD-93E2-E3B085C9AB24}">
-                <p16:designElem xmlns:p16="http://schemas.microsoft.com/office/powerpoint/2015/main" val="1"/>
-              </p:ext>
-            </p:extLst>
-          </p:nvPr>
-        </p:nvSpPr>
-        <p:spPr>
-          <a:xfrm>
-            <a:off x="0" y="0"/>
-            <a:ext cx="12192000" cy="6858000"/>
-          </a:xfrm>
-          <a:prstGeom prst="rect">
-            <a:avLst/>
-          </a:prstGeom>
-          <a:ln>
-            <a:noFill/>
-          </a:ln>
-        </p:spPr>
-        <p:style>
-          <a:lnRef idx="2">
-            <a:schemeClr val="accent1">
-              <a:shade val="50000"/>
-            </a:schemeClr>
-          </a:lnRef>
-          <a:fillRef idx="1">
-            <a:schemeClr val="accent1"/>
-          </a:fillRef>
-          <a:effectRef idx="0">
-            <a:schemeClr val="accent1"/>
-          </a:effectRef>
-          <a:fontRef idx="minor">
-            <a:schemeClr val="lt1"/>
-          </a:fontRef>
-        </p:style>
-        <p:txBody>
-          <a:bodyPr rtlCol="0" anchor="ctr"/>
-          <a:lstStyle/>
-          <a:p>
-            <a:pPr algn="ctr"/>
-            <a:endParaRPr lang="en-US"/>
-          </a:p>
-        </p:txBody>
-      </p:sp>
-      <p:sp>
-        <p:nvSpPr>
-          <p:cNvPr id="12" name="Freeform: Shape 11">
-            <a:extLst>
-              <a:ext uri="{FF2B5EF4-FFF2-40B4-BE49-F238E27FC236}">
-                <a16:creationId xmlns:a16="http://schemas.microsoft.com/office/drawing/2014/main" id="{42285737-90EE-47DC-AC80-8AE156B11969}"/>
-              </a:ext>
-              <a:ext uri="{C183D7F6-B498-43B3-948B-1728B52AA6E4}">
-                <adec:decorative xmlns:adec="http://schemas.microsoft.com/office/drawing/2017/decorative" val="1"/>
-              </a:ext>
-            </a:extLst>
-          </p:cNvPr>
-          <p:cNvSpPr>
-            <a:spLocks noGrp="1" noRot="1" noChangeAspect="1" noMove="1" noResize="1" noEditPoints="1" noAdjustHandles="1" noChangeArrowheads="1" noChangeShapeType="1" noTextEdit="1"/>
-          </p:cNvSpPr>
-          <p:nvPr>
-            <p:extLst>
-              <p:ext uri="{386F3935-93C4-4BCD-93E2-E3B085C9AB24}">
-                <p16:designElem xmlns:p16="http://schemas.microsoft.com/office/powerpoint/2015/main" val="1"/>
-              </p:ext>
-            </p:extLst>
-          </p:nvPr>
-        </p:nvSpPr>
-        <p:spPr>
-          <a:xfrm flipV="1">
-            <a:off x="-1" y="-1"/>
-            <a:ext cx="4403709" cy="6858001"/>
-          </a:xfrm>
-          <a:custGeom>
-            <a:avLst/>
-            <a:gdLst>
-              <a:gd name="connsiteX0" fmla="*/ 3223890 w 4403709"/>
-              <a:gd name="connsiteY0" fmla="*/ 6858001 h 6858001"/>
-              <a:gd name="connsiteX1" fmla="*/ 4101908 w 4403709"/>
-              <a:gd name="connsiteY1" fmla="*/ 6858001 h 6858001"/>
-              <a:gd name="connsiteX2" fmla="*/ 3254950 w 4403709"/>
-              <a:gd name="connsiteY2" fmla="*/ 1599356 h 6858001"/>
-              <a:gd name="connsiteX3" fmla="*/ 3254950 w 4403709"/>
-              <a:gd name="connsiteY3" fmla="*/ 1594062 h 6858001"/>
-              <a:gd name="connsiteX4" fmla="*/ 4403709 w 4403709"/>
-              <a:gd name="connsiteY4" fmla="*/ 0 h 6858001"/>
-              <a:gd name="connsiteX5" fmla="*/ 3254950 w 4403709"/>
-              <a:gd name="connsiteY5" fmla="*/ 0 h 6858001"/>
-              <a:gd name="connsiteX6" fmla="*/ 2903520 w 4403709"/>
-              <a:gd name="connsiteY6" fmla="*/ 0 h 6858001"/>
-              <a:gd name="connsiteX7" fmla="*/ 0 w 4403709"/>
-              <a:gd name="connsiteY7" fmla="*/ 0 h 6858001"/>
-              <a:gd name="connsiteX8" fmla="*/ 0 w 4403709"/>
-              <a:gd name="connsiteY8" fmla="*/ 6858000 h 6858001"/>
-              <a:gd name="connsiteX9" fmla="*/ 3223890 w 4403709"/>
-              <a:gd name="connsiteY9" fmla="*/ 6858000 h 6858001"/>
-            </a:gdLst>
-            <a:ahLst/>
-            <a:cxnLst>
-              <a:cxn ang="0">
-                <a:pos x="connsiteX0" y="connsiteY0"/>
-              </a:cxn>
-              <a:cxn ang="0">
-                <a:pos x="connsiteX1" y="connsiteY1"/>
-              </a:cxn>
-              <a:cxn ang="0">
-                <a:pos x="connsiteX2" y="connsiteY2"/>
-              </a:cxn>
-              <a:cxn ang="0">
-                <a:pos x="connsiteX3" y="connsiteY3"/>
-              </a:cxn>
-              <a:cxn ang="0">
-                <a:pos x="connsiteX4" y="connsiteY4"/>
-              </a:cxn>
-              <a:cxn ang="0">
-                <a:pos x="connsiteX5" y="connsiteY5"/>
-              </a:cxn>
-              <a:cxn ang="0">
-                <a:pos x="connsiteX6" y="connsiteY6"/>
-              </a:cxn>
-              <a:cxn ang="0">
-                <a:pos x="connsiteX7" y="connsiteY7"/>
-              </a:cxn>
-              <a:cxn ang="0">
-                <a:pos x="connsiteX8" y="connsiteY8"/>
-              </a:cxn>
-              <a:cxn ang="0">
-                <a:pos x="connsiteX9" y="connsiteY9"/>
-              </a:cxn>
-            </a:cxnLst>
-            <a:rect l="l" t="t" r="r" b="b"/>
-            <a:pathLst>
-              <a:path w="4403709" h="6858001">
-                <a:moveTo>
-                  <a:pt x="3223890" y="6858001"/>
-                </a:moveTo>
-                <a:lnTo>
-                  <a:pt x="4101908" y="6858001"/>
-                </a:lnTo>
-                <a:lnTo>
-                  <a:pt x="3254950" y="1599356"/>
-                </a:lnTo>
-                <a:lnTo>
-                  <a:pt x="3254950" y="1594062"/>
-                </a:lnTo>
-                <a:lnTo>
-                  <a:pt x="4403709" y="0"/>
-                </a:lnTo>
-                <a:lnTo>
-                  <a:pt x="3254950" y="0"/>
-                </a:lnTo>
-                <a:lnTo>
-                  <a:pt x="2903520" y="0"/>
-                </a:lnTo>
-                <a:lnTo>
-                  <a:pt x="0" y="0"/>
-                </a:lnTo>
-                <a:lnTo>
-                  <a:pt x="0" y="6858000"/>
-                </a:lnTo>
-                <a:lnTo>
-                  <a:pt x="3223890" y="6858000"/>
-                </a:lnTo>
-                <a:close/>
-              </a:path>
-            </a:pathLst>
-          </a:custGeom>
-          <a:ln>
-            <a:noFill/>
-          </a:ln>
-        </p:spPr>
-        <p:style>
-          <a:lnRef idx="2">
-            <a:schemeClr val="accent1">
-              <a:shade val="50000"/>
-            </a:schemeClr>
-          </a:lnRef>
-          <a:fillRef idx="1002">
-            <a:schemeClr val="dk1"/>
-          </a:fillRef>
-          <a:effectRef idx="0">
-            <a:schemeClr val="accent1"/>
-          </a:effectRef>
-          <a:fontRef idx="minor">
-            <a:schemeClr val="lt1"/>
-          </a:fontRef>
-        </p:style>
-        <p:txBody>
-          <a:bodyPr rtlCol="0" anchor="ctr"/>
-          <a:lstStyle/>
-          <a:p>
-            <a:pPr algn="ctr"/>
-            <a:endParaRPr lang="en-US">
-              <a:solidFill>
-                <a:schemeClr val="tx1"/>
-              </a:solidFill>
-            </a:endParaRPr>
-          </a:p>
-        </p:txBody>
-      </p:sp>
-      <p:sp>
-        <p:nvSpPr>
-          <p:cNvPr id="2" name="Titel 1">
-            <a:extLst>
-              <a:ext uri="{FF2B5EF4-FFF2-40B4-BE49-F238E27FC236}">
-                <a16:creationId xmlns:a16="http://schemas.microsoft.com/office/drawing/2014/main" id="{D6F2EA86-53A3-477D-B922-6B4B427F296E}"/>
-              </a:ext>
-            </a:extLst>
-          </p:cNvPr>
-          <p:cNvSpPr>
-            <a:spLocks noGrp="1"/>
-          </p:cNvSpPr>
-          <p:nvPr>
-            <p:ph type="title"/>
-          </p:nvPr>
-        </p:nvSpPr>
-        <p:spPr>
-          <a:xfrm>
-            <a:off x="535021" y="685800"/>
-            <a:ext cx="2639962" cy="5105400"/>
-          </a:xfrm>
-        </p:spPr>
-        <p:txBody>
-          <a:bodyPr>
-            <a:normAutofit/>
-          </a:bodyPr>
-          <a:lstStyle/>
-          <a:p>
-            <a:r>
-              <a:rPr lang="de-DE" sz="3700" b="1">
-                <a:solidFill>
-                  <a:srgbClr val="FFFFFF"/>
-                </a:solidFill>
-              </a:rPr>
-              <a:t>Some of The Most Important SQL Commands</a:t>
-            </a:r>
-            <a:br>
-              <a:rPr lang="de-DE" sz="3700" b="1">
-                <a:solidFill>
-                  <a:srgbClr val="FFFFFF"/>
-                </a:solidFill>
-              </a:rPr>
-            </a:br>
-            <a:endParaRPr lang="de-DE" sz="3700">
-              <a:solidFill>
-                <a:srgbClr val="FFFFFF"/>
-              </a:solidFill>
-            </a:endParaRPr>
-          </a:p>
-        </p:txBody>
-      </p:sp>
-      <p:grpSp>
-        <p:nvGrpSpPr>
-          <p:cNvPr id="14" name="Group 13">
-            <a:extLst>
-              <a:ext uri="{FF2B5EF4-FFF2-40B4-BE49-F238E27FC236}">
-                <a16:creationId xmlns:a16="http://schemas.microsoft.com/office/drawing/2014/main" id="{B57BDC17-F1B3-455F-BBF1-680AA1F25C06}"/>
-              </a:ext>
-              <a:ext uri="{C183D7F6-B498-43B3-948B-1728B52AA6E4}">
-                <adec:decorative xmlns:adec="http://schemas.microsoft.com/office/drawing/2017/decorative" val="1"/>
-              </a:ext>
-            </a:extLst>
-          </p:cNvPr>
-          <p:cNvGrpSpPr>
-            <a:grpSpLocks noGrp="1" noUngrp="1" noRot="1" noChangeAspect="1" noMove="1" noResize="1"/>
-          </p:cNvGrpSpPr>
-          <p:nvPr>
-            <p:extLst>
-              <p:ext uri="{386F3935-93C4-4BCD-93E2-E3B085C9AB24}">
-                <p16:designElem xmlns:p16="http://schemas.microsoft.com/office/powerpoint/2015/main" val="1"/>
-              </p:ext>
-            </p:extLst>
-          </p:nvPr>
-        </p:nvGrpSpPr>
-        <p:grpSpPr>
-          <a:xfrm>
-            <a:off x="3315292" y="0"/>
-            <a:ext cx="2436813" cy="6858001"/>
-            <a:chOff x="1320800" y="0"/>
-            <a:chExt cx="2436813" cy="6858001"/>
-          </a:xfrm>
-        </p:grpSpPr>
-        <p:sp>
-          <p:nvSpPr>
-            <p:cNvPr id="15" name="Freeform 6">
-              <a:extLst>
-                <a:ext uri="{FF2B5EF4-FFF2-40B4-BE49-F238E27FC236}">
-                  <a16:creationId xmlns:a16="http://schemas.microsoft.com/office/drawing/2014/main" id="{64E2FA9A-FEF7-4501-B0EB-5E45EDD2177A}"/>
-                </a:ext>
-                <a:ext uri="{C183D7F6-B498-43B3-948B-1728B52AA6E4}">
-                  <adec:decorative xmlns:adec="http://schemas.microsoft.com/office/drawing/2017/decorative" val="1"/>
-                </a:ext>
-              </a:extLst>
-            </p:cNvPr>
-            <p:cNvSpPr/>
-            <p:nvPr>
-              <p:extLst>
-                <p:ext uri="{386F3935-93C4-4BCD-93E2-E3B085C9AB24}">
-                  <p16:designElem xmlns:p16="http://schemas.microsoft.com/office/powerpoint/2015/main" val="1"/>
-                </p:ext>
-              </p:extLst>
-            </p:nvPr>
-          </p:nvSpPr>
-          <p:spPr bwMode="auto">
-            <a:xfrm>
-              <a:off x="1627188" y="0"/>
-              <a:ext cx="1122363" cy="5329238"/>
-            </a:xfrm>
-            <a:custGeom>
-              <a:avLst/>
-              <a:gdLst/>
-              <a:ahLst/>
-              <a:cxnLst/>
-              <a:rect l="0" t="0" r="r" b="b"/>
-              <a:pathLst>
-                <a:path w="707" h="3357">
-                  <a:moveTo>
-                    <a:pt x="0" y="3330"/>
-                  </a:moveTo>
-                  <a:lnTo>
-                    <a:pt x="156" y="3357"/>
-                  </a:lnTo>
-                  <a:lnTo>
-                    <a:pt x="707" y="0"/>
-                  </a:lnTo>
-                  <a:lnTo>
-                    <a:pt x="547" y="0"/>
-                  </a:lnTo>
-                  <a:lnTo>
-                    <a:pt x="0" y="3330"/>
-                  </a:lnTo>
-                  <a:close/>
-                </a:path>
-              </a:pathLst>
-            </a:custGeom>
-            <a:solidFill>
-              <a:schemeClr val="accent1"/>
-            </a:solidFill>
-            <a:ln>
-              <a:noFill/>
-            </a:ln>
-          </p:spPr>
-        </p:sp>
-        <p:sp>
-          <p:nvSpPr>
-            <p:cNvPr id="16" name="Freeform 7">
-              <a:extLst>
-                <a:ext uri="{FF2B5EF4-FFF2-40B4-BE49-F238E27FC236}">
-                  <a16:creationId xmlns:a16="http://schemas.microsoft.com/office/drawing/2014/main" id="{BC38192B-B4CB-47D4-A3B1-10010247F158}"/>
-                </a:ext>
-                <a:ext uri="{C183D7F6-B498-43B3-948B-1728B52AA6E4}">
-                  <adec:decorative xmlns:adec="http://schemas.microsoft.com/office/drawing/2017/decorative" val="1"/>
-                </a:ext>
-              </a:extLst>
-            </p:cNvPr>
-            <p:cNvSpPr/>
-            <p:nvPr>
-              <p:extLst>
-                <p:ext uri="{386F3935-93C4-4BCD-93E2-E3B085C9AB24}">
-                  <p16:designElem xmlns:p16="http://schemas.microsoft.com/office/powerpoint/2015/main" val="1"/>
-                </p:ext>
-              </p:extLst>
-            </p:nvPr>
-          </p:nvSpPr>
-          <p:spPr bwMode="auto">
-            <a:xfrm>
-              <a:off x="1320800" y="0"/>
-              <a:ext cx="1117600" cy="5276850"/>
-            </a:xfrm>
-            <a:custGeom>
-              <a:avLst/>
-              <a:gdLst/>
-              <a:ahLst/>
-              <a:cxnLst/>
-              <a:rect l="0" t="0" r="r" b="b"/>
-              <a:pathLst>
-                <a:path w="704" h="3324">
-                  <a:moveTo>
-                    <a:pt x="704" y="0"/>
-                  </a:moveTo>
-                  <a:lnTo>
-                    <a:pt x="545" y="0"/>
-                  </a:lnTo>
-                  <a:lnTo>
-                    <a:pt x="0" y="3300"/>
-                  </a:lnTo>
-                  <a:lnTo>
-                    <a:pt x="157" y="3324"/>
-                  </a:lnTo>
-                  <a:lnTo>
-                    <a:pt x="704" y="0"/>
-                  </a:lnTo>
-                  <a:close/>
-                </a:path>
-              </a:pathLst>
-            </a:custGeom>
-            <a:solidFill>
-              <a:schemeClr val="tx1">
-                <a:lumMod val="65000"/>
-                <a:lumOff val="35000"/>
-              </a:schemeClr>
-            </a:solidFill>
-            <a:ln>
-              <a:noFill/>
-            </a:ln>
-          </p:spPr>
-        </p:sp>
-        <p:sp>
-          <p:nvSpPr>
-            <p:cNvPr id="17" name="Freeform 8">
-              <a:extLst>
-                <a:ext uri="{FF2B5EF4-FFF2-40B4-BE49-F238E27FC236}">
-                  <a16:creationId xmlns:a16="http://schemas.microsoft.com/office/drawing/2014/main" id="{96330E33-E171-4B0F-82B5-AF7230399B5C}"/>
-                </a:ext>
-                <a:ext uri="{C183D7F6-B498-43B3-948B-1728B52AA6E4}">
-                  <adec:decorative xmlns:adec="http://schemas.microsoft.com/office/drawing/2017/decorative" val="1"/>
-                </a:ext>
-              </a:extLst>
-            </p:cNvPr>
-            <p:cNvSpPr/>
-            <p:nvPr>
-              <p:extLst>
-                <p:ext uri="{386F3935-93C4-4BCD-93E2-E3B085C9AB24}">
-                  <p16:designElem xmlns:p16="http://schemas.microsoft.com/office/powerpoint/2015/main" val="1"/>
-                </p:ext>
-              </p:extLst>
-            </p:nvPr>
-          </p:nvSpPr>
-          <p:spPr bwMode="auto">
-            <a:xfrm>
-              <a:off x="1320800" y="5238750"/>
-              <a:ext cx="1228725" cy="1619250"/>
-            </a:xfrm>
-            <a:custGeom>
-              <a:avLst/>
-              <a:gdLst/>
-              <a:ahLst/>
-              <a:cxnLst/>
-              <a:rect l="0" t="0" r="r" b="b"/>
-              <a:pathLst>
-                <a:path w="774" h="1020">
-                  <a:moveTo>
-                    <a:pt x="0" y="0"/>
-                  </a:moveTo>
-                  <a:lnTo>
-                    <a:pt x="740" y="1020"/>
-                  </a:lnTo>
-                  <a:lnTo>
-                    <a:pt x="774" y="1020"/>
-                  </a:lnTo>
-                  <a:lnTo>
-                    <a:pt x="0" y="0"/>
-                  </a:lnTo>
-                  <a:close/>
-                </a:path>
-              </a:pathLst>
-            </a:custGeom>
-            <a:solidFill>
-              <a:schemeClr val="tx1">
-                <a:lumMod val="85000"/>
-                <a:lumOff val="15000"/>
-              </a:schemeClr>
-            </a:solidFill>
-            <a:ln>
-              <a:noFill/>
-            </a:ln>
-          </p:spPr>
-        </p:sp>
-        <p:sp>
-          <p:nvSpPr>
-            <p:cNvPr id="18" name="Freeform 9">
-              <a:extLst>
-                <a:ext uri="{FF2B5EF4-FFF2-40B4-BE49-F238E27FC236}">
-                  <a16:creationId xmlns:a16="http://schemas.microsoft.com/office/drawing/2014/main" id="{332B1723-69BF-42D7-B757-0FA059E15256}"/>
-                </a:ext>
-                <a:ext uri="{C183D7F6-B498-43B3-948B-1728B52AA6E4}">
-                  <adec:decorative xmlns:adec="http://schemas.microsoft.com/office/drawing/2017/decorative" val="1"/>
-                </a:ext>
-              </a:extLst>
-            </p:cNvPr>
-            <p:cNvSpPr/>
-            <p:nvPr>
-              <p:extLst>
-                <p:ext uri="{386F3935-93C4-4BCD-93E2-E3B085C9AB24}">
-                  <p16:designElem xmlns:p16="http://schemas.microsoft.com/office/powerpoint/2015/main" val="1"/>
-                </p:ext>
-              </p:extLst>
-            </p:nvPr>
-          </p:nvSpPr>
-          <p:spPr bwMode="auto">
-            <a:xfrm>
-              <a:off x="1627188" y="5291138"/>
-              <a:ext cx="1495425" cy="1566863"/>
-            </a:xfrm>
-            <a:custGeom>
-              <a:avLst/>
-              <a:gdLst/>
-              <a:ahLst/>
-              <a:cxnLst/>
-              <a:rect l="0" t="0" r="r" b="b"/>
-              <a:pathLst>
-                <a:path w="942" h="987">
-                  <a:moveTo>
-                    <a:pt x="0" y="0"/>
-                  </a:moveTo>
-                  <a:lnTo>
-                    <a:pt x="909" y="987"/>
-                  </a:lnTo>
-                  <a:lnTo>
-                    <a:pt x="942" y="987"/>
-                  </a:lnTo>
-                  <a:lnTo>
-                    <a:pt x="0" y="0"/>
-                  </a:lnTo>
-                  <a:close/>
-                </a:path>
-              </a:pathLst>
-            </a:custGeom>
-            <a:solidFill>
-              <a:schemeClr val="accent1">
-                <a:lumMod val="50000"/>
-              </a:schemeClr>
-            </a:solidFill>
-            <a:ln>
-              <a:noFill/>
-            </a:ln>
-          </p:spPr>
-        </p:sp>
-        <p:sp>
-          <p:nvSpPr>
-            <p:cNvPr id="19" name="Freeform 10">
-              <a:extLst>
-                <a:ext uri="{FF2B5EF4-FFF2-40B4-BE49-F238E27FC236}">
-                  <a16:creationId xmlns:a16="http://schemas.microsoft.com/office/drawing/2014/main" id="{F115D62D-1E96-48D1-A78D-D370A0BFB9B5}"/>
-                </a:ext>
-                <a:ext uri="{C183D7F6-B498-43B3-948B-1728B52AA6E4}">
-                  <adec:decorative xmlns:adec="http://schemas.microsoft.com/office/drawing/2017/decorative" val="1"/>
-                </a:ext>
-              </a:extLst>
-            </p:cNvPr>
-            <p:cNvSpPr/>
-            <p:nvPr>
-              <p:extLst>
-                <p:ext uri="{386F3935-93C4-4BCD-93E2-E3B085C9AB24}">
-                  <p16:designElem xmlns:p16="http://schemas.microsoft.com/office/powerpoint/2015/main" val="1"/>
-                </p:ext>
-              </p:extLst>
-            </p:nvPr>
-          </p:nvSpPr>
-          <p:spPr bwMode="auto">
-            <a:xfrm>
-              <a:off x="1627188" y="5286375"/>
-              <a:ext cx="2130425" cy="1571625"/>
-            </a:xfrm>
-            <a:custGeom>
-              <a:avLst/>
-              <a:gdLst/>
-              <a:ahLst/>
-              <a:cxnLst/>
-              <a:rect l="0" t="0" r="r" b="b"/>
-              <a:pathLst>
-                <a:path w="1342" h="990">
-                  <a:moveTo>
-                    <a:pt x="0" y="3"/>
-                  </a:moveTo>
-                  <a:lnTo>
-                    <a:pt x="942" y="990"/>
-                  </a:lnTo>
-                  <a:lnTo>
-                    <a:pt x="1342" y="990"/>
-                  </a:lnTo>
-                  <a:lnTo>
-                    <a:pt x="156" y="27"/>
-                  </a:lnTo>
-                  <a:lnTo>
-                    <a:pt x="0" y="0"/>
-                  </a:lnTo>
-                  <a:lnTo>
-                    <a:pt x="0" y="3"/>
-                  </a:lnTo>
-                  <a:close/>
-                </a:path>
-              </a:pathLst>
-            </a:custGeom>
-            <a:solidFill>
-              <a:schemeClr val="accent1">
-                <a:lumMod val="75000"/>
-              </a:schemeClr>
-            </a:solidFill>
-            <a:ln>
-              <a:noFill/>
-            </a:ln>
-          </p:spPr>
-        </p:sp>
-        <p:sp>
-          <p:nvSpPr>
-            <p:cNvPr id="20" name="Freeform 11">
-              <a:extLst>
-                <a:ext uri="{FF2B5EF4-FFF2-40B4-BE49-F238E27FC236}">
-                  <a16:creationId xmlns:a16="http://schemas.microsoft.com/office/drawing/2014/main" id="{91C2876A-169D-4822-A766-C00578C88B4B}"/>
-                </a:ext>
-                <a:ext uri="{C183D7F6-B498-43B3-948B-1728B52AA6E4}">
-                  <adec:decorative xmlns:adec="http://schemas.microsoft.com/office/drawing/2017/decorative" val="1"/>
-                </a:ext>
-              </a:extLst>
-            </p:cNvPr>
-            <p:cNvSpPr/>
-            <p:nvPr>
-              <p:extLst>
-                <p:ext uri="{386F3935-93C4-4BCD-93E2-E3B085C9AB24}">
-                  <p16:designElem xmlns:p16="http://schemas.microsoft.com/office/powerpoint/2015/main" val="1"/>
-                </p:ext>
-              </p:extLst>
-            </p:nvPr>
-          </p:nvSpPr>
-          <p:spPr bwMode="auto">
-            <a:xfrm>
-              <a:off x="1320800" y="5238750"/>
-              <a:ext cx="1695450" cy="1619250"/>
-            </a:xfrm>
-            <a:custGeom>
-              <a:avLst/>
-              <a:gdLst/>
-              <a:ahLst/>
-              <a:cxnLst/>
-              <a:rect l="0" t="0" r="r" b="b"/>
-              <a:pathLst>
-                <a:path w="1068" h="1020">
-                  <a:moveTo>
-                    <a:pt x="1068" y="1020"/>
-                  </a:moveTo>
-                  <a:lnTo>
-                    <a:pt x="184" y="60"/>
-                  </a:lnTo>
-                  <a:lnTo>
-                    <a:pt x="154" y="27"/>
-                  </a:lnTo>
-                  <a:lnTo>
-                    <a:pt x="157" y="27"/>
-                  </a:lnTo>
-                  <a:lnTo>
-                    <a:pt x="157" y="24"/>
-                  </a:lnTo>
-                  <a:lnTo>
-                    <a:pt x="154" y="24"/>
-                  </a:lnTo>
-                  <a:lnTo>
-                    <a:pt x="0" y="0"/>
-                  </a:lnTo>
-                  <a:lnTo>
-                    <a:pt x="0" y="0"/>
-                  </a:lnTo>
-                  <a:lnTo>
-                    <a:pt x="774" y="1020"/>
-                  </a:lnTo>
-                  <a:lnTo>
-                    <a:pt x="1068" y="1020"/>
-                  </a:lnTo>
-                  <a:close/>
-                </a:path>
-              </a:pathLst>
-            </a:custGeom>
-            <a:solidFill>
-              <a:schemeClr val="tx1">
-                <a:lumMod val="75000"/>
-                <a:lumOff val="25000"/>
-              </a:schemeClr>
-            </a:solidFill>
-            <a:ln>
-              <a:noFill/>
-            </a:ln>
-          </p:spPr>
-        </p:sp>
-      </p:grpSp>
-      <p:graphicFrame>
-        <p:nvGraphicFramePr>
-          <p:cNvPr id="5" name="Inhaltsplatzhalter 2">
-            <a:extLst>
-              <a:ext uri="{FF2B5EF4-FFF2-40B4-BE49-F238E27FC236}">
-                <a16:creationId xmlns:a16="http://schemas.microsoft.com/office/drawing/2014/main" id="{E8B1B419-C5A9-4995-B33F-A2D8BAF56753}"/>
-              </a:ext>
-            </a:extLst>
-          </p:cNvPr>
-          <p:cNvGraphicFramePr>
-            <a:graphicFrameLocks noGrp="1"/>
-          </p:cNvGraphicFramePr>
-          <p:nvPr>
-            <p:ph idx="1"/>
-            <p:extLst>
-              <p:ext uri="{D42A27DB-BD31-4B8C-83A1-F6EECF244321}">
-                <p14:modId xmlns:p14="http://schemas.microsoft.com/office/powerpoint/2010/main" val="2484808391"/>
-              </p:ext>
-            </p:extLst>
-          </p:nvPr>
-        </p:nvGraphicFramePr>
-        <p:xfrm>
-          <a:off x="5010150" y="685800"/>
-          <a:ext cx="6492875" cy="5105400"/>
-        </p:xfrm>
-        <a:graphic>
-          <a:graphicData uri="http://schemas.openxmlformats.org/drawingml/2006/diagram">
-            <dgm:relIds xmlns:dgm="http://schemas.openxmlformats.org/drawingml/2006/diagram" xmlns:r="http://schemas.openxmlformats.org/officeDocument/2006/relationships" r:dm="rId2" r:lo="rId3" r:qs="rId4" r:cs="rId5"/>
-          </a:graphicData>
-        </a:graphic>
-      </p:graphicFrame>
-    </p:spTree>
-    <p:extLst>
-      <p:ext uri="{BB962C8B-B14F-4D97-AF65-F5344CB8AC3E}">
-        <p14:creationId xmlns:p14="http://schemas.microsoft.com/office/powerpoint/2010/main" val="2661897454"/>
       </p:ext>
     </p:extLst>
   </p:cSld>
